--- a/Преза_КР.pptx
+++ b/Преза_КР.pptx
@@ -5,15 +5,23 @@
     <p:sldMasterId id="2147483648" r:id="rId1"/>
   </p:sldMasterIdLst>
   <p:notesMasterIdLst>
-    <p:notesMasterId r:id="rId8"/>
+    <p:notesMasterId r:id="rId16"/>
   </p:notesMasterIdLst>
   <p:sldIdLst>
     <p:sldId id="278" r:id="rId2"/>
     <p:sldId id="257" r:id="rId3"/>
-    <p:sldId id="266" r:id="rId4"/>
+    <p:sldId id="283" r:id="rId4"/>
     <p:sldId id="274" r:id="rId5"/>
-    <p:sldId id="277" r:id="rId6"/>
-    <p:sldId id="275" r:id="rId7"/>
+    <p:sldId id="280" r:id="rId6"/>
+    <p:sldId id="282" r:id="rId7"/>
+    <p:sldId id="281" r:id="rId8"/>
+    <p:sldId id="286" r:id="rId9"/>
+    <p:sldId id="284" r:id="rId10"/>
+    <p:sldId id="285" r:id="rId11"/>
+    <p:sldId id="287" r:id="rId12"/>
+    <p:sldId id="279" r:id="rId13"/>
+    <p:sldId id="277" r:id="rId14"/>
+    <p:sldId id="275" r:id="rId15"/>
   </p:sldIdLst>
   <p:sldSz cx="12190413" cy="6859588"/>
   <p:notesSz cx="6858000" cy="9144000"/>
@@ -213,7 +221,7 @@
           <a:p>
             <a:fld id="{A3EA5D75-65A6-45CF-B8A8-D293EE720A3B}" type="datetimeFigureOut">
               <a:rPr lang="ru-RU" smtClean="0"/>
-              <a:t>31.05.2021</a:t>
+              <a:t>02.06.2021</a:t>
             </a:fld>
             <a:endParaRPr lang="ru-RU"/>
           </a:p>
@@ -563,6 +571,987 @@
 </p:notes>
 </file>
 
+<file path=ppt/notesSlides/notesSlide10.xml><?xml version="1.0" encoding="utf-8"?>
+<p:notes xmlns:a="http://schemas.openxmlformats.org/drawingml/2006/main" xmlns:r="http://schemas.openxmlformats.org/officeDocument/2006/relationships" xmlns:p="http://schemas.openxmlformats.org/presentationml/2006/main">
+  <p:cSld>
+    <p:spTree>
+      <p:nvGrpSpPr>
+        <p:cNvPr id="1" name=""/>
+        <p:cNvGrpSpPr/>
+        <p:nvPr/>
+      </p:nvGrpSpPr>
+      <p:grpSpPr>
+        <a:xfrm>
+          <a:off x="0" y="0"/>
+          <a:ext cx="0" cy="0"/>
+          <a:chOff x="0" y="0"/>
+          <a:chExt cx="0" cy="0"/>
+        </a:xfrm>
+      </p:grpSpPr>
+      <p:sp>
+        <p:nvSpPr>
+          <p:cNvPr id="2" name="Образ слайда 1"/>
+          <p:cNvSpPr>
+            <a:spLocks noGrp="1" noRot="1" noChangeAspect="1"/>
+          </p:cNvSpPr>
+          <p:nvPr>
+            <p:ph type="sldImg"/>
+          </p:nvPr>
+        </p:nvSpPr>
+        <p:spPr/>
+      </p:sp>
+      <p:sp>
+        <p:nvSpPr>
+          <p:cNvPr id="3" name="Заметки 2"/>
+          <p:cNvSpPr>
+            <a:spLocks noGrp="1"/>
+          </p:cNvSpPr>
+          <p:nvPr>
+            <p:ph type="body" idx="1"/>
+          </p:nvPr>
+        </p:nvSpPr>
+        <p:spPr/>
+        <p:txBody>
+          <a:bodyPr/>
+          <a:lstStyle/>
+          <a:p>
+            <a:r>
+              <a:rPr lang="ru-RU" sz="1600" kern="1200" dirty="0" smtClean="0">
+                <a:solidFill>
+                  <a:schemeClr val="tx1"/>
+                </a:solidFill>
+                <a:effectLst/>
+                <a:latin typeface="+mn-lt"/>
+                <a:ea typeface="+mn-ea"/>
+                <a:cs typeface="+mn-cs"/>
+              </a:rPr>
+              <a:t>На данном этапе разработка почти завершена, остается лишь инициализировать </a:t>
+            </a:r>
+            <a:r>
+              <a:rPr lang="en-US" sz="1600" kern="1200" dirty="0" err="1" smtClean="0">
+                <a:solidFill>
+                  <a:schemeClr val="tx1"/>
+                </a:solidFill>
+                <a:effectLst/>
+                <a:latin typeface="+mn-lt"/>
+                <a:ea typeface="+mn-ea"/>
+                <a:cs typeface="+mn-cs"/>
+              </a:rPr>
+              <a:t>github</a:t>
+            </a:r>
+            <a:r>
+              <a:rPr lang="ru-RU" sz="1600" kern="1200" dirty="0" smtClean="0">
+                <a:solidFill>
+                  <a:schemeClr val="tx1"/>
+                </a:solidFill>
+                <a:effectLst/>
+                <a:latin typeface="+mn-lt"/>
+                <a:ea typeface="+mn-ea"/>
+                <a:cs typeface="+mn-cs"/>
+              </a:rPr>
+              <a:t>-</a:t>
+            </a:r>
+            <a:r>
+              <a:rPr lang="ru-RU" sz="1600" kern="1200" dirty="0" err="1" smtClean="0">
+                <a:solidFill>
+                  <a:schemeClr val="tx1"/>
+                </a:solidFill>
+                <a:effectLst/>
+                <a:latin typeface="+mn-lt"/>
+                <a:ea typeface="+mn-ea"/>
+                <a:cs typeface="+mn-cs"/>
+              </a:rPr>
+              <a:t>репозиторий</a:t>
+            </a:r>
+            <a:r>
+              <a:rPr lang="ru-RU" sz="1600" kern="1200" dirty="0" smtClean="0">
+                <a:solidFill>
+                  <a:schemeClr val="tx1"/>
+                </a:solidFill>
+                <a:effectLst/>
+                <a:latin typeface="+mn-lt"/>
+                <a:ea typeface="+mn-ea"/>
+                <a:cs typeface="+mn-cs"/>
+              </a:rPr>
+              <a:t> и загрузить в него свой пакет. В данном случае создан </a:t>
+            </a:r>
+            <a:r>
+              <a:rPr lang="ru-RU" sz="1600" kern="1200" dirty="0" err="1" smtClean="0">
+                <a:solidFill>
+                  <a:schemeClr val="tx1"/>
+                </a:solidFill>
+                <a:effectLst/>
+                <a:latin typeface="+mn-lt"/>
+                <a:ea typeface="+mn-ea"/>
+                <a:cs typeface="+mn-cs"/>
+              </a:rPr>
+              <a:t>репозиторий</a:t>
+            </a:r>
+            <a:r>
+              <a:rPr lang="ru-RU" sz="1600" kern="1200" dirty="0" smtClean="0">
+                <a:solidFill>
+                  <a:schemeClr val="tx1"/>
+                </a:solidFill>
+                <a:effectLst/>
+                <a:latin typeface="+mn-lt"/>
+                <a:ea typeface="+mn-ea"/>
+                <a:cs typeface="+mn-cs"/>
+              </a:rPr>
+              <a:t> под названием «</a:t>
+            </a:r>
+            <a:r>
+              <a:rPr lang="en-US" sz="1600" kern="1200" dirty="0" err="1" smtClean="0">
+                <a:solidFill>
+                  <a:schemeClr val="tx1"/>
+                </a:solidFill>
+                <a:effectLst/>
+                <a:latin typeface="+mn-lt"/>
+                <a:ea typeface="+mn-ea"/>
+                <a:cs typeface="+mn-cs"/>
+              </a:rPr>
+              <a:t>mypackage</a:t>
+            </a:r>
+            <a:r>
+              <a:rPr lang="ru-RU" sz="1600" kern="1200" dirty="0" smtClean="0">
+                <a:solidFill>
+                  <a:schemeClr val="tx1"/>
+                </a:solidFill>
+                <a:effectLst/>
+                <a:latin typeface="+mn-lt"/>
+                <a:ea typeface="+mn-ea"/>
+                <a:cs typeface="+mn-cs"/>
+              </a:rPr>
+              <a:t>». Теперь пакет могут установить себе и пользоваться другие пользователи языка программирования </a:t>
+            </a:r>
+            <a:r>
+              <a:rPr lang="en-US" sz="1600" kern="1200" dirty="0" smtClean="0">
+                <a:solidFill>
+                  <a:schemeClr val="tx1"/>
+                </a:solidFill>
+                <a:effectLst/>
+                <a:latin typeface="+mn-lt"/>
+                <a:ea typeface="+mn-ea"/>
+                <a:cs typeface="+mn-cs"/>
+              </a:rPr>
+              <a:t>R</a:t>
+            </a:r>
+            <a:r>
+              <a:rPr lang="ru-RU" sz="1600" kern="1200" dirty="0" smtClean="0">
+                <a:solidFill>
+                  <a:schemeClr val="tx1"/>
+                </a:solidFill>
+                <a:effectLst/>
+                <a:latin typeface="+mn-lt"/>
+                <a:ea typeface="+mn-ea"/>
+                <a:cs typeface="+mn-cs"/>
+              </a:rPr>
+              <a:t>.</a:t>
+            </a:r>
+          </a:p>
+          <a:p>
+            <a:r>
+              <a:rPr lang="ru-RU" sz="1600" kern="1200" dirty="0" smtClean="0">
+                <a:solidFill>
+                  <a:schemeClr val="tx1"/>
+                </a:solidFill>
+                <a:effectLst/>
+                <a:latin typeface="+mn-lt"/>
+                <a:ea typeface="+mn-ea"/>
+                <a:cs typeface="+mn-cs"/>
+              </a:rPr>
+              <a:t>Установка пакета происходит при помощи стандартной функции «</a:t>
+            </a:r>
+            <a:r>
+              <a:rPr lang="en-US" sz="1600" kern="1200" dirty="0" smtClean="0">
+                <a:solidFill>
+                  <a:schemeClr val="tx1"/>
+                </a:solidFill>
+                <a:effectLst/>
+                <a:latin typeface="+mn-lt"/>
+                <a:ea typeface="+mn-ea"/>
+                <a:cs typeface="+mn-cs"/>
+              </a:rPr>
+              <a:t>install</a:t>
+            </a:r>
+            <a:r>
+              <a:rPr lang="ru-RU" sz="1600" kern="1200" dirty="0" smtClean="0">
+                <a:solidFill>
+                  <a:schemeClr val="tx1"/>
+                </a:solidFill>
+                <a:effectLst/>
+                <a:latin typeface="+mn-lt"/>
+                <a:ea typeface="+mn-ea"/>
+                <a:cs typeface="+mn-cs"/>
+              </a:rPr>
+              <a:t>_</a:t>
+            </a:r>
+            <a:r>
+              <a:rPr lang="en-US" sz="1600" kern="1200" dirty="0" err="1" smtClean="0">
+                <a:solidFill>
+                  <a:schemeClr val="tx1"/>
+                </a:solidFill>
+                <a:effectLst/>
+                <a:latin typeface="+mn-lt"/>
+                <a:ea typeface="+mn-ea"/>
+                <a:cs typeface="+mn-cs"/>
+              </a:rPr>
+              <a:t>github</a:t>
+            </a:r>
+            <a:r>
+              <a:rPr lang="ru-RU" sz="1600" kern="1200" dirty="0" smtClean="0">
+                <a:solidFill>
+                  <a:schemeClr val="tx1"/>
+                </a:solidFill>
+                <a:effectLst/>
+                <a:latin typeface="+mn-lt"/>
+                <a:ea typeface="+mn-ea"/>
+                <a:cs typeface="+mn-cs"/>
+              </a:rPr>
+              <a:t>(ссылка)», у которой в качестве параметра подается ссылка на </a:t>
+            </a:r>
+            <a:r>
+              <a:rPr lang="en-US" sz="1600" kern="1200" dirty="0" err="1" smtClean="0">
+                <a:solidFill>
+                  <a:schemeClr val="tx1"/>
+                </a:solidFill>
+                <a:effectLst/>
+                <a:latin typeface="+mn-lt"/>
+                <a:ea typeface="+mn-ea"/>
+                <a:cs typeface="+mn-cs"/>
+              </a:rPr>
+              <a:t>github</a:t>
+            </a:r>
+            <a:r>
+              <a:rPr lang="ru-RU" sz="1600" kern="1200" dirty="0" smtClean="0">
+                <a:solidFill>
+                  <a:schemeClr val="tx1"/>
+                </a:solidFill>
+                <a:effectLst/>
+                <a:latin typeface="+mn-lt"/>
+                <a:ea typeface="+mn-ea"/>
+                <a:cs typeface="+mn-cs"/>
+              </a:rPr>
+              <a:t>-</a:t>
+            </a:r>
+            <a:r>
+              <a:rPr lang="ru-RU" sz="1600" kern="1200" dirty="0" err="1" smtClean="0">
+                <a:solidFill>
+                  <a:schemeClr val="tx1"/>
+                </a:solidFill>
+                <a:effectLst/>
+                <a:latin typeface="+mn-lt"/>
+                <a:ea typeface="+mn-ea"/>
+                <a:cs typeface="+mn-cs"/>
+              </a:rPr>
+              <a:t>репозиторий</a:t>
+            </a:r>
+            <a:r>
+              <a:rPr lang="ru-RU" sz="1600" kern="1200" dirty="0" smtClean="0">
+                <a:solidFill>
+                  <a:schemeClr val="tx1"/>
+                </a:solidFill>
+                <a:effectLst/>
+                <a:latin typeface="+mn-lt"/>
+                <a:ea typeface="+mn-ea"/>
+                <a:cs typeface="+mn-cs"/>
+              </a:rPr>
+              <a:t>. По окончании установки можно проверить, действительно ли установился пакет. Проверка осуществляется с помощью стандартной функции «</a:t>
+            </a:r>
+            <a:r>
+              <a:rPr lang="en-US" sz="1600" kern="1200" dirty="0" smtClean="0">
+                <a:solidFill>
+                  <a:schemeClr val="tx1"/>
+                </a:solidFill>
+                <a:effectLst/>
+                <a:latin typeface="+mn-lt"/>
+                <a:ea typeface="+mn-ea"/>
+                <a:cs typeface="+mn-cs"/>
+              </a:rPr>
+              <a:t>installed</a:t>
+            </a:r>
+            <a:r>
+              <a:rPr lang="ru-RU" sz="1600" kern="1200" dirty="0" smtClean="0">
+                <a:solidFill>
+                  <a:schemeClr val="tx1"/>
+                </a:solidFill>
+                <a:effectLst/>
+                <a:latin typeface="+mn-lt"/>
+                <a:ea typeface="+mn-ea"/>
+                <a:cs typeface="+mn-cs"/>
+              </a:rPr>
+              <a:t>.</a:t>
+            </a:r>
+            <a:r>
+              <a:rPr lang="en-US" sz="1600" kern="1200" dirty="0" smtClean="0">
+                <a:solidFill>
+                  <a:schemeClr val="tx1"/>
+                </a:solidFill>
+                <a:effectLst/>
+                <a:latin typeface="+mn-lt"/>
+                <a:ea typeface="+mn-ea"/>
+                <a:cs typeface="+mn-cs"/>
+              </a:rPr>
+              <a:t>packages</a:t>
+            </a:r>
+            <a:r>
+              <a:rPr lang="ru-RU" sz="1600" kern="1200" dirty="0" smtClean="0">
+                <a:solidFill>
+                  <a:schemeClr val="tx1"/>
+                </a:solidFill>
+                <a:effectLst/>
+                <a:latin typeface="+mn-lt"/>
+                <a:ea typeface="+mn-ea"/>
+                <a:cs typeface="+mn-cs"/>
+              </a:rPr>
+              <a:t>()». Она выведет список всех установленных пакетов, среди которых будет «</a:t>
+            </a:r>
+            <a:r>
+              <a:rPr lang="en-US" sz="1600" kern="1200" dirty="0" err="1" smtClean="0">
+                <a:solidFill>
+                  <a:schemeClr val="tx1"/>
+                </a:solidFill>
+                <a:effectLst/>
+                <a:latin typeface="+mn-lt"/>
+                <a:ea typeface="+mn-ea"/>
+                <a:cs typeface="+mn-cs"/>
+              </a:rPr>
+              <a:t>mypackage</a:t>
+            </a:r>
+            <a:r>
+              <a:rPr lang="ru-RU" sz="1600" kern="1200" dirty="0" smtClean="0">
+                <a:solidFill>
+                  <a:schemeClr val="tx1"/>
+                </a:solidFill>
+                <a:effectLst/>
+                <a:latin typeface="+mn-lt"/>
+                <a:ea typeface="+mn-ea"/>
+                <a:cs typeface="+mn-cs"/>
+              </a:rPr>
+              <a:t>».</a:t>
+            </a:r>
+            <a:endParaRPr lang="ru-RU" sz="1600" kern="1200" dirty="0">
+              <a:solidFill>
+                <a:schemeClr val="tx1"/>
+              </a:solidFill>
+              <a:effectLst/>
+              <a:latin typeface="+mn-lt"/>
+              <a:ea typeface="+mn-ea"/>
+              <a:cs typeface="+mn-cs"/>
+            </a:endParaRPr>
+          </a:p>
+        </p:txBody>
+      </p:sp>
+      <p:sp>
+        <p:nvSpPr>
+          <p:cNvPr id="4" name="Номер слайда 3"/>
+          <p:cNvSpPr>
+            <a:spLocks noGrp="1"/>
+          </p:cNvSpPr>
+          <p:nvPr>
+            <p:ph type="sldNum" sz="quarter" idx="10"/>
+          </p:nvPr>
+        </p:nvSpPr>
+        <p:spPr/>
+        <p:txBody>
+          <a:bodyPr/>
+          <a:lstStyle/>
+          <a:p>
+            <a:fld id="{2DB4E936-F114-4930-902A-E5DF2A2255C6}" type="slidenum">
+              <a:rPr lang="ru-RU" smtClean="0"/>
+              <a:t>10</a:t>
+            </a:fld>
+            <a:endParaRPr lang="ru-RU"/>
+          </a:p>
+        </p:txBody>
+      </p:sp>
+    </p:spTree>
+    <p:extLst>
+      <p:ext uri="{BB962C8B-B14F-4D97-AF65-F5344CB8AC3E}">
+        <p14:creationId xmlns:p14="http://schemas.microsoft.com/office/powerpoint/2010/main" val="1537435402"/>
+      </p:ext>
+    </p:extLst>
+  </p:cSld>
+  <p:clrMapOvr>
+    <a:masterClrMapping/>
+  </p:clrMapOvr>
+</p:notes>
+</file>
+
+<file path=ppt/notesSlides/notesSlide11.xml><?xml version="1.0" encoding="utf-8"?>
+<p:notes xmlns:a="http://schemas.openxmlformats.org/drawingml/2006/main" xmlns:r="http://schemas.openxmlformats.org/officeDocument/2006/relationships" xmlns:p="http://schemas.openxmlformats.org/presentationml/2006/main">
+  <p:cSld>
+    <p:spTree>
+      <p:nvGrpSpPr>
+        <p:cNvPr id="1" name=""/>
+        <p:cNvGrpSpPr/>
+        <p:nvPr/>
+      </p:nvGrpSpPr>
+      <p:grpSpPr>
+        <a:xfrm>
+          <a:off x="0" y="0"/>
+          <a:ext cx="0" cy="0"/>
+          <a:chOff x="0" y="0"/>
+          <a:chExt cx="0" cy="0"/>
+        </a:xfrm>
+      </p:grpSpPr>
+      <p:sp>
+        <p:nvSpPr>
+          <p:cNvPr id="2" name="Образ слайда 1"/>
+          <p:cNvSpPr>
+            <a:spLocks noGrp="1" noRot="1" noChangeAspect="1"/>
+          </p:cNvSpPr>
+          <p:nvPr>
+            <p:ph type="sldImg"/>
+          </p:nvPr>
+        </p:nvSpPr>
+        <p:spPr/>
+      </p:sp>
+      <p:sp>
+        <p:nvSpPr>
+          <p:cNvPr id="3" name="Заметки 2"/>
+          <p:cNvSpPr>
+            <a:spLocks noGrp="1"/>
+          </p:cNvSpPr>
+          <p:nvPr>
+            <p:ph type="body" idx="1"/>
+          </p:nvPr>
+        </p:nvSpPr>
+        <p:spPr/>
+        <p:txBody>
+          <a:bodyPr/>
+          <a:lstStyle/>
+          <a:p>
+            <a:pPr marL="0" marR="0" indent="0" algn="l" defTabSz="1218565" rtl="0" eaLnBrk="1" fontAlgn="auto" latinLnBrk="0" hangingPunct="1">
+              <a:lnSpc>
+                <a:spcPct val="100000"/>
+              </a:lnSpc>
+              <a:spcBef>
+                <a:spcPts val="0"/>
+              </a:spcBef>
+              <a:spcAft>
+                <a:spcPts val="0"/>
+              </a:spcAft>
+              <a:buClrTx/>
+              <a:buSzTx/>
+              <a:buFontTx/>
+              <a:buNone/>
+              <a:tabLst/>
+              <a:defRPr/>
+            </a:pPr>
+            <a:r>
+              <a:rPr lang="ru-RU" sz="1600" kern="1200" dirty="0" smtClean="0">
+                <a:solidFill>
+                  <a:schemeClr val="tx1"/>
+                </a:solidFill>
+                <a:effectLst/>
+                <a:latin typeface="+mn-lt"/>
+                <a:ea typeface="+mn-ea"/>
+                <a:cs typeface="+mn-cs"/>
+              </a:rPr>
+              <a:t>Пример использования одной из функций пакета представлен </a:t>
+            </a:r>
+            <a:r>
+              <a:rPr lang="ru-RU" sz="1600" kern="1200" smtClean="0">
+                <a:solidFill>
+                  <a:schemeClr val="tx1"/>
+                </a:solidFill>
+                <a:effectLst/>
+                <a:latin typeface="+mn-lt"/>
+                <a:ea typeface="+mn-ea"/>
+                <a:cs typeface="+mn-cs"/>
+              </a:rPr>
+              <a:t>на слайде.</a:t>
+            </a:r>
+          </a:p>
+          <a:p>
+            <a:pPr marL="0" marR="0" indent="0" algn="l" defTabSz="1218565" rtl="0" eaLnBrk="1" fontAlgn="auto" latinLnBrk="0" hangingPunct="1">
+              <a:lnSpc>
+                <a:spcPct val="100000"/>
+              </a:lnSpc>
+              <a:spcBef>
+                <a:spcPts val="0"/>
+              </a:spcBef>
+              <a:spcAft>
+                <a:spcPts val="0"/>
+              </a:spcAft>
+              <a:buClrTx/>
+              <a:buSzTx/>
+              <a:buFontTx/>
+              <a:buNone/>
+              <a:tabLst/>
+              <a:defRPr/>
+            </a:pPr>
+            <a:r>
+              <a:rPr lang="ru-RU" sz="1600" kern="1200" dirty="0" smtClean="0">
+                <a:solidFill>
+                  <a:schemeClr val="tx1"/>
+                </a:solidFill>
+                <a:effectLst/>
+                <a:latin typeface="+mn-lt"/>
+                <a:ea typeface="+mn-ea"/>
+                <a:cs typeface="+mn-cs"/>
+              </a:rPr>
+              <a:t>Данная функция находит первый, второй и третий квартили входного вектора «</a:t>
+            </a:r>
+            <a:r>
+              <a:rPr lang="en-US" sz="1600" kern="1200" dirty="0" smtClean="0">
+                <a:solidFill>
+                  <a:schemeClr val="tx1"/>
+                </a:solidFill>
+                <a:effectLst/>
+                <a:latin typeface="+mn-lt"/>
+                <a:ea typeface="+mn-ea"/>
+                <a:cs typeface="+mn-cs"/>
+              </a:rPr>
+              <a:t>a</a:t>
+            </a:r>
+            <a:r>
+              <a:rPr lang="ru-RU" sz="1600" kern="1200" dirty="0" smtClean="0">
+                <a:solidFill>
+                  <a:schemeClr val="tx1"/>
+                </a:solidFill>
+                <a:effectLst/>
+                <a:latin typeface="+mn-lt"/>
+                <a:ea typeface="+mn-ea"/>
+                <a:cs typeface="+mn-cs"/>
+              </a:rPr>
+              <a:t>» соответственно и возвращает результат в виде именованного вектора чисел.</a:t>
+            </a:r>
+          </a:p>
+          <a:p>
+            <a:endParaRPr lang="ru-RU" dirty="0"/>
+          </a:p>
+        </p:txBody>
+      </p:sp>
+      <p:sp>
+        <p:nvSpPr>
+          <p:cNvPr id="4" name="Номер слайда 3"/>
+          <p:cNvSpPr>
+            <a:spLocks noGrp="1"/>
+          </p:cNvSpPr>
+          <p:nvPr>
+            <p:ph type="sldNum" sz="quarter" idx="10"/>
+          </p:nvPr>
+        </p:nvSpPr>
+        <p:spPr/>
+        <p:txBody>
+          <a:bodyPr/>
+          <a:lstStyle/>
+          <a:p>
+            <a:fld id="{2DB4E936-F114-4930-902A-E5DF2A2255C6}" type="slidenum">
+              <a:rPr lang="ru-RU" smtClean="0"/>
+              <a:t>11</a:t>
+            </a:fld>
+            <a:endParaRPr lang="ru-RU"/>
+          </a:p>
+        </p:txBody>
+      </p:sp>
+    </p:spTree>
+    <p:extLst>
+      <p:ext uri="{BB962C8B-B14F-4D97-AF65-F5344CB8AC3E}">
+        <p14:creationId xmlns:p14="http://schemas.microsoft.com/office/powerpoint/2010/main" val="41571300"/>
+      </p:ext>
+    </p:extLst>
+  </p:cSld>
+  <p:clrMapOvr>
+    <a:masterClrMapping/>
+  </p:clrMapOvr>
+</p:notes>
+</file>
+
+<file path=ppt/notesSlides/notesSlide12.xml><?xml version="1.0" encoding="utf-8"?>
+<p:notes xmlns:a="http://schemas.openxmlformats.org/drawingml/2006/main" xmlns:r="http://schemas.openxmlformats.org/officeDocument/2006/relationships" xmlns:p="http://schemas.openxmlformats.org/presentationml/2006/main">
+  <p:cSld>
+    <p:spTree>
+      <p:nvGrpSpPr>
+        <p:cNvPr id="1" name=""/>
+        <p:cNvGrpSpPr/>
+        <p:nvPr/>
+      </p:nvGrpSpPr>
+      <p:grpSpPr>
+        <a:xfrm>
+          <a:off x="0" y="0"/>
+          <a:ext cx="0" cy="0"/>
+          <a:chOff x="0" y="0"/>
+          <a:chExt cx="0" cy="0"/>
+        </a:xfrm>
+      </p:grpSpPr>
+      <p:sp>
+        <p:nvSpPr>
+          <p:cNvPr id="2" name="Образ слайда 1"/>
+          <p:cNvSpPr>
+            <a:spLocks noGrp="1" noRot="1" noChangeAspect="1"/>
+          </p:cNvSpPr>
+          <p:nvPr>
+            <p:ph type="sldImg"/>
+          </p:nvPr>
+        </p:nvSpPr>
+        <p:spPr>
+          <a:xfrm>
+            <a:off x="382588" y="685800"/>
+            <a:ext cx="6092825" cy="3429000"/>
+          </a:xfrm>
+        </p:spPr>
+      </p:sp>
+      <p:sp>
+        <p:nvSpPr>
+          <p:cNvPr id="3" name="Заметки 2"/>
+          <p:cNvSpPr>
+            <a:spLocks noGrp="1"/>
+          </p:cNvSpPr>
+          <p:nvPr>
+            <p:ph type="body" idx="1"/>
+          </p:nvPr>
+        </p:nvSpPr>
+        <p:spPr/>
+        <p:txBody>
+          <a:bodyPr/>
+          <a:lstStyle/>
+          <a:p>
+            <a:r>
+              <a:rPr lang="ru-RU" sz="1600" kern="1200" dirty="0" smtClean="0">
+                <a:solidFill>
+                  <a:schemeClr val="tx1"/>
+                </a:solidFill>
+                <a:effectLst/>
+                <a:latin typeface="+mn-lt"/>
+                <a:ea typeface="+mn-ea"/>
+                <a:cs typeface="+mn-cs"/>
+              </a:rPr>
+              <a:t>Язык программирования </a:t>
+            </a:r>
+            <a:r>
+              <a:rPr lang="en-US" sz="1600" kern="1200" dirty="0" smtClean="0">
+                <a:solidFill>
+                  <a:schemeClr val="tx1"/>
+                </a:solidFill>
+                <a:effectLst/>
+                <a:latin typeface="+mn-lt"/>
+                <a:ea typeface="+mn-ea"/>
+                <a:cs typeface="+mn-cs"/>
+              </a:rPr>
+              <a:t>R</a:t>
+            </a:r>
+            <a:r>
+              <a:rPr lang="ru-RU" sz="1600" kern="1200" dirty="0" smtClean="0">
+                <a:solidFill>
+                  <a:schemeClr val="tx1"/>
+                </a:solidFill>
+                <a:effectLst/>
+                <a:latin typeface="+mn-lt"/>
+                <a:ea typeface="+mn-ea"/>
+                <a:cs typeface="+mn-cs"/>
+              </a:rPr>
+              <a:t> создавался специально для анализа данных, поэтому многие функции для анализа данных являются встроенными. Их много, но задач и способов применения еще больше. Поэтому главное достоинство языка состоит в возможности разрабатывать пользовательские пакеты для решения определенных задач. </a:t>
+            </a:r>
+          </a:p>
+          <a:p>
+            <a:r>
+              <a:rPr lang="ru-RU" sz="1600" kern="1200" dirty="0" smtClean="0">
+                <a:solidFill>
+                  <a:schemeClr val="tx1"/>
+                </a:solidFill>
+                <a:effectLst/>
+                <a:latin typeface="+mn-lt"/>
+                <a:ea typeface="+mn-ea"/>
+                <a:cs typeface="+mn-cs"/>
+              </a:rPr>
+              <a:t>Сфера применения языка только растет. Разрабатывается все больше пакетов, функционал которых позволяет решать самые разнообразные задачи: от визуализации данных до помощи в разработке других пакетов.</a:t>
+            </a:r>
+          </a:p>
+          <a:p>
+            <a:r>
+              <a:rPr lang="ru-RU" sz="1600" kern="1200" dirty="0" smtClean="0">
+                <a:solidFill>
+                  <a:schemeClr val="tx1"/>
+                </a:solidFill>
+                <a:effectLst/>
+                <a:latin typeface="+mn-lt"/>
+                <a:ea typeface="+mn-ea"/>
+                <a:cs typeface="+mn-cs"/>
+              </a:rPr>
+              <a:t>Также необходимо отметить, что одни пакеты могут служить в роли «кирпичиков» при разработке других. Поэтому тема разработки пакетов на языке программирования </a:t>
+            </a:r>
+            <a:r>
+              <a:rPr lang="en-US" sz="1600" kern="1200" dirty="0" smtClean="0">
+                <a:solidFill>
+                  <a:schemeClr val="tx1"/>
+                </a:solidFill>
+                <a:effectLst/>
+                <a:latin typeface="+mn-lt"/>
+                <a:ea typeface="+mn-ea"/>
+                <a:cs typeface="+mn-cs"/>
+              </a:rPr>
+              <a:t>R</a:t>
+            </a:r>
+            <a:r>
+              <a:rPr lang="ru-RU" sz="1600" kern="1200" dirty="0" smtClean="0">
+                <a:solidFill>
+                  <a:schemeClr val="tx1"/>
+                </a:solidFill>
+                <a:effectLst/>
+                <a:latin typeface="+mn-lt"/>
+                <a:ea typeface="+mn-ea"/>
+                <a:cs typeface="+mn-cs"/>
+              </a:rPr>
+              <a:t> остается актуальной.</a:t>
+            </a:r>
+            <a:endParaRPr lang="ru-RU" sz="1600" kern="1200" dirty="0">
+              <a:solidFill>
+                <a:schemeClr val="tx1"/>
+              </a:solidFill>
+              <a:effectLst/>
+              <a:latin typeface="+mn-lt"/>
+              <a:ea typeface="+mn-ea"/>
+              <a:cs typeface="+mn-cs"/>
+            </a:endParaRPr>
+          </a:p>
+        </p:txBody>
+      </p:sp>
+      <p:sp>
+        <p:nvSpPr>
+          <p:cNvPr id="4" name="Номер слайда 3"/>
+          <p:cNvSpPr>
+            <a:spLocks noGrp="1"/>
+          </p:cNvSpPr>
+          <p:nvPr>
+            <p:ph type="sldNum" sz="quarter" idx="10"/>
+          </p:nvPr>
+        </p:nvSpPr>
+        <p:spPr/>
+        <p:txBody>
+          <a:bodyPr/>
+          <a:lstStyle/>
+          <a:p>
+            <a:fld id="{2DB4E936-F114-4930-902A-E5DF2A2255C6}" type="slidenum">
+              <a:rPr lang="ru-RU" smtClean="0"/>
+              <a:t>12</a:t>
+            </a:fld>
+            <a:endParaRPr lang="ru-RU"/>
+          </a:p>
+        </p:txBody>
+      </p:sp>
+    </p:spTree>
+    <p:extLst>
+      <p:ext uri="{BB962C8B-B14F-4D97-AF65-F5344CB8AC3E}">
+        <p14:creationId xmlns:p14="http://schemas.microsoft.com/office/powerpoint/2010/main" val="1930809584"/>
+      </p:ext>
+    </p:extLst>
+  </p:cSld>
+  <p:clrMapOvr>
+    <a:masterClrMapping/>
+  </p:clrMapOvr>
+</p:notes>
+</file>
+
+<file path=ppt/notesSlides/notesSlide13.xml><?xml version="1.0" encoding="utf-8"?>
+<p:notes xmlns:a="http://schemas.openxmlformats.org/drawingml/2006/main" xmlns:r="http://schemas.openxmlformats.org/officeDocument/2006/relationships" xmlns:p="http://schemas.openxmlformats.org/presentationml/2006/main">
+  <p:cSld>
+    <p:spTree>
+      <p:nvGrpSpPr>
+        <p:cNvPr id="1" name=""/>
+        <p:cNvGrpSpPr/>
+        <p:nvPr/>
+      </p:nvGrpSpPr>
+      <p:grpSpPr>
+        <a:xfrm>
+          <a:off x="0" y="0"/>
+          <a:ext cx="0" cy="0"/>
+          <a:chOff x="0" y="0"/>
+          <a:chExt cx="0" cy="0"/>
+        </a:xfrm>
+      </p:grpSpPr>
+      <p:sp>
+        <p:nvSpPr>
+          <p:cNvPr id="2" name="Образ слайда 1"/>
+          <p:cNvSpPr>
+            <a:spLocks noGrp="1" noRot="1" noChangeAspect="1"/>
+          </p:cNvSpPr>
+          <p:nvPr>
+            <p:ph type="sldImg"/>
+          </p:nvPr>
+        </p:nvSpPr>
+        <p:spPr>
+          <a:xfrm>
+            <a:off x="382588" y="685800"/>
+            <a:ext cx="6092825" cy="3429000"/>
+          </a:xfrm>
+        </p:spPr>
+      </p:sp>
+      <p:sp>
+        <p:nvSpPr>
+          <p:cNvPr id="3" name="Заметки 2"/>
+          <p:cNvSpPr>
+            <a:spLocks noGrp="1"/>
+          </p:cNvSpPr>
+          <p:nvPr>
+            <p:ph type="body" idx="1"/>
+          </p:nvPr>
+        </p:nvSpPr>
+        <p:spPr/>
+        <p:txBody>
+          <a:bodyPr/>
+          <a:lstStyle/>
+          <a:p>
+            <a:r>
+              <a:rPr lang="ru-RU" sz="1200" kern="1200" dirty="0" smtClean="0">
+                <a:solidFill>
+                  <a:schemeClr val="tx1"/>
+                </a:solidFill>
+                <a:effectLst/>
+                <a:latin typeface="+mn-lt"/>
+                <a:ea typeface="+mn-ea"/>
+                <a:cs typeface="+mn-cs"/>
+              </a:rPr>
+              <a:t>Цель</a:t>
+            </a:r>
+            <a:r>
+              <a:rPr lang="ru-RU" sz="1200" kern="1200" baseline="0" dirty="0" smtClean="0">
+                <a:solidFill>
+                  <a:schemeClr val="tx1"/>
+                </a:solidFill>
+                <a:effectLst/>
+                <a:latin typeface="+mn-lt"/>
+                <a:ea typeface="+mn-ea"/>
+                <a:cs typeface="+mn-cs"/>
+              </a:rPr>
+              <a:t> – (на слайде) – достигнута. В ходе выполнения курсового проекта выполнены следующие задачи: (на слайде).</a:t>
+            </a:r>
+            <a:endParaRPr lang="ru-RU" sz="1200" kern="1200" dirty="0" smtClean="0">
+              <a:solidFill>
+                <a:schemeClr val="tx1"/>
+              </a:solidFill>
+              <a:effectLst/>
+              <a:latin typeface="+mn-lt"/>
+              <a:ea typeface="+mn-ea"/>
+              <a:cs typeface="+mn-cs"/>
+            </a:endParaRPr>
+          </a:p>
+        </p:txBody>
+      </p:sp>
+      <p:sp>
+        <p:nvSpPr>
+          <p:cNvPr id="4" name="Номер слайда 3"/>
+          <p:cNvSpPr>
+            <a:spLocks noGrp="1"/>
+          </p:cNvSpPr>
+          <p:nvPr>
+            <p:ph type="sldNum" sz="quarter" idx="10"/>
+          </p:nvPr>
+        </p:nvSpPr>
+        <p:spPr/>
+        <p:txBody>
+          <a:bodyPr/>
+          <a:lstStyle/>
+          <a:p>
+            <a:fld id="{2DB4E936-F114-4930-902A-E5DF2A2255C6}" type="slidenum">
+              <a:rPr lang="ru-RU" smtClean="0"/>
+              <a:t>13</a:t>
+            </a:fld>
+            <a:endParaRPr lang="ru-RU"/>
+          </a:p>
+        </p:txBody>
+      </p:sp>
+    </p:spTree>
+  </p:cSld>
+  <p:clrMapOvr>
+    <a:masterClrMapping/>
+  </p:clrMapOvr>
+</p:notes>
+</file>
+
+<file path=ppt/notesSlides/notesSlide14.xml><?xml version="1.0" encoding="utf-8"?>
+<p:notes xmlns:a="http://schemas.openxmlformats.org/drawingml/2006/main" xmlns:r="http://schemas.openxmlformats.org/officeDocument/2006/relationships" xmlns:p="http://schemas.openxmlformats.org/presentationml/2006/main">
+  <p:cSld>
+    <p:spTree>
+      <p:nvGrpSpPr>
+        <p:cNvPr id="1" name=""/>
+        <p:cNvGrpSpPr/>
+        <p:nvPr/>
+      </p:nvGrpSpPr>
+      <p:grpSpPr>
+        <a:xfrm>
+          <a:off x="0" y="0"/>
+          <a:ext cx="0" cy="0"/>
+          <a:chOff x="0" y="0"/>
+          <a:chExt cx="0" cy="0"/>
+        </a:xfrm>
+      </p:grpSpPr>
+      <p:sp>
+        <p:nvSpPr>
+          <p:cNvPr id="2" name="Образ слайда 1"/>
+          <p:cNvSpPr>
+            <a:spLocks noGrp="1" noRot="1" noChangeAspect="1"/>
+          </p:cNvSpPr>
+          <p:nvPr>
+            <p:ph type="sldImg"/>
+          </p:nvPr>
+        </p:nvSpPr>
+        <p:spPr>
+          <a:xfrm>
+            <a:off x="382588" y="685800"/>
+            <a:ext cx="6092825" cy="3429000"/>
+          </a:xfrm>
+        </p:spPr>
+      </p:sp>
+      <p:sp>
+        <p:nvSpPr>
+          <p:cNvPr id="3" name="Заметки 2"/>
+          <p:cNvSpPr>
+            <a:spLocks noGrp="1"/>
+          </p:cNvSpPr>
+          <p:nvPr>
+            <p:ph type="body" idx="1"/>
+          </p:nvPr>
+        </p:nvSpPr>
+        <p:spPr/>
+        <p:txBody>
+          <a:bodyPr/>
+          <a:lstStyle/>
+          <a:p>
+            <a:r>
+              <a:rPr lang="ru-RU" dirty="0" smtClean="0"/>
+              <a:t>Спасибо</a:t>
+            </a:r>
+            <a:r>
+              <a:rPr lang="ru-RU" baseline="0" dirty="0" smtClean="0"/>
+              <a:t> за внимание!</a:t>
+            </a:r>
+            <a:endParaRPr lang="ru-RU" dirty="0"/>
+          </a:p>
+        </p:txBody>
+      </p:sp>
+      <p:sp>
+        <p:nvSpPr>
+          <p:cNvPr id="4" name="Номер слайда 3"/>
+          <p:cNvSpPr>
+            <a:spLocks noGrp="1"/>
+          </p:cNvSpPr>
+          <p:nvPr>
+            <p:ph type="sldNum" sz="quarter" idx="10"/>
+          </p:nvPr>
+        </p:nvSpPr>
+        <p:spPr/>
+        <p:txBody>
+          <a:bodyPr/>
+          <a:lstStyle/>
+          <a:p>
+            <a:fld id="{2DB4E936-F114-4930-902A-E5DF2A2255C6}" type="slidenum">
+              <a:rPr lang="ru-RU" smtClean="0"/>
+              <a:t>14</a:t>
+            </a:fld>
+            <a:endParaRPr lang="ru-RU"/>
+          </a:p>
+        </p:txBody>
+      </p:sp>
+    </p:spTree>
+  </p:cSld>
+  <p:clrMapOvr>
+    <a:masterClrMapping/>
+  </p:clrMapOvr>
+</p:notes>
+</file>
+
 <file path=ppt/notesSlides/notesSlide2.xml><?xml version="1.0" encoding="utf-8"?>
 <p:notes xmlns:a="http://schemas.openxmlformats.org/drawingml/2006/main" xmlns:r="http://schemas.openxmlformats.org/officeDocument/2006/relationships" xmlns:p="http://schemas.openxmlformats.org/presentationml/2006/main">
   <p:cSld>
@@ -597,8 +1586,8 @@
           </a:xfrm>
         </p:spPr>
       </p:sp>
-      <mc:AlternateContent xmlns:mc="http://schemas.openxmlformats.org/markup-compatibility/2006">
-        <mc:Choice xmlns:a14="http://schemas.microsoft.com/office/drawing/2010/main" Requires="a14">
+      <mc:AlternateContent xmlns:mc="http://schemas.openxmlformats.org/markup-compatibility/2006" xmlns:a14="http://schemas.microsoft.com/office/drawing/2010/main">
+        <mc:Choice Requires="a14">
           <p:sp>
             <p:nvSpPr>
               <p:cNvPr id="3" name="Заметки 2"/>
@@ -818,7 +1807,7 @@
                           <a:schemeClr val="tx1"/>
                         </a:solidFill>
                         <a:effectLst/>
-                        <a:latin typeface="+mn-lt"/>
+                        <a:latin typeface="Cambria Math" panose="02040503050406030204" pitchFamily="18" charset="0"/>
                         <a:ea typeface="+mn-ea"/>
                         <a:cs typeface="+mn-cs"/>
                       </a:rPr>
@@ -918,7 +1907,7 @@
             </p:txBody>
           </p:sp>
         </mc:Choice>
-        <mc:Fallback>
+        <mc:Fallback xmlns="">
           <p:sp>
             <p:nvSpPr>
               <p:cNvPr id="3" name="Заметки 2"/>
@@ -1316,10 +2305,62 @@
           <a:lstStyle/>
           <a:p>
             <a:r>
-              <a:rPr lang="ru-RU" dirty="0" smtClean="0"/>
-              <a:t>Тут текст</a:t>
-            </a:r>
-            <a:endParaRPr lang="ru-RU" dirty="0"/>
+              <a:rPr lang="ru-RU" sz="1600" kern="1200" dirty="0" smtClean="0">
+                <a:solidFill>
+                  <a:schemeClr val="tx1"/>
+                </a:solidFill>
+                <a:effectLst/>
+                <a:latin typeface="+mn-lt"/>
+                <a:ea typeface="+mn-ea"/>
+                <a:cs typeface="+mn-cs"/>
+              </a:rPr>
+              <a:t>Алгоритм создания</a:t>
+            </a:r>
+            <a:r>
+              <a:rPr lang="ru-RU" sz="1600" kern="1200" baseline="0" dirty="0" smtClean="0">
+                <a:solidFill>
+                  <a:schemeClr val="tx1"/>
+                </a:solidFill>
+                <a:effectLst/>
+                <a:latin typeface="+mn-lt"/>
+                <a:ea typeface="+mn-ea"/>
+                <a:cs typeface="+mn-cs"/>
+              </a:rPr>
+              <a:t> собственного пакета на языке программирования </a:t>
+            </a:r>
+            <a:r>
+              <a:rPr lang="en-US" sz="1600" kern="1200" baseline="0" dirty="0" smtClean="0">
+                <a:solidFill>
+                  <a:schemeClr val="tx1"/>
+                </a:solidFill>
+                <a:effectLst/>
+                <a:latin typeface="+mn-lt"/>
+                <a:ea typeface="+mn-ea"/>
+                <a:cs typeface="+mn-cs"/>
+              </a:rPr>
+              <a:t>R</a:t>
+            </a:r>
+            <a:r>
+              <a:rPr lang="ru-RU" sz="1600" kern="1200" baseline="0" dirty="0" smtClean="0">
+                <a:solidFill>
+                  <a:schemeClr val="tx1"/>
+                </a:solidFill>
+                <a:effectLst/>
+                <a:latin typeface="+mn-lt"/>
+                <a:ea typeface="+mn-ea"/>
+                <a:cs typeface="+mn-cs"/>
+              </a:rPr>
+              <a:t> достаточно прост. Его пункты представлены на слайде.</a:t>
+            </a:r>
+            <a:endParaRPr lang="ru-RU" sz="1600" kern="1200" dirty="0">
+              <a:solidFill>
+                <a:schemeClr val="tx1"/>
+              </a:solidFill>
+              <a:effectLst/>
+              <a:latin typeface="+mn-lt"/>
+              <a:ea typeface="+mn-ea"/>
+              <a:cs typeface="+mn-cs"/>
+            </a:endParaRPr>
           </a:p>
         </p:txBody>
       </p:sp>
@@ -1347,6 +2388,11 @@
         </p:txBody>
       </p:sp>
     </p:spTree>
+    <p:extLst>
+      <p:ext uri="{BB962C8B-B14F-4D97-AF65-F5344CB8AC3E}">
+        <p14:creationId xmlns:p14="http://schemas.microsoft.com/office/powerpoint/2010/main" val="3071964811"/>
+      </p:ext>
+    </p:extLst>
   </p:cSld>
   <p:clrMapOvr>
     <a:masterClrMapping/>
@@ -1413,10 +2459,12 @@
                 <a:ea typeface="+mn-ea"/>
                 <a:cs typeface="+mn-cs"/>
               </a:rPr>
-              <a:t>Язык программирования </a:t>
-            </a:r>
-            <a:r>
-              <a:rPr lang="en-US" sz="1600" kern="1200" dirty="0" smtClean="0">
+              <a:t>Раздел описательной статистики позволяет обобщить первичные результаты, полученные при наблюдении или в эксперименте. Все расчеты описательных статистик  сводятся  к группировке  данных  по  их  значениям,  построению распределения их частот, выявлению центральных тенденций распределения и,  наконец,  к  оценке  разброса  данных  по  отношению  к  найденной центральной тенденции. </a:t>
+            </a:r>
+          </a:p>
+          <a:p>
+            <a:r>
+              <a:rPr lang="ru-RU" sz="1600" kern="1200" dirty="0" smtClean="0">
                 <a:solidFill>
                   <a:schemeClr val="tx1"/>
                 </a:solidFill>
@@ -1425,8 +2473,10 @@
                 <a:ea typeface="+mn-ea"/>
                 <a:cs typeface="+mn-cs"/>
               </a:rPr>
-              <a:t>R</a:t>
-            </a:r>
+              <a:t>Представление  описательных  статистик  является  первым  шагом любого анализа. Цель представления данных в виде описательных статистик –  сделать  выводы  и  принять  верные  решения,  основанные  на  имеющихся данных. Представление данных происходит посредством подсчета некоторых величин, называемых основными показателями описательной статистики.  </a:t>
+            </a:r>
+          </a:p>
+          <a:p>
             <a:r>
               <a:rPr lang="ru-RU" sz="1600" kern="1200" dirty="0" smtClean="0">
                 <a:solidFill>
@@ -1437,12 +2487,10 @@
                 <a:ea typeface="+mn-ea"/>
                 <a:cs typeface="+mn-cs"/>
               </a:rPr>
-              <a:t> создавался специально для анализа данных, поэтому многие функции для анализа данных являются встроенными. Их много, но задач и способов применения еще больше. Поэтому главное достоинство языка состоит в возможности разрабатывать пользовательские пакеты для решения определенных задач. </a:t>
-            </a:r>
-          </a:p>
-          <a:p>
-            <a:r>
-              <a:rPr lang="ru-RU" sz="1600" kern="1200" dirty="0" smtClean="0">
+              <a:t>Эти величины включают в себя: среднее значение,</a:t>
+            </a:r>
+            <a:r>
+              <a:rPr lang="ru-RU" sz="1600" kern="1200" baseline="0" dirty="0" smtClean="0">
                 <a:solidFill>
                   <a:schemeClr val="tx1"/>
                 </a:solidFill>
@@ -1451,10 +2499,8 @@
                 <a:ea typeface="+mn-ea"/>
                 <a:cs typeface="+mn-cs"/>
               </a:rPr>
-              <a:t>Сфера применения языка только растет. Разрабатывается все больше пакетов, функционал которых позволяет решать самые разнообразные задачи: от визуализации данных до помощи в разработке других пакетов.</a:t>
-            </a:r>
-          </a:p>
-          <a:p>
+              <a:t> </a:t>
+            </a:r>
             <a:r>
               <a:rPr lang="ru-RU" sz="1600" kern="1200" dirty="0" smtClean="0">
                 <a:solidFill>
@@ -1465,10 +2511,10 @@
                 <a:ea typeface="+mn-ea"/>
                 <a:cs typeface="+mn-cs"/>
               </a:rPr>
-              <a:t>Также необходимо отметить, что одни пакеты могут служить в роли «кирпичиков» при разработке других. Поэтому тема разработки пакетов на языке программирования </a:t>
-            </a:r>
-            <a:r>
-              <a:rPr lang="en-US" sz="1600" kern="1200" dirty="0" smtClean="0">
+              <a:t>медиана,</a:t>
+            </a:r>
+            <a:r>
+              <a:rPr lang="ru-RU" sz="1600" kern="1200" baseline="0" dirty="0" smtClean="0">
                 <a:solidFill>
                   <a:schemeClr val="tx1"/>
                 </a:solidFill>
@@ -1477,7 +2523,7 @@
                 <a:ea typeface="+mn-ea"/>
                 <a:cs typeface="+mn-cs"/>
               </a:rPr>
-              <a:t>R</a:t>
+              <a:t> </a:t>
             </a:r>
             <a:r>
               <a:rPr lang="ru-RU" sz="1600" kern="1200" dirty="0" smtClean="0">
@@ -1489,8 +2535,82 @@
                 <a:ea typeface="+mn-ea"/>
                 <a:cs typeface="+mn-cs"/>
               </a:rPr>
-              <a:t> остается актуальной.</a:t>
-            </a:r>
+              <a:t>мода, разброс (диапазон разброса данных),</a:t>
+            </a:r>
+            <a:r>
+              <a:rPr lang="ru-RU" sz="1600" kern="1200" baseline="0" dirty="0" smtClean="0">
+                <a:solidFill>
+                  <a:schemeClr val="tx1"/>
+                </a:solidFill>
+                <a:effectLst/>
+                <a:latin typeface="+mn-lt"/>
+                <a:ea typeface="+mn-ea"/>
+                <a:cs typeface="+mn-cs"/>
+              </a:rPr>
+              <a:t> </a:t>
+            </a:r>
+            <a:r>
+              <a:rPr lang="ru-RU" sz="1600" kern="1200" dirty="0" smtClean="0">
+                <a:solidFill>
+                  <a:schemeClr val="tx1"/>
+                </a:solidFill>
+                <a:effectLst/>
+                <a:latin typeface="+mn-lt"/>
+                <a:ea typeface="+mn-ea"/>
+                <a:cs typeface="+mn-cs"/>
+              </a:rPr>
+              <a:t>дисперсия, отклонение,</a:t>
+            </a:r>
+            <a:r>
+              <a:rPr lang="ru-RU" sz="1600" kern="1200" baseline="0" dirty="0" smtClean="0">
+                <a:solidFill>
+                  <a:schemeClr val="tx1"/>
+                </a:solidFill>
+                <a:effectLst/>
+                <a:latin typeface="+mn-lt"/>
+                <a:ea typeface="+mn-ea"/>
+                <a:cs typeface="+mn-cs"/>
+              </a:rPr>
+              <a:t> </a:t>
+            </a:r>
+            <a:r>
+              <a:rPr lang="ru-RU" sz="1600" kern="1200" dirty="0" smtClean="0">
+                <a:solidFill>
+                  <a:schemeClr val="tx1"/>
+                </a:solidFill>
+                <a:effectLst/>
+                <a:latin typeface="+mn-lt"/>
+                <a:ea typeface="+mn-ea"/>
+                <a:cs typeface="+mn-cs"/>
+              </a:rPr>
+              <a:t>квартили,</a:t>
+            </a:r>
+            <a:r>
+              <a:rPr lang="ru-RU" sz="1600" kern="1200" baseline="0" dirty="0" smtClean="0">
+                <a:solidFill>
+                  <a:schemeClr val="tx1"/>
+                </a:solidFill>
+                <a:effectLst/>
+                <a:latin typeface="+mn-lt"/>
+                <a:ea typeface="+mn-ea"/>
+                <a:cs typeface="+mn-cs"/>
+              </a:rPr>
+              <a:t> </a:t>
+            </a:r>
+            <a:r>
+              <a:rPr lang="ru-RU" sz="1600" kern="1200" dirty="0" smtClean="0">
+                <a:solidFill>
+                  <a:schemeClr val="tx1"/>
+                </a:solidFill>
+                <a:effectLst/>
+                <a:latin typeface="+mn-lt"/>
+                <a:ea typeface="+mn-ea"/>
+                <a:cs typeface="+mn-cs"/>
+              </a:rPr>
+              <a:t>доверительный интервал. </a:t>
+            </a:r>
+          </a:p>
+          <a:p>
             <a:endParaRPr lang="ru-RU" sz="1600" kern="1200" dirty="0">
               <a:solidFill>
                 <a:schemeClr val="tx1"/>
@@ -1584,7 +2704,7 @@
           <a:lstStyle/>
           <a:p>
             <a:r>
-              <a:rPr lang="ru-RU" sz="1200" kern="1200" dirty="0" smtClean="0">
+              <a:rPr lang="ru-RU" sz="1600" kern="1200" dirty="0" smtClean="0">
                 <a:solidFill>
                   <a:schemeClr val="tx1"/>
                 </a:solidFill>
@@ -1593,10 +2713,10 @@
                 <a:ea typeface="+mn-ea"/>
                 <a:cs typeface="+mn-cs"/>
               </a:rPr>
-              <a:t>Цель</a:t>
-            </a:r>
-            <a:r>
-              <a:rPr lang="ru-RU" sz="1200" kern="1200" baseline="0" dirty="0" smtClean="0">
+              <a:t>Для автоматического создания иерархии</a:t>
+            </a:r>
+            <a:r>
+              <a:rPr lang="ru-RU" sz="1600" kern="1200" baseline="0" dirty="0" smtClean="0">
                 <a:solidFill>
                   <a:schemeClr val="tx1"/>
                 </a:solidFill>
@@ -1605,9 +2725,93 @@
                 <a:ea typeface="+mn-ea"/>
                 <a:cs typeface="+mn-cs"/>
               </a:rPr>
-              <a:t> – (на слайде) достигнута. В ходе выполнения курсового проекта выполнены следующие задачи: (на слайде).</a:t>
-            </a:r>
-            <a:endParaRPr lang="ru-RU" sz="1200" kern="1200" dirty="0" smtClean="0">
+              <a:t> файлов используется к</a:t>
+            </a:r>
+            <a:r>
+              <a:rPr lang="ru-RU" sz="1600" kern="1200" dirty="0" smtClean="0">
+                <a:solidFill>
+                  <a:schemeClr val="tx1"/>
+                </a:solidFill>
+                <a:effectLst/>
+                <a:latin typeface="+mn-lt"/>
+                <a:ea typeface="+mn-ea"/>
+                <a:cs typeface="+mn-cs"/>
+              </a:rPr>
+              <a:t>оманда </a:t>
+            </a:r>
+            <a:r>
+              <a:rPr lang="en-US" sz="1600" kern="1200" dirty="0" err="1" smtClean="0">
+                <a:solidFill>
+                  <a:schemeClr val="tx1"/>
+                </a:solidFill>
+                <a:effectLst/>
+                <a:latin typeface="+mn-lt"/>
+                <a:ea typeface="+mn-ea"/>
+                <a:cs typeface="+mn-cs"/>
+              </a:rPr>
+              <a:t>devtools</a:t>
+            </a:r>
+            <a:r>
+              <a:rPr lang="en-US" sz="1600" kern="1200" dirty="0" smtClean="0">
+                <a:solidFill>
+                  <a:schemeClr val="tx1"/>
+                </a:solidFill>
+                <a:effectLst/>
+                <a:latin typeface="+mn-lt"/>
+                <a:ea typeface="+mn-ea"/>
+                <a:cs typeface="+mn-cs"/>
+              </a:rPr>
+              <a:t>::create()</a:t>
+            </a:r>
+            <a:r>
+              <a:rPr lang="ru-RU" sz="1600" kern="1200" dirty="0" smtClean="0">
+                <a:solidFill>
+                  <a:schemeClr val="tx1"/>
+                </a:solidFill>
+                <a:effectLst/>
+                <a:latin typeface="+mn-lt"/>
+                <a:ea typeface="+mn-ea"/>
+                <a:cs typeface="+mn-cs"/>
+              </a:rPr>
+              <a:t>.</a:t>
+            </a:r>
+            <a:r>
+              <a:rPr lang="ru-RU" sz="1600" kern="1200" baseline="0" dirty="0" smtClean="0">
+                <a:solidFill>
+                  <a:schemeClr val="tx1"/>
+                </a:solidFill>
+                <a:effectLst/>
+                <a:latin typeface="+mn-lt"/>
+                <a:ea typeface="+mn-ea"/>
+                <a:cs typeface="+mn-cs"/>
+              </a:rPr>
+              <a:t> </a:t>
+            </a:r>
+            <a:r>
+              <a:rPr lang="ru-RU" sz="1600" kern="1200" dirty="0" smtClean="0">
+                <a:solidFill>
+                  <a:schemeClr val="tx1"/>
+                </a:solidFill>
+                <a:effectLst/>
+                <a:latin typeface="+mn-lt"/>
+                <a:ea typeface="+mn-ea"/>
+                <a:cs typeface="+mn-cs"/>
+              </a:rPr>
+              <a:t>Созданы файлы (на</a:t>
+            </a:r>
+            <a:r>
+              <a:rPr lang="ru-RU" sz="1600" kern="1200" baseline="0" dirty="0" smtClean="0">
+                <a:solidFill>
+                  <a:schemeClr val="tx1"/>
+                </a:solidFill>
+                <a:effectLst/>
+                <a:latin typeface="+mn-lt"/>
+                <a:ea typeface="+mn-ea"/>
+                <a:cs typeface="+mn-cs"/>
+              </a:rPr>
+              <a:t> слайде) и директория (на слайде).</a:t>
+            </a:r>
+            <a:endParaRPr lang="ru-RU" sz="1600" kern="1200" dirty="0">
               <a:solidFill>
                 <a:schemeClr val="tx1"/>
               </a:solidFill>
@@ -1643,6 +2847,11 @@
         </p:txBody>
       </p:sp>
     </p:spTree>
+    <p:extLst>
+      <p:ext uri="{BB962C8B-B14F-4D97-AF65-F5344CB8AC3E}">
+        <p14:creationId xmlns:p14="http://schemas.microsoft.com/office/powerpoint/2010/main" val="2915143096"/>
+      </p:ext>
+    </p:extLst>
   </p:cSld>
   <p:clrMapOvr>
     <a:masterClrMapping/>
@@ -1684,33 +2893,1804 @@
           </a:xfrm>
         </p:spPr>
       </p:sp>
-      <p:sp>
-        <p:nvSpPr>
-          <p:cNvPr id="3" name="Заметки 2"/>
-          <p:cNvSpPr>
-            <a:spLocks noGrp="1"/>
-          </p:cNvSpPr>
-          <p:nvPr>
-            <p:ph type="body" idx="1"/>
-          </p:nvPr>
-        </p:nvSpPr>
-        <p:spPr/>
-        <p:txBody>
-          <a:bodyPr/>
-          <a:lstStyle/>
-          <a:p>
-            <a:r>
-              <a:rPr lang="ru-RU" dirty="0" smtClean="0"/>
-              <a:t>Спасибо</a:t>
-            </a:r>
-            <a:r>
-              <a:rPr lang="ru-RU" baseline="0" dirty="0" smtClean="0"/>
-              <a:t> за внимание!</a:t>
-            </a:r>
-            <a:endParaRPr lang="ru-RU" dirty="0"/>
-          </a:p>
-        </p:txBody>
-      </p:sp>
+      <mc:AlternateContent xmlns:mc="http://schemas.openxmlformats.org/markup-compatibility/2006">
+        <mc:Choice xmlns:a14="http://schemas.microsoft.com/office/drawing/2010/main" Requires="a14">
+          <p:sp>
+            <p:nvSpPr>
+              <p:cNvPr id="3" name="Заметки 2"/>
+              <p:cNvSpPr>
+                <a:spLocks noGrp="1"/>
+              </p:cNvSpPr>
+              <p:nvPr>
+                <p:ph type="body" idx="1"/>
+              </p:nvPr>
+            </p:nvSpPr>
+            <p:spPr/>
+            <p:txBody>
+              <a:bodyPr/>
+              <a:lstStyle/>
+              <a:p>
+                <a:r>
+                  <a:rPr lang="ru-RU" sz="1600" kern="1200" dirty="0" smtClean="0">
+                    <a:solidFill>
+                      <a:schemeClr val="tx1"/>
+                    </a:solidFill>
+                    <a:effectLst/>
+                    <a:latin typeface="+mn-lt"/>
+                    <a:ea typeface="+mn-ea"/>
+                    <a:cs typeface="+mn-cs"/>
+                  </a:rPr>
+                  <a:t>В автоматически создавшемся файле </a:t>
+                </a:r>
+                <a:r>
+                  <a:rPr lang="en-US" sz="1600" kern="1200" dirty="0" smtClean="0">
+                    <a:solidFill>
+                      <a:schemeClr val="tx1"/>
+                    </a:solidFill>
+                    <a:effectLst/>
+                    <a:latin typeface="+mn-lt"/>
+                    <a:ea typeface="+mn-ea"/>
+                    <a:cs typeface="+mn-cs"/>
+                  </a:rPr>
+                  <a:t>DESCRIPTION</a:t>
+                </a:r>
+                <a:r>
+                  <a:rPr lang="ru-RU" sz="1600" kern="1200" dirty="0" smtClean="0">
+                    <a:solidFill>
+                      <a:schemeClr val="tx1"/>
+                    </a:solidFill>
+                    <a:effectLst/>
+                    <a:latin typeface="+mn-lt"/>
+                    <a:ea typeface="+mn-ea"/>
+                    <a:cs typeface="+mn-cs"/>
+                  </a:rPr>
+                  <a:t> введены метаданные создаваемого пакета.</a:t>
+                </a:r>
+              </a:p>
+              <a:p>
+                <a:r>
+                  <a:rPr lang="ru-RU" sz="1600" kern="1200" dirty="0" smtClean="0">
+                    <a:solidFill>
+                      <a:schemeClr val="tx1"/>
+                    </a:solidFill>
+                    <a:effectLst/>
+                    <a:latin typeface="+mn-lt"/>
+                    <a:ea typeface="+mn-ea"/>
+                    <a:cs typeface="+mn-cs"/>
+                  </a:rPr>
+                  <a:t>Следует рассказать о самых важных немного подробнее:</a:t>
+                </a:r>
+              </a:p>
+              <a:p>
+                <a:pPr lvl="0"/>
+                <a:r>
+                  <a:rPr lang="ru-RU" sz="1600" kern="1200" dirty="0">
+                    <a:solidFill>
+                      <a:schemeClr val="tx1"/>
+                    </a:solidFill>
+                    <a:effectLst/>
+                    <a:latin typeface="+mn-lt"/>
+                    <a:ea typeface="+mn-ea"/>
+                    <a:cs typeface="+mn-cs"/>
+                  </a:rPr>
+                  <a:t>«</a:t>
+                </a:r>
+                <a:r>
+                  <a:rPr lang="en-US" sz="1600" kern="1200" dirty="0">
+                    <a:solidFill>
+                      <a:schemeClr val="tx1"/>
+                    </a:solidFill>
+                    <a:effectLst/>
+                    <a:latin typeface="+mn-lt"/>
+                    <a:ea typeface="+mn-ea"/>
+                    <a:cs typeface="+mn-cs"/>
+                  </a:rPr>
+                  <a:t>Package</a:t>
+                </a:r>
+                <a:r>
+                  <a:rPr lang="ru-RU" sz="1600" kern="1200" dirty="0">
+                    <a:solidFill>
+                      <a:schemeClr val="tx1"/>
+                    </a:solidFill>
+                    <a:effectLst/>
+                    <a:latin typeface="+mn-lt"/>
+                    <a:ea typeface="+mn-ea"/>
+                    <a:cs typeface="+mn-cs"/>
+                  </a:rPr>
+                  <a:t>» </a:t>
+                </a:r>
+                <a14:m>
+                  <m:oMath xmlns:m="http://schemas.openxmlformats.org/officeDocument/2006/math">
+                    <m:r>
+                      <a:rPr lang="ru-RU" sz="1600" i="1" kern="1200">
+                        <a:solidFill>
+                          <a:schemeClr val="tx1"/>
+                        </a:solidFill>
+                        <a:effectLst/>
+                        <a:latin typeface="+mn-lt"/>
+                        <a:ea typeface="+mn-ea"/>
+                        <a:cs typeface="+mn-cs"/>
+                      </a:rPr>
+                      <m:t>−</m:t>
+                    </m:r>
+                  </m:oMath>
+                </a14:m>
+                <a:r>
+                  <a:rPr lang="ru-RU" sz="1600" kern="1200" dirty="0">
+                    <a:solidFill>
+                      <a:schemeClr val="tx1"/>
+                    </a:solidFill>
+                    <a:effectLst/>
+                    <a:latin typeface="+mn-lt"/>
+                    <a:ea typeface="+mn-ea"/>
+                    <a:cs typeface="+mn-cs"/>
+                  </a:rPr>
+                  <a:t> название пакета;</a:t>
+                </a:r>
+              </a:p>
+              <a:p>
+                <a:pPr lvl="0"/>
+                <a:r>
+                  <a:rPr lang="ru-RU" sz="1600" kern="1200" dirty="0">
+                    <a:solidFill>
+                      <a:schemeClr val="tx1"/>
+                    </a:solidFill>
+                    <a:effectLst/>
+                    <a:latin typeface="+mn-lt"/>
+                    <a:ea typeface="+mn-ea"/>
+                    <a:cs typeface="+mn-cs"/>
+                  </a:rPr>
+                  <a:t>«</a:t>
+                </a:r>
+                <a:r>
+                  <a:rPr lang="en-US" sz="1600" kern="1200" dirty="0">
+                    <a:solidFill>
+                      <a:schemeClr val="tx1"/>
+                    </a:solidFill>
+                    <a:effectLst/>
+                    <a:latin typeface="+mn-lt"/>
+                    <a:ea typeface="+mn-ea"/>
+                    <a:cs typeface="+mn-cs"/>
+                  </a:rPr>
+                  <a:t>Type</a:t>
+                </a:r>
+                <a:r>
+                  <a:rPr lang="ru-RU" sz="1600" kern="1200" dirty="0">
+                    <a:solidFill>
+                      <a:schemeClr val="tx1"/>
+                    </a:solidFill>
+                    <a:effectLst/>
+                    <a:latin typeface="+mn-lt"/>
+                    <a:ea typeface="+mn-ea"/>
+                    <a:cs typeface="+mn-cs"/>
+                  </a:rPr>
+                  <a:t>» </a:t>
+                </a:r>
+                <a14:m>
+                  <m:oMath xmlns:m="http://schemas.openxmlformats.org/officeDocument/2006/math">
+                    <m:r>
+                      <a:rPr lang="ru-RU" sz="1600" i="1" kern="1200">
+                        <a:solidFill>
+                          <a:schemeClr val="tx1"/>
+                        </a:solidFill>
+                        <a:effectLst/>
+                        <a:latin typeface="+mn-lt"/>
+                        <a:ea typeface="+mn-ea"/>
+                        <a:cs typeface="+mn-cs"/>
+                      </a:rPr>
+                      <m:t>−</m:t>
+                    </m:r>
+                  </m:oMath>
+                </a14:m>
+                <a:r>
+                  <a:rPr lang="ru-RU" sz="1600" kern="1200" dirty="0">
+                    <a:solidFill>
+                      <a:schemeClr val="tx1"/>
+                    </a:solidFill>
+                    <a:effectLst/>
+                    <a:latin typeface="+mn-lt"/>
+                    <a:ea typeface="+mn-ea"/>
+                    <a:cs typeface="+mn-cs"/>
+                  </a:rPr>
+                  <a:t> тип создаваемой иерархии файлов;</a:t>
+                </a:r>
+              </a:p>
+              <a:p>
+                <a:pPr lvl="0"/>
+                <a:r>
+                  <a:rPr lang="ru-RU" sz="1600" kern="1200" dirty="0">
+                    <a:solidFill>
+                      <a:schemeClr val="tx1"/>
+                    </a:solidFill>
+                    <a:effectLst/>
+                    <a:latin typeface="+mn-lt"/>
+                    <a:ea typeface="+mn-ea"/>
+                    <a:cs typeface="+mn-cs"/>
+                  </a:rPr>
+                  <a:t>«</a:t>
+                </a:r>
+                <a:r>
+                  <a:rPr lang="en-US" sz="1600" kern="1200" dirty="0">
+                    <a:solidFill>
+                      <a:schemeClr val="tx1"/>
+                    </a:solidFill>
+                    <a:effectLst/>
+                    <a:latin typeface="+mn-lt"/>
+                    <a:ea typeface="+mn-ea"/>
+                    <a:cs typeface="+mn-cs"/>
+                  </a:rPr>
+                  <a:t>Title</a:t>
+                </a:r>
+                <a:r>
+                  <a:rPr lang="ru-RU" sz="1600" kern="1200" dirty="0">
+                    <a:solidFill>
+                      <a:schemeClr val="tx1"/>
+                    </a:solidFill>
+                    <a:effectLst/>
+                    <a:latin typeface="+mn-lt"/>
+                    <a:ea typeface="+mn-ea"/>
+                    <a:cs typeface="+mn-cs"/>
+                  </a:rPr>
+                  <a:t>» </a:t>
+                </a:r>
+                <a14:m>
+                  <m:oMath xmlns:m="http://schemas.openxmlformats.org/officeDocument/2006/math">
+                    <m:r>
+                      <a:rPr lang="ru-RU" sz="1600" i="1" kern="1200">
+                        <a:solidFill>
+                          <a:schemeClr val="tx1"/>
+                        </a:solidFill>
+                        <a:effectLst/>
+                        <a:latin typeface="+mn-lt"/>
+                        <a:ea typeface="+mn-ea"/>
+                        <a:cs typeface="+mn-cs"/>
+                      </a:rPr>
+                      <m:t>−</m:t>
+                    </m:r>
+                  </m:oMath>
+                </a14:m>
+                <a:r>
+                  <a:rPr lang="ru-RU" sz="1600" kern="1200" dirty="0">
+                    <a:solidFill>
+                      <a:schemeClr val="tx1"/>
+                    </a:solidFill>
+                    <a:effectLst/>
+                    <a:latin typeface="+mn-lt"/>
+                    <a:ea typeface="+mn-ea"/>
+                    <a:cs typeface="+mn-cs"/>
+                  </a:rPr>
+                  <a:t> краткое описание функционала пакета;</a:t>
+                </a:r>
+              </a:p>
+              <a:p>
+                <a:pPr lvl="0"/>
+                <a:r>
+                  <a:rPr lang="ru-RU" sz="1600" kern="1200" dirty="0">
+                    <a:solidFill>
+                      <a:schemeClr val="tx1"/>
+                    </a:solidFill>
+                    <a:effectLst/>
+                    <a:latin typeface="+mn-lt"/>
+                    <a:ea typeface="+mn-ea"/>
+                    <a:cs typeface="+mn-cs"/>
+                  </a:rPr>
+                  <a:t>«</a:t>
+                </a:r>
+                <a:r>
+                  <a:rPr lang="en-US" sz="1600" kern="1200" dirty="0">
+                    <a:solidFill>
+                      <a:schemeClr val="tx1"/>
+                    </a:solidFill>
+                    <a:effectLst/>
+                    <a:latin typeface="+mn-lt"/>
+                    <a:ea typeface="+mn-ea"/>
+                    <a:cs typeface="+mn-cs"/>
+                  </a:rPr>
+                  <a:t>Version</a:t>
+                </a:r>
+                <a:r>
+                  <a:rPr lang="ru-RU" sz="1600" kern="1200" dirty="0">
+                    <a:solidFill>
+                      <a:schemeClr val="tx1"/>
+                    </a:solidFill>
+                    <a:effectLst/>
+                    <a:latin typeface="+mn-lt"/>
+                    <a:ea typeface="+mn-ea"/>
+                    <a:cs typeface="+mn-cs"/>
+                  </a:rPr>
+                  <a:t>» </a:t>
+                </a:r>
+                <a14:m>
+                  <m:oMath xmlns:m="http://schemas.openxmlformats.org/officeDocument/2006/math">
+                    <m:r>
+                      <a:rPr lang="ru-RU" sz="1600" i="1" kern="1200">
+                        <a:solidFill>
+                          <a:schemeClr val="tx1"/>
+                        </a:solidFill>
+                        <a:effectLst/>
+                        <a:latin typeface="+mn-lt"/>
+                        <a:ea typeface="+mn-ea"/>
+                        <a:cs typeface="+mn-cs"/>
+                      </a:rPr>
+                      <m:t>−</m:t>
+                    </m:r>
+                  </m:oMath>
+                </a14:m>
+                <a:r>
+                  <a:rPr lang="ru-RU" sz="1600" kern="1200" dirty="0">
+                    <a:solidFill>
+                      <a:schemeClr val="tx1"/>
+                    </a:solidFill>
+                    <a:effectLst/>
+                    <a:latin typeface="+mn-lt"/>
+                    <a:ea typeface="+mn-ea"/>
+                    <a:cs typeface="+mn-cs"/>
+                  </a:rPr>
+                  <a:t> версия создаваемого пакета;</a:t>
+                </a:r>
+              </a:p>
+              <a:p>
+                <a:pPr lvl="0"/>
+                <a:r>
+                  <a:rPr lang="ru-RU" sz="1600" kern="1200" dirty="0">
+                    <a:solidFill>
+                      <a:schemeClr val="tx1"/>
+                    </a:solidFill>
+                    <a:effectLst/>
+                    <a:latin typeface="+mn-lt"/>
+                    <a:ea typeface="+mn-ea"/>
+                    <a:cs typeface="+mn-cs"/>
+                  </a:rPr>
+                  <a:t>«</a:t>
+                </a:r>
+                <a:r>
+                  <a:rPr lang="en-US" sz="1600" kern="1200" dirty="0">
+                    <a:solidFill>
+                      <a:schemeClr val="tx1"/>
+                    </a:solidFill>
+                    <a:effectLst/>
+                    <a:latin typeface="+mn-lt"/>
+                    <a:ea typeface="+mn-ea"/>
+                    <a:cs typeface="+mn-cs"/>
+                  </a:rPr>
+                  <a:t>Author</a:t>
+                </a:r>
+                <a:r>
+                  <a:rPr lang="ru-RU" sz="1600" kern="1200" dirty="0">
+                    <a:solidFill>
+                      <a:schemeClr val="tx1"/>
+                    </a:solidFill>
+                    <a:effectLst/>
+                    <a:latin typeface="+mn-lt"/>
+                    <a:ea typeface="+mn-ea"/>
+                    <a:cs typeface="+mn-cs"/>
+                  </a:rPr>
+                  <a:t>» </a:t>
+                </a:r>
+                <a14:m>
+                  <m:oMath xmlns:m="http://schemas.openxmlformats.org/officeDocument/2006/math">
+                    <m:r>
+                      <a:rPr lang="ru-RU" sz="1600" i="1" kern="1200">
+                        <a:solidFill>
+                          <a:schemeClr val="tx1"/>
+                        </a:solidFill>
+                        <a:effectLst/>
+                        <a:latin typeface="+mn-lt"/>
+                        <a:ea typeface="+mn-ea"/>
+                        <a:cs typeface="+mn-cs"/>
+                      </a:rPr>
+                      <m:t>−</m:t>
+                    </m:r>
+                  </m:oMath>
+                </a14:m>
+                <a:r>
+                  <a:rPr lang="ru-RU" sz="1600" kern="1200" dirty="0">
+                    <a:solidFill>
+                      <a:schemeClr val="tx1"/>
+                    </a:solidFill>
+                    <a:effectLst/>
+                    <a:latin typeface="+mn-lt"/>
+                    <a:ea typeface="+mn-ea"/>
+                    <a:cs typeface="+mn-cs"/>
+                  </a:rPr>
+                  <a:t> компания создатель или разработчик пакета;</a:t>
+                </a:r>
+              </a:p>
+              <a:p>
+                <a:pPr lvl="0"/>
+                <a:r>
+                  <a:rPr lang="ru-RU" sz="1600" kern="1200" dirty="0">
+                    <a:solidFill>
+                      <a:schemeClr val="tx1"/>
+                    </a:solidFill>
+                    <a:effectLst/>
+                    <a:latin typeface="+mn-lt"/>
+                    <a:ea typeface="+mn-ea"/>
+                    <a:cs typeface="+mn-cs"/>
+                  </a:rPr>
+                  <a:t>«</a:t>
+                </a:r>
+                <a:r>
+                  <a:rPr lang="en-US" sz="1600" kern="1200" dirty="0">
+                    <a:solidFill>
+                      <a:schemeClr val="tx1"/>
+                    </a:solidFill>
+                    <a:effectLst/>
+                    <a:latin typeface="+mn-lt"/>
+                    <a:ea typeface="+mn-ea"/>
+                    <a:cs typeface="+mn-cs"/>
+                  </a:rPr>
+                  <a:t>Description</a:t>
+                </a:r>
+                <a:r>
+                  <a:rPr lang="ru-RU" sz="1600" kern="1200" dirty="0">
+                    <a:solidFill>
+                      <a:schemeClr val="tx1"/>
+                    </a:solidFill>
+                    <a:effectLst/>
+                    <a:latin typeface="+mn-lt"/>
+                    <a:ea typeface="+mn-ea"/>
+                    <a:cs typeface="+mn-cs"/>
+                  </a:rPr>
+                  <a:t>» </a:t>
+                </a:r>
+                <a14:m>
+                  <m:oMath xmlns:m="http://schemas.openxmlformats.org/officeDocument/2006/math">
+                    <m:r>
+                      <a:rPr lang="ru-RU" sz="1600" i="1" kern="1200">
+                        <a:solidFill>
+                          <a:schemeClr val="tx1"/>
+                        </a:solidFill>
+                        <a:effectLst/>
+                        <a:latin typeface="+mn-lt"/>
+                        <a:ea typeface="+mn-ea"/>
+                        <a:cs typeface="+mn-cs"/>
+                      </a:rPr>
+                      <m:t>−</m:t>
+                    </m:r>
+                  </m:oMath>
+                </a14:m>
+                <a:r>
+                  <a:rPr lang="ru-RU" sz="1600" kern="1200" dirty="0">
+                    <a:solidFill>
+                      <a:schemeClr val="tx1"/>
+                    </a:solidFill>
+                    <a:effectLst/>
+                    <a:latin typeface="+mn-lt"/>
+                    <a:ea typeface="+mn-ea"/>
+                    <a:cs typeface="+mn-cs"/>
+                  </a:rPr>
+                  <a:t> более полное описание функционала пакета;</a:t>
+                </a:r>
+              </a:p>
+              <a:p>
+                <a:pPr lvl="0"/>
+                <a:r>
+                  <a:rPr lang="ru-RU" sz="1600" kern="1200" dirty="0">
+                    <a:solidFill>
+                      <a:schemeClr val="tx1"/>
+                    </a:solidFill>
+                    <a:effectLst/>
+                    <a:latin typeface="+mn-lt"/>
+                    <a:ea typeface="+mn-ea"/>
+                    <a:cs typeface="+mn-cs"/>
+                  </a:rPr>
+                  <a:t>«</a:t>
+                </a:r>
+                <a:r>
+                  <a:rPr lang="en-US" sz="1600" kern="1200" dirty="0">
+                    <a:solidFill>
+                      <a:schemeClr val="tx1"/>
+                    </a:solidFill>
+                    <a:effectLst/>
+                    <a:latin typeface="+mn-lt"/>
+                    <a:ea typeface="+mn-ea"/>
+                    <a:cs typeface="+mn-cs"/>
+                  </a:rPr>
+                  <a:t>Encoding</a:t>
+                </a:r>
+                <a:r>
+                  <a:rPr lang="ru-RU" sz="1600" kern="1200" dirty="0">
+                    <a:solidFill>
+                      <a:schemeClr val="tx1"/>
+                    </a:solidFill>
+                    <a:effectLst/>
+                    <a:latin typeface="+mn-lt"/>
+                    <a:ea typeface="+mn-ea"/>
+                    <a:cs typeface="+mn-cs"/>
+                  </a:rPr>
+                  <a:t>» </a:t>
+                </a:r>
+                <a14:m>
+                  <m:oMath xmlns:m="http://schemas.openxmlformats.org/officeDocument/2006/math">
+                    <m:r>
+                      <a:rPr lang="ru-RU" sz="1600" i="1" kern="1200">
+                        <a:solidFill>
+                          <a:schemeClr val="tx1"/>
+                        </a:solidFill>
+                        <a:effectLst/>
+                        <a:latin typeface="+mn-lt"/>
+                        <a:ea typeface="+mn-ea"/>
+                        <a:cs typeface="+mn-cs"/>
+                      </a:rPr>
+                      <m:t>−</m:t>
+                    </m:r>
+                  </m:oMath>
+                </a14:m>
+                <a:r>
+                  <a:rPr lang="ru-RU" sz="1600" kern="1200" dirty="0">
+                    <a:solidFill>
+                      <a:schemeClr val="tx1"/>
+                    </a:solidFill>
+                    <a:effectLst/>
+                    <a:latin typeface="+mn-lt"/>
+                    <a:ea typeface="+mn-ea"/>
+                    <a:cs typeface="+mn-cs"/>
+                  </a:rPr>
+                  <a:t> кодировка, используемая в файлах пакета;</a:t>
+                </a:r>
+              </a:p>
+              <a:p>
+                <a:pPr lvl="0"/>
+                <a:r>
+                  <a:rPr lang="ru-RU" sz="1600" kern="1200" dirty="0">
+                    <a:solidFill>
+                      <a:schemeClr val="tx1"/>
+                    </a:solidFill>
+                    <a:effectLst/>
+                    <a:latin typeface="+mn-lt"/>
+                    <a:ea typeface="+mn-ea"/>
+                    <a:cs typeface="+mn-cs"/>
+                  </a:rPr>
+                  <a:t>прочие разделы создаются автоматически пакетом </a:t>
+                </a:r>
+                <a:r>
+                  <a:rPr lang="en-US" sz="1600" kern="1200" dirty="0" err="1">
+                    <a:solidFill>
+                      <a:schemeClr val="tx1"/>
+                    </a:solidFill>
+                    <a:effectLst/>
+                    <a:latin typeface="+mn-lt"/>
+                    <a:ea typeface="+mn-ea"/>
+                    <a:cs typeface="+mn-cs"/>
+                  </a:rPr>
+                  <a:t>Roxygen</a:t>
+                </a:r>
+                <a:r>
+                  <a:rPr lang="ru-RU" sz="1600" kern="1200" dirty="0">
+                    <a:solidFill>
+                      <a:schemeClr val="tx1"/>
+                    </a:solidFill>
+                    <a:effectLst/>
+                    <a:latin typeface="+mn-lt"/>
+                    <a:ea typeface="+mn-ea"/>
+                    <a:cs typeface="+mn-cs"/>
+                  </a:rPr>
+                  <a:t>2 и включают информацию о нем;</a:t>
+                </a:r>
+              </a:p>
+              <a:p>
+                <a:pPr lvl="0"/>
+                <a:r>
+                  <a:rPr lang="ru-RU" sz="1600" kern="1200" dirty="0">
+                    <a:solidFill>
+                      <a:schemeClr val="tx1"/>
+                    </a:solidFill>
+                    <a:effectLst/>
+                    <a:latin typeface="+mn-lt"/>
+                    <a:ea typeface="+mn-ea"/>
+                    <a:cs typeface="+mn-cs"/>
+                  </a:rPr>
+                  <a:t>«</a:t>
+                </a:r>
+                <a:r>
+                  <a:rPr lang="en-US" sz="1600" kern="1200" dirty="0">
+                    <a:solidFill>
+                      <a:schemeClr val="tx1"/>
+                    </a:solidFill>
+                    <a:effectLst/>
+                    <a:latin typeface="+mn-lt"/>
+                    <a:ea typeface="+mn-ea"/>
+                    <a:cs typeface="+mn-cs"/>
+                  </a:rPr>
+                  <a:t>Imports</a:t>
+                </a:r>
+                <a:r>
+                  <a:rPr lang="ru-RU" sz="1600" kern="1200" dirty="0">
+                    <a:solidFill>
+                      <a:schemeClr val="tx1"/>
+                    </a:solidFill>
+                    <a:effectLst/>
+                    <a:latin typeface="+mn-lt"/>
+                    <a:ea typeface="+mn-ea"/>
+                    <a:cs typeface="+mn-cs"/>
+                  </a:rPr>
+                  <a:t>» указываются сторонние пакеты, которые участвуют в работе данного пакета.</a:t>
+                </a:r>
+              </a:p>
+              <a:p>
+                <a:r>
+                  <a:rPr lang="ru-RU" sz="1600" kern="1200" dirty="0">
+                    <a:solidFill>
+                      <a:schemeClr val="tx1"/>
+                    </a:solidFill>
+                    <a:effectLst/>
+                    <a:latin typeface="+mn-lt"/>
+                    <a:ea typeface="+mn-ea"/>
+                    <a:cs typeface="+mn-cs"/>
+                  </a:rPr>
+                  <a:t>То есть, в разделе «</a:t>
+                </a:r>
+                <a:r>
+                  <a:rPr lang="en-US" sz="1600" kern="1200" dirty="0">
+                    <a:solidFill>
+                      <a:schemeClr val="tx1"/>
+                    </a:solidFill>
+                    <a:effectLst/>
+                    <a:latin typeface="+mn-lt"/>
+                    <a:ea typeface="+mn-ea"/>
+                    <a:cs typeface="+mn-cs"/>
+                  </a:rPr>
+                  <a:t>Imports</a:t>
+                </a:r>
+                <a:r>
+                  <a:rPr lang="ru-RU" sz="1600" kern="1200" dirty="0">
+                    <a:solidFill>
+                      <a:schemeClr val="tx1"/>
+                    </a:solidFill>
+                    <a:effectLst/>
+                    <a:latin typeface="+mn-lt"/>
+                    <a:ea typeface="+mn-ea"/>
+                    <a:cs typeface="+mn-cs"/>
+                  </a:rPr>
+                  <a:t>», представленном на рисунке 2, указано четыре сторонних пакета, используемых при разработке пакета «</a:t>
+                </a:r>
+                <a:r>
+                  <a:rPr lang="en-US" sz="1600" kern="1200" dirty="0" err="1">
+                    <a:solidFill>
+                      <a:schemeClr val="tx1"/>
+                    </a:solidFill>
+                    <a:effectLst/>
+                    <a:latin typeface="+mn-lt"/>
+                    <a:ea typeface="+mn-ea"/>
+                    <a:cs typeface="+mn-cs"/>
+                  </a:rPr>
+                  <a:t>mypackage</a:t>
+                </a:r>
+                <a:r>
+                  <a:rPr lang="ru-RU" sz="1600" kern="1200" dirty="0">
+                    <a:solidFill>
+                      <a:schemeClr val="tx1"/>
+                    </a:solidFill>
+                    <a:effectLst/>
+                    <a:latin typeface="+mn-lt"/>
+                    <a:ea typeface="+mn-ea"/>
+                    <a:cs typeface="+mn-cs"/>
+                  </a:rPr>
+                  <a:t>»:</a:t>
+                </a:r>
+              </a:p>
+              <a:p>
+                <a:pPr lvl="0"/>
+                <a:r>
+                  <a:rPr lang="en-US" sz="1600" kern="1200" dirty="0" err="1">
+                    <a:solidFill>
+                      <a:schemeClr val="tx1"/>
+                    </a:solidFill>
+                    <a:effectLst/>
+                    <a:latin typeface="+mn-lt"/>
+                    <a:ea typeface="+mn-ea"/>
+                    <a:cs typeface="+mn-cs"/>
+                  </a:rPr>
+                  <a:t>devtools</a:t>
+                </a:r>
+                <a:r>
+                  <a:rPr lang="en-US" sz="1600" kern="1200" dirty="0">
+                    <a:solidFill>
+                      <a:schemeClr val="tx1"/>
+                    </a:solidFill>
+                    <a:effectLst/>
+                    <a:latin typeface="+mn-lt"/>
+                    <a:ea typeface="+mn-ea"/>
+                    <a:cs typeface="+mn-cs"/>
+                  </a:rPr>
+                  <a:t> </a:t>
+                </a:r>
+                <a14:m>
+                  <m:oMath xmlns:m="http://schemas.openxmlformats.org/officeDocument/2006/math">
+                    <m:r>
+                      <a:rPr lang="ru-RU" sz="1600" i="1" kern="1200">
+                        <a:solidFill>
+                          <a:schemeClr val="tx1"/>
+                        </a:solidFill>
+                        <a:effectLst/>
+                        <a:latin typeface="+mn-lt"/>
+                        <a:ea typeface="+mn-ea"/>
+                        <a:cs typeface="+mn-cs"/>
+                      </a:rPr>
+                      <m:t>–</m:t>
+                    </m:r>
+                  </m:oMath>
+                </a14:m>
+                <a:r>
+                  <a:rPr lang="ru-RU" sz="1600" kern="1200" dirty="0">
+                    <a:solidFill>
+                      <a:schemeClr val="tx1"/>
+                    </a:solidFill>
+                    <a:effectLst/>
+                    <a:latin typeface="+mn-lt"/>
+                    <a:ea typeface="+mn-ea"/>
+                    <a:cs typeface="+mn-cs"/>
+                  </a:rPr>
+                  <a:t> дает удобство разработки пакета;</a:t>
+                </a:r>
+              </a:p>
+              <a:p>
+                <a:pPr lvl="0"/>
+                <a:r>
+                  <a:rPr lang="en-US" sz="1600" kern="1200" dirty="0" err="1">
+                    <a:solidFill>
+                      <a:schemeClr val="tx1"/>
+                    </a:solidFill>
+                    <a:effectLst/>
+                    <a:latin typeface="+mn-lt"/>
+                    <a:ea typeface="+mn-ea"/>
+                    <a:cs typeface="+mn-cs"/>
+                  </a:rPr>
+                  <a:t>roxygen</a:t>
+                </a:r>
+                <a:r>
+                  <a:rPr lang="ru-RU" sz="1600" kern="1200" dirty="0">
+                    <a:solidFill>
+                      <a:schemeClr val="tx1"/>
+                    </a:solidFill>
+                    <a:effectLst/>
+                    <a:latin typeface="+mn-lt"/>
+                    <a:ea typeface="+mn-ea"/>
+                    <a:cs typeface="+mn-cs"/>
+                  </a:rPr>
+                  <a:t>2 </a:t>
+                </a:r>
+                <a14:m>
+                  <m:oMath xmlns:m="http://schemas.openxmlformats.org/officeDocument/2006/math">
+                    <m:r>
+                      <a:rPr lang="ru-RU" sz="1600" i="1" kern="1200">
+                        <a:solidFill>
+                          <a:schemeClr val="tx1"/>
+                        </a:solidFill>
+                        <a:effectLst/>
+                        <a:latin typeface="+mn-lt"/>
+                        <a:ea typeface="+mn-ea"/>
+                        <a:cs typeface="+mn-cs"/>
+                      </a:rPr>
+                      <m:t>–</m:t>
+                    </m:r>
+                  </m:oMath>
+                </a14:m>
+                <a:r>
+                  <a:rPr lang="ru-RU" sz="1600" kern="1200" dirty="0">
+                    <a:solidFill>
+                      <a:schemeClr val="tx1"/>
+                    </a:solidFill>
+                    <a:effectLst/>
+                    <a:latin typeface="+mn-lt"/>
+                    <a:ea typeface="+mn-ea"/>
+                    <a:cs typeface="+mn-cs"/>
+                  </a:rPr>
+                  <a:t> для документирования написанных функций;</a:t>
+                </a:r>
+              </a:p>
+              <a:p>
+                <a:pPr lvl="0"/>
+                <a:r>
+                  <a:rPr lang="en-US" sz="1600" kern="1200" dirty="0" err="1">
+                    <a:solidFill>
+                      <a:schemeClr val="tx1"/>
+                    </a:solidFill>
+                    <a:effectLst/>
+                    <a:latin typeface="+mn-lt"/>
+                    <a:ea typeface="+mn-ea"/>
+                    <a:cs typeface="+mn-cs"/>
+                  </a:rPr>
+                  <a:t>docstring</a:t>
+                </a:r>
+                <a:r>
+                  <a:rPr lang="en-US" sz="1600" kern="1200" dirty="0">
+                    <a:solidFill>
+                      <a:schemeClr val="tx1"/>
+                    </a:solidFill>
+                    <a:effectLst/>
+                    <a:latin typeface="+mn-lt"/>
+                    <a:ea typeface="+mn-ea"/>
+                    <a:cs typeface="+mn-cs"/>
+                  </a:rPr>
+                  <a:t> </a:t>
+                </a:r>
+                <a14:m>
+                  <m:oMath xmlns:m="http://schemas.openxmlformats.org/officeDocument/2006/math">
+                    <m:r>
+                      <a:rPr lang="ru-RU" sz="1600" i="1" kern="1200">
+                        <a:solidFill>
+                          <a:schemeClr val="tx1"/>
+                        </a:solidFill>
+                        <a:effectLst/>
+                        <a:latin typeface="+mn-lt"/>
+                        <a:ea typeface="+mn-ea"/>
+                        <a:cs typeface="+mn-cs"/>
+                      </a:rPr>
+                      <m:t>–</m:t>
+                    </m:r>
+                  </m:oMath>
+                </a14:m>
+                <a:r>
+                  <a:rPr lang="ru-RU" sz="1600" kern="1200" dirty="0">
+                    <a:solidFill>
+                      <a:schemeClr val="tx1"/>
+                    </a:solidFill>
+                    <a:effectLst/>
+                    <a:latin typeface="+mn-lt"/>
+                    <a:ea typeface="+mn-ea"/>
+                    <a:cs typeface="+mn-cs"/>
+                  </a:rPr>
+                  <a:t> для написания документации функций;</a:t>
+                </a:r>
+              </a:p>
+              <a:p>
+                <a:pPr lvl="0"/>
+                <a:r>
+                  <a:rPr lang="en-US" sz="1600" kern="1200" dirty="0" err="1">
+                    <a:solidFill>
+                      <a:schemeClr val="tx1"/>
+                    </a:solidFill>
+                    <a:effectLst/>
+                    <a:latin typeface="+mn-lt"/>
+                    <a:ea typeface="+mn-ea"/>
+                    <a:cs typeface="+mn-cs"/>
+                  </a:rPr>
+                  <a:t>testthat</a:t>
+                </a:r>
+                <a:r>
+                  <a:rPr lang="en-US" sz="1600" kern="1200" dirty="0">
+                    <a:solidFill>
+                      <a:schemeClr val="tx1"/>
+                    </a:solidFill>
+                    <a:effectLst/>
+                    <a:latin typeface="+mn-lt"/>
+                    <a:ea typeface="+mn-ea"/>
+                    <a:cs typeface="+mn-cs"/>
+                  </a:rPr>
+                  <a:t> </a:t>
+                </a:r>
+                <a14:m>
+                  <m:oMath xmlns:m="http://schemas.openxmlformats.org/officeDocument/2006/math">
+                    <m:r>
+                      <a:rPr lang="ru-RU" sz="1600" i="1" kern="1200">
+                        <a:solidFill>
+                          <a:schemeClr val="tx1"/>
+                        </a:solidFill>
+                        <a:effectLst/>
+                        <a:latin typeface="+mn-lt"/>
+                        <a:ea typeface="+mn-ea"/>
+                        <a:cs typeface="+mn-cs"/>
+                      </a:rPr>
+                      <m:t>–</m:t>
+                    </m:r>
+                  </m:oMath>
+                </a14:m>
+                <a:r>
+                  <a:rPr lang="ru-RU" sz="1600" kern="1200" dirty="0">
+                    <a:solidFill>
+                      <a:schemeClr val="tx1"/>
+                    </a:solidFill>
+                    <a:effectLst/>
+                    <a:latin typeface="+mn-lt"/>
+                    <a:ea typeface="+mn-ea"/>
+                    <a:cs typeface="+mn-cs"/>
+                  </a:rPr>
+                  <a:t> для юнит-тестирования написанных функций</a:t>
+                </a:r>
+                <a:r>
+                  <a:rPr lang="ru-RU" sz="1600" kern="1200" dirty="0" smtClean="0">
+                    <a:solidFill>
+                      <a:schemeClr val="tx1"/>
+                    </a:solidFill>
+                    <a:effectLst/>
+                    <a:latin typeface="+mn-lt"/>
+                    <a:ea typeface="+mn-ea"/>
+                    <a:cs typeface="+mn-cs"/>
+                  </a:rPr>
+                  <a:t>.</a:t>
+                </a:r>
+                <a:endParaRPr lang="ru-RU" sz="1600" kern="1200" dirty="0">
+                  <a:solidFill>
+                    <a:schemeClr val="tx1"/>
+                  </a:solidFill>
+                  <a:effectLst/>
+                  <a:latin typeface="+mn-lt"/>
+                  <a:ea typeface="+mn-ea"/>
+                  <a:cs typeface="+mn-cs"/>
+                </a:endParaRPr>
+              </a:p>
+            </p:txBody>
+          </p:sp>
+        </mc:Choice>
+        <mc:Fallback>
+          <p:sp>
+            <p:nvSpPr>
+              <p:cNvPr id="3" name="Заметки 2"/>
+              <p:cNvSpPr>
+                <a:spLocks noGrp="1"/>
+              </p:cNvSpPr>
+              <p:nvPr>
+                <p:ph type="body" idx="1"/>
+              </p:nvPr>
+            </p:nvSpPr>
+            <p:spPr/>
+            <p:txBody>
+              <a:bodyPr/>
+              <a:lstStyle/>
+              <a:p>
+                <a:r>
+                  <a:rPr lang="ru-RU" sz="1600" kern="1200" dirty="0" smtClean="0">
+                    <a:solidFill>
+                      <a:schemeClr val="tx1"/>
+                    </a:solidFill>
+                    <a:effectLst/>
+                    <a:latin typeface="+mn-lt"/>
+                    <a:ea typeface="+mn-ea"/>
+                    <a:cs typeface="+mn-cs"/>
+                  </a:rPr>
+                  <a:t>В автоматически создавшемся файле </a:t>
+                </a:r>
+                <a:r>
+                  <a:rPr lang="en-US" sz="1600" kern="1200" dirty="0" smtClean="0">
+                    <a:solidFill>
+                      <a:schemeClr val="tx1"/>
+                    </a:solidFill>
+                    <a:effectLst/>
+                    <a:latin typeface="+mn-lt"/>
+                    <a:ea typeface="+mn-ea"/>
+                    <a:cs typeface="+mn-cs"/>
+                  </a:rPr>
+                  <a:t>DESCRIPTION</a:t>
+                </a:r>
+                <a:r>
+                  <a:rPr lang="ru-RU" sz="1600" kern="1200" dirty="0" smtClean="0">
+                    <a:solidFill>
+                      <a:schemeClr val="tx1"/>
+                    </a:solidFill>
+                    <a:effectLst/>
+                    <a:latin typeface="+mn-lt"/>
+                    <a:ea typeface="+mn-ea"/>
+                    <a:cs typeface="+mn-cs"/>
+                  </a:rPr>
+                  <a:t> введены метаданные создаваемого пакета.</a:t>
+                </a:r>
+              </a:p>
+              <a:p>
+                <a:r>
+                  <a:rPr lang="ru-RU" sz="1600" kern="1200" dirty="0" smtClean="0">
+                    <a:solidFill>
+                      <a:schemeClr val="tx1"/>
+                    </a:solidFill>
+                    <a:effectLst/>
+                    <a:latin typeface="+mn-lt"/>
+                    <a:ea typeface="+mn-ea"/>
+                    <a:cs typeface="+mn-cs"/>
+                  </a:rPr>
+                  <a:t>Следует рассказать о самых важных немного подробнее:</a:t>
+                </a:r>
+              </a:p>
+              <a:p>
+                <a:pPr lvl="0"/>
+                <a:r>
+                  <a:rPr lang="ru-RU" sz="1600" kern="1200" dirty="0">
+                    <a:solidFill>
+                      <a:schemeClr val="tx1"/>
+                    </a:solidFill>
+                    <a:effectLst/>
+                    <a:latin typeface="+mn-lt"/>
+                    <a:ea typeface="+mn-ea"/>
+                    <a:cs typeface="+mn-cs"/>
+                  </a:rPr>
+                  <a:t>«</a:t>
+                </a:r>
+                <a:r>
+                  <a:rPr lang="en-US" sz="1600" kern="1200" dirty="0">
+                    <a:solidFill>
+                      <a:schemeClr val="tx1"/>
+                    </a:solidFill>
+                    <a:effectLst/>
+                    <a:latin typeface="+mn-lt"/>
+                    <a:ea typeface="+mn-ea"/>
+                    <a:cs typeface="+mn-cs"/>
+                  </a:rPr>
+                  <a:t>Package</a:t>
+                </a:r>
+                <a:r>
+                  <a:rPr lang="ru-RU" sz="1600" kern="1200" dirty="0">
+                    <a:solidFill>
+                      <a:schemeClr val="tx1"/>
+                    </a:solidFill>
+                    <a:effectLst/>
+                    <a:latin typeface="+mn-lt"/>
+                    <a:ea typeface="+mn-ea"/>
+                    <a:cs typeface="+mn-cs"/>
+                  </a:rPr>
+                  <a:t>» </a:t>
+                </a:r>
+                <a:r>
+                  <a:rPr lang="ru-RU" sz="1600" i="0" kern="1200">
+                    <a:solidFill>
+                      <a:schemeClr val="tx1"/>
+                    </a:solidFill>
+                    <a:effectLst/>
+                    <a:latin typeface="+mn-lt"/>
+                    <a:ea typeface="+mn-ea"/>
+                    <a:cs typeface="+mn-cs"/>
+                  </a:rPr>
+                  <a:t>−</a:t>
+                </a:r>
+                <a:r>
+                  <a:rPr lang="ru-RU" sz="1600" kern="1200" dirty="0">
+                    <a:solidFill>
+                      <a:schemeClr val="tx1"/>
+                    </a:solidFill>
+                    <a:effectLst/>
+                    <a:latin typeface="+mn-lt"/>
+                    <a:ea typeface="+mn-ea"/>
+                    <a:cs typeface="+mn-cs"/>
+                  </a:rPr>
+                  <a:t> название пакета;</a:t>
+                </a:r>
+              </a:p>
+              <a:p>
+                <a:pPr lvl="0"/>
+                <a:r>
+                  <a:rPr lang="ru-RU" sz="1600" kern="1200" dirty="0">
+                    <a:solidFill>
+                      <a:schemeClr val="tx1"/>
+                    </a:solidFill>
+                    <a:effectLst/>
+                    <a:latin typeface="+mn-lt"/>
+                    <a:ea typeface="+mn-ea"/>
+                    <a:cs typeface="+mn-cs"/>
+                  </a:rPr>
+                  <a:t>«</a:t>
+                </a:r>
+                <a:r>
+                  <a:rPr lang="en-US" sz="1600" kern="1200" dirty="0">
+                    <a:solidFill>
+                      <a:schemeClr val="tx1"/>
+                    </a:solidFill>
+                    <a:effectLst/>
+                    <a:latin typeface="+mn-lt"/>
+                    <a:ea typeface="+mn-ea"/>
+                    <a:cs typeface="+mn-cs"/>
+                  </a:rPr>
+                  <a:t>Type</a:t>
+                </a:r>
+                <a:r>
+                  <a:rPr lang="ru-RU" sz="1600" kern="1200" dirty="0">
+                    <a:solidFill>
+                      <a:schemeClr val="tx1"/>
+                    </a:solidFill>
+                    <a:effectLst/>
+                    <a:latin typeface="+mn-lt"/>
+                    <a:ea typeface="+mn-ea"/>
+                    <a:cs typeface="+mn-cs"/>
+                  </a:rPr>
+                  <a:t>» </a:t>
+                </a:r>
+                <a:r>
+                  <a:rPr lang="ru-RU" sz="1600" i="0" kern="1200">
+                    <a:solidFill>
+                      <a:schemeClr val="tx1"/>
+                    </a:solidFill>
+                    <a:effectLst/>
+                    <a:latin typeface="+mn-lt"/>
+                    <a:ea typeface="+mn-ea"/>
+                    <a:cs typeface="+mn-cs"/>
+                  </a:rPr>
+                  <a:t>−</a:t>
+                </a:r>
+                <a:r>
+                  <a:rPr lang="ru-RU" sz="1600" kern="1200" dirty="0">
+                    <a:solidFill>
+                      <a:schemeClr val="tx1"/>
+                    </a:solidFill>
+                    <a:effectLst/>
+                    <a:latin typeface="+mn-lt"/>
+                    <a:ea typeface="+mn-ea"/>
+                    <a:cs typeface="+mn-cs"/>
+                  </a:rPr>
+                  <a:t> тип создаваемой иерархии файлов;</a:t>
+                </a:r>
+              </a:p>
+              <a:p>
+                <a:pPr lvl="0"/>
+                <a:r>
+                  <a:rPr lang="ru-RU" sz="1600" kern="1200" dirty="0">
+                    <a:solidFill>
+                      <a:schemeClr val="tx1"/>
+                    </a:solidFill>
+                    <a:effectLst/>
+                    <a:latin typeface="+mn-lt"/>
+                    <a:ea typeface="+mn-ea"/>
+                    <a:cs typeface="+mn-cs"/>
+                  </a:rPr>
+                  <a:t>«</a:t>
+                </a:r>
+                <a:r>
+                  <a:rPr lang="en-US" sz="1600" kern="1200" dirty="0">
+                    <a:solidFill>
+                      <a:schemeClr val="tx1"/>
+                    </a:solidFill>
+                    <a:effectLst/>
+                    <a:latin typeface="+mn-lt"/>
+                    <a:ea typeface="+mn-ea"/>
+                    <a:cs typeface="+mn-cs"/>
+                  </a:rPr>
+                  <a:t>Title</a:t>
+                </a:r>
+                <a:r>
+                  <a:rPr lang="ru-RU" sz="1600" kern="1200" dirty="0">
+                    <a:solidFill>
+                      <a:schemeClr val="tx1"/>
+                    </a:solidFill>
+                    <a:effectLst/>
+                    <a:latin typeface="+mn-lt"/>
+                    <a:ea typeface="+mn-ea"/>
+                    <a:cs typeface="+mn-cs"/>
+                  </a:rPr>
+                  <a:t>» </a:t>
+                </a:r>
+                <a:r>
+                  <a:rPr lang="ru-RU" sz="1600" i="0" kern="1200">
+                    <a:solidFill>
+                      <a:schemeClr val="tx1"/>
+                    </a:solidFill>
+                    <a:effectLst/>
+                    <a:latin typeface="+mn-lt"/>
+                    <a:ea typeface="+mn-ea"/>
+                    <a:cs typeface="+mn-cs"/>
+                  </a:rPr>
+                  <a:t>−</a:t>
+                </a:r>
+                <a:r>
+                  <a:rPr lang="ru-RU" sz="1600" kern="1200" dirty="0">
+                    <a:solidFill>
+                      <a:schemeClr val="tx1"/>
+                    </a:solidFill>
+                    <a:effectLst/>
+                    <a:latin typeface="+mn-lt"/>
+                    <a:ea typeface="+mn-ea"/>
+                    <a:cs typeface="+mn-cs"/>
+                  </a:rPr>
+                  <a:t> краткое описание функционала пакета;</a:t>
+                </a:r>
+              </a:p>
+              <a:p>
+                <a:pPr lvl="0"/>
+                <a:r>
+                  <a:rPr lang="ru-RU" sz="1600" kern="1200" dirty="0">
+                    <a:solidFill>
+                      <a:schemeClr val="tx1"/>
+                    </a:solidFill>
+                    <a:effectLst/>
+                    <a:latin typeface="+mn-lt"/>
+                    <a:ea typeface="+mn-ea"/>
+                    <a:cs typeface="+mn-cs"/>
+                  </a:rPr>
+                  <a:t>«</a:t>
+                </a:r>
+                <a:r>
+                  <a:rPr lang="en-US" sz="1600" kern="1200" dirty="0">
+                    <a:solidFill>
+                      <a:schemeClr val="tx1"/>
+                    </a:solidFill>
+                    <a:effectLst/>
+                    <a:latin typeface="+mn-lt"/>
+                    <a:ea typeface="+mn-ea"/>
+                    <a:cs typeface="+mn-cs"/>
+                  </a:rPr>
+                  <a:t>Version</a:t>
+                </a:r>
+                <a:r>
+                  <a:rPr lang="ru-RU" sz="1600" kern="1200" dirty="0">
+                    <a:solidFill>
+                      <a:schemeClr val="tx1"/>
+                    </a:solidFill>
+                    <a:effectLst/>
+                    <a:latin typeface="+mn-lt"/>
+                    <a:ea typeface="+mn-ea"/>
+                    <a:cs typeface="+mn-cs"/>
+                  </a:rPr>
+                  <a:t>» </a:t>
+                </a:r>
+                <a:r>
+                  <a:rPr lang="ru-RU" sz="1600" i="0" kern="1200">
+                    <a:solidFill>
+                      <a:schemeClr val="tx1"/>
+                    </a:solidFill>
+                    <a:effectLst/>
+                    <a:latin typeface="+mn-lt"/>
+                    <a:ea typeface="+mn-ea"/>
+                    <a:cs typeface="+mn-cs"/>
+                  </a:rPr>
+                  <a:t>−</a:t>
+                </a:r>
+                <a:r>
+                  <a:rPr lang="ru-RU" sz="1600" kern="1200" dirty="0">
+                    <a:solidFill>
+                      <a:schemeClr val="tx1"/>
+                    </a:solidFill>
+                    <a:effectLst/>
+                    <a:latin typeface="+mn-lt"/>
+                    <a:ea typeface="+mn-ea"/>
+                    <a:cs typeface="+mn-cs"/>
+                  </a:rPr>
+                  <a:t> версия создаваемого пакета;</a:t>
+                </a:r>
+              </a:p>
+              <a:p>
+                <a:pPr lvl="0"/>
+                <a:r>
+                  <a:rPr lang="ru-RU" sz="1600" kern="1200" dirty="0">
+                    <a:solidFill>
+                      <a:schemeClr val="tx1"/>
+                    </a:solidFill>
+                    <a:effectLst/>
+                    <a:latin typeface="+mn-lt"/>
+                    <a:ea typeface="+mn-ea"/>
+                    <a:cs typeface="+mn-cs"/>
+                  </a:rPr>
+                  <a:t>«</a:t>
+                </a:r>
+                <a:r>
+                  <a:rPr lang="en-US" sz="1600" kern="1200" dirty="0">
+                    <a:solidFill>
+                      <a:schemeClr val="tx1"/>
+                    </a:solidFill>
+                    <a:effectLst/>
+                    <a:latin typeface="+mn-lt"/>
+                    <a:ea typeface="+mn-ea"/>
+                    <a:cs typeface="+mn-cs"/>
+                  </a:rPr>
+                  <a:t>Author</a:t>
+                </a:r>
+                <a:r>
+                  <a:rPr lang="ru-RU" sz="1600" kern="1200" dirty="0">
+                    <a:solidFill>
+                      <a:schemeClr val="tx1"/>
+                    </a:solidFill>
+                    <a:effectLst/>
+                    <a:latin typeface="+mn-lt"/>
+                    <a:ea typeface="+mn-ea"/>
+                    <a:cs typeface="+mn-cs"/>
+                  </a:rPr>
+                  <a:t>» </a:t>
+                </a:r>
+                <a:r>
+                  <a:rPr lang="ru-RU" sz="1600" i="0" kern="1200">
+                    <a:solidFill>
+                      <a:schemeClr val="tx1"/>
+                    </a:solidFill>
+                    <a:effectLst/>
+                    <a:latin typeface="+mn-lt"/>
+                    <a:ea typeface="+mn-ea"/>
+                    <a:cs typeface="+mn-cs"/>
+                  </a:rPr>
+                  <a:t>−</a:t>
+                </a:r>
+                <a:r>
+                  <a:rPr lang="ru-RU" sz="1600" kern="1200" dirty="0">
+                    <a:solidFill>
+                      <a:schemeClr val="tx1"/>
+                    </a:solidFill>
+                    <a:effectLst/>
+                    <a:latin typeface="+mn-lt"/>
+                    <a:ea typeface="+mn-ea"/>
+                    <a:cs typeface="+mn-cs"/>
+                  </a:rPr>
+                  <a:t> компания создатель или разработчик пакета;</a:t>
+                </a:r>
+              </a:p>
+              <a:p>
+                <a:pPr lvl="0"/>
+                <a:r>
+                  <a:rPr lang="ru-RU" sz="1600" kern="1200" dirty="0">
+                    <a:solidFill>
+                      <a:schemeClr val="tx1"/>
+                    </a:solidFill>
+                    <a:effectLst/>
+                    <a:latin typeface="+mn-lt"/>
+                    <a:ea typeface="+mn-ea"/>
+                    <a:cs typeface="+mn-cs"/>
+                  </a:rPr>
+                  <a:t>«</a:t>
+                </a:r>
+                <a:r>
+                  <a:rPr lang="en-US" sz="1600" kern="1200" dirty="0">
+                    <a:solidFill>
+                      <a:schemeClr val="tx1"/>
+                    </a:solidFill>
+                    <a:effectLst/>
+                    <a:latin typeface="+mn-lt"/>
+                    <a:ea typeface="+mn-ea"/>
+                    <a:cs typeface="+mn-cs"/>
+                  </a:rPr>
+                  <a:t>Description</a:t>
+                </a:r>
+                <a:r>
+                  <a:rPr lang="ru-RU" sz="1600" kern="1200" dirty="0">
+                    <a:solidFill>
+                      <a:schemeClr val="tx1"/>
+                    </a:solidFill>
+                    <a:effectLst/>
+                    <a:latin typeface="+mn-lt"/>
+                    <a:ea typeface="+mn-ea"/>
+                    <a:cs typeface="+mn-cs"/>
+                  </a:rPr>
+                  <a:t>» </a:t>
+                </a:r>
+                <a:r>
+                  <a:rPr lang="ru-RU" sz="1600" i="0" kern="1200">
+                    <a:solidFill>
+                      <a:schemeClr val="tx1"/>
+                    </a:solidFill>
+                    <a:effectLst/>
+                    <a:latin typeface="+mn-lt"/>
+                    <a:ea typeface="+mn-ea"/>
+                    <a:cs typeface="+mn-cs"/>
+                  </a:rPr>
+                  <a:t>−</a:t>
+                </a:r>
+                <a:r>
+                  <a:rPr lang="ru-RU" sz="1600" kern="1200" dirty="0">
+                    <a:solidFill>
+                      <a:schemeClr val="tx1"/>
+                    </a:solidFill>
+                    <a:effectLst/>
+                    <a:latin typeface="+mn-lt"/>
+                    <a:ea typeface="+mn-ea"/>
+                    <a:cs typeface="+mn-cs"/>
+                  </a:rPr>
+                  <a:t> более полное описание функционала пакета;</a:t>
+                </a:r>
+              </a:p>
+              <a:p>
+                <a:pPr lvl="0"/>
+                <a:r>
+                  <a:rPr lang="ru-RU" sz="1600" kern="1200" dirty="0">
+                    <a:solidFill>
+                      <a:schemeClr val="tx1"/>
+                    </a:solidFill>
+                    <a:effectLst/>
+                    <a:latin typeface="+mn-lt"/>
+                    <a:ea typeface="+mn-ea"/>
+                    <a:cs typeface="+mn-cs"/>
+                  </a:rPr>
+                  <a:t>«</a:t>
+                </a:r>
+                <a:r>
+                  <a:rPr lang="en-US" sz="1600" kern="1200" dirty="0">
+                    <a:solidFill>
+                      <a:schemeClr val="tx1"/>
+                    </a:solidFill>
+                    <a:effectLst/>
+                    <a:latin typeface="+mn-lt"/>
+                    <a:ea typeface="+mn-ea"/>
+                    <a:cs typeface="+mn-cs"/>
+                  </a:rPr>
+                  <a:t>Encoding</a:t>
+                </a:r>
+                <a:r>
+                  <a:rPr lang="ru-RU" sz="1600" kern="1200" dirty="0">
+                    <a:solidFill>
+                      <a:schemeClr val="tx1"/>
+                    </a:solidFill>
+                    <a:effectLst/>
+                    <a:latin typeface="+mn-lt"/>
+                    <a:ea typeface="+mn-ea"/>
+                    <a:cs typeface="+mn-cs"/>
+                  </a:rPr>
+                  <a:t>» </a:t>
+                </a:r>
+                <a:r>
+                  <a:rPr lang="ru-RU" sz="1600" i="0" kern="1200">
+                    <a:solidFill>
+                      <a:schemeClr val="tx1"/>
+                    </a:solidFill>
+                    <a:effectLst/>
+                    <a:latin typeface="+mn-lt"/>
+                    <a:ea typeface="+mn-ea"/>
+                    <a:cs typeface="+mn-cs"/>
+                  </a:rPr>
+                  <a:t>−</a:t>
+                </a:r>
+                <a:r>
+                  <a:rPr lang="ru-RU" sz="1600" kern="1200" dirty="0">
+                    <a:solidFill>
+                      <a:schemeClr val="tx1"/>
+                    </a:solidFill>
+                    <a:effectLst/>
+                    <a:latin typeface="+mn-lt"/>
+                    <a:ea typeface="+mn-ea"/>
+                    <a:cs typeface="+mn-cs"/>
+                  </a:rPr>
+                  <a:t> кодировка, используемая в файлах пакета;</a:t>
+                </a:r>
+              </a:p>
+              <a:p>
+                <a:pPr lvl="0"/>
+                <a:r>
+                  <a:rPr lang="ru-RU" sz="1600" kern="1200" dirty="0">
+                    <a:solidFill>
+                      <a:schemeClr val="tx1"/>
+                    </a:solidFill>
+                    <a:effectLst/>
+                    <a:latin typeface="+mn-lt"/>
+                    <a:ea typeface="+mn-ea"/>
+                    <a:cs typeface="+mn-cs"/>
+                  </a:rPr>
+                  <a:t>прочие разделы создаются автоматически пакетом </a:t>
+                </a:r>
+                <a:r>
+                  <a:rPr lang="en-US" sz="1600" kern="1200" dirty="0" err="1">
+                    <a:solidFill>
+                      <a:schemeClr val="tx1"/>
+                    </a:solidFill>
+                    <a:effectLst/>
+                    <a:latin typeface="+mn-lt"/>
+                    <a:ea typeface="+mn-ea"/>
+                    <a:cs typeface="+mn-cs"/>
+                  </a:rPr>
+                  <a:t>Roxygen</a:t>
+                </a:r>
+                <a:r>
+                  <a:rPr lang="ru-RU" sz="1600" kern="1200" dirty="0">
+                    <a:solidFill>
+                      <a:schemeClr val="tx1"/>
+                    </a:solidFill>
+                    <a:effectLst/>
+                    <a:latin typeface="+mn-lt"/>
+                    <a:ea typeface="+mn-ea"/>
+                    <a:cs typeface="+mn-cs"/>
+                  </a:rPr>
+                  <a:t>2 и включают информацию о нем;</a:t>
+                </a:r>
+              </a:p>
+              <a:p>
+                <a:pPr lvl="0"/>
+                <a:r>
+                  <a:rPr lang="ru-RU" sz="1600" kern="1200" dirty="0">
+                    <a:solidFill>
+                      <a:schemeClr val="tx1"/>
+                    </a:solidFill>
+                    <a:effectLst/>
+                    <a:latin typeface="+mn-lt"/>
+                    <a:ea typeface="+mn-ea"/>
+                    <a:cs typeface="+mn-cs"/>
+                  </a:rPr>
+                  <a:t>«</a:t>
+                </a:r>
+                <a:r>
+                  <a:rPr lang="en-US" sz="1600" kern="1200" dirty="0">
+                    <a:solidFill>
+                      <a:schemeClr val="tx1"/>
+                    </a:solidFill>
+                    <a:effectLst/>
+                    <a:latin typeface="+mn-lt"/>
+                    <a:ea typeface="+mn-ea"/>
+                    <a:cs typeface="+mn-cs"/>
+                  </a:rPr>
+                  <a:t>Imports</a:t>
+                </a:r>
+                <a:r>
+                  <a:rPr lang="ru-RU" sz="1600" kern="1200" dirty="0">
+                    <a:solidFill>
+                      <a:schemeClr val="tx1"/>
+                    </a:solidFill>
+                    <a:effectLst/>
+                    <a:latin typeface="+mn-lt"/>
+                    <a:ea typeface="+mn-ea"/>
+                    <a:cs typeface="+mn-cs"/>
+                  </a:rPr>
+                  <a:t>» указываются сторонние пакеты, которые участвуют в работе данного пакета.</a:t>
+                </a:r>
+              </a:p>
+              <a:p>
+                <a:r>
+                  <a:rPr lang="ru-RU" sz="1600" kern="1200" dirty="0">
+                    <a:solidFill>
+                      <a:schemeClr val="tx1"/>
+                    </a:solidFill>
+                    <a:effectLst/>
+                    <a:latin typeface="+mn-lt"/>
+                    <a:ea typeface="+mn-ea"/>
+                    <a:cs typeface="+mn-cs"/>
+                  </a:rPr>
+                  <a:t>То есть, в разделе «</a:t>
+                </a:r>
+                <a:r>
+                  <a:rPr lang="en-US" sz="1600" kern="1200" dirty="0">
+                    <a:solidFill>
+                      <a:schemeClr val="tx1"/>
+                    </a:solidFill>
+                    <a:effectLst/>
+                    <a:latin typeface="+mn-lt"/>
+                    <a:ea typeface="+mn-ea"/>
+                    <a:cs typeface="+mn-cs"/>
+                  </a:rPr>
+                  <a:t>Imports</a:t>
+                </a:r>
+                <a:r>
+                  <a:rPr lang="ru-RU" sz="1600" kern="1200" dirty="0">
+                    <a:solidFill>
+                      <a:schemeClr val="tx1"/>
+                    </a:solidFill>
+                    <a:effectLst/>
+                    <a:latin typeface="+mn-lt"/>
+                    <a:ea typeface="+mn-ea"/>
+                    <a:cs typeface="+mn-cs"/>
+                  </a:rPr>
+                  <a:t>», представленном на рисунке 2, указано четыре сторонних пакета, используемых при разработке пакета «</a:t>
+                </a:r>
+                <a:r>
+                  <a:rPr lang="en-US" sz="1600" kern="1200" dirty="0" err="1">
+                    <a:solidFill>
+                      <a:schemeClr val="tx1"/>
+                    </a:solidFill>
+                    <a:effectLst/>
+                    <a:latin typeface="+mn-lt"/>
+                    <a:ea typeface="+mn-ea"/>
+                    <a:cs typeface="+mn-cs"/>
+                  </a:rPr>
+                  <a:t>mypackage</a:t>
+                </a:r>
+                <a:r>
+                  <a:rPr lang="ru-RU" sz="1600" kern="1200" dirty="0">
+                    <a:solidFill>
+                      <a:schemeClr val="tx1"/>
+                    </a:solidFill>
+                    <a:effectLst/>
+                    <a:latin typeface="+mn-lt"/>
+                    <a:ea typeface="+mn-ea"/>
+                    <a:cs typeface="+mn-cs"/>
+                  </a:rPr>
+                  <a:t>»:</a:t>
+                </a:r>
+              </a:p>
+              <a:p>
+                <a:pPr lvl="0"/>
+                <a:r>
+                  <a:rPr lang="en-US" sz="1600" kern="1200" dirty="0" err="1">
+                    <a:solidFill>
+                      <a:schemeClr val="tx1"/>
+                    </a:solidFill>
+                    <a:effectLst/>
+                    <a:latin typeface="+mn-lt"/>
+                    <a:ea typeface="+mn-ea"/>
+                    <a:cs typeface="+mn-cs"/>
+                  </a:rPr>
+                  <a:t>devtools</a:t>
+                </a:r>
+                <a:r>
+                  <a:rPr lang="en-US" sz="1600" kern="1200" dirty="0">
+                    <a:solidFill>
+                      <a:schemeClr val="tx1"/>
+                    </a:solidFill>
+                    <a:effectLst/>
+                    <a:latin typeface="+mn-lt"/>
+                    <a:ea typeface="+mn-ea"/>
+                    <a:cs typeface="+mn-cs"/>
+                  </a:rPr>
+                  <a:t> </a:t>
+                </a:r>
+                <a:r>
+                  <a:rPr lang="ru-RU" sz="1600" i="0" kern="1200">
+                    <a:solidFill>
+                      <a:schemeClr val="tx1"/>
+                    </a:solidFill>
+                    <a:effectLst/>
+                    <a:latin typeface="+mn-lt"/>
+                    <a:ea typeface="+mn-ea"/>
+                    <a:cs typeface="+mn-cs"/>
+                  </a:rPr>
+                  <a:t>–</a:t>
+                </a:r>
+                <a:r>
+                  <a:rPr lang="ru-RU" sz="1600" kern="1200" dirty="0">
+                    <a:solidFill>
+                      <a:schemeClr val="tx1"/>
+                    </a:solidFill>
+                    <a:effectLst/>
+                    <a:latin typeface="+mn-lt"/>
+                    <a:ea typeface="+mn-ea"/>
+                    <a:cs typeface="+mn-cs"/>
+                  </a:rPr>
+                  <a:t> дает удобство разработки пакета;</a:t>
+                </a:r>
+              </a:p>
+              <a:p>
+                <a:pPr lvl="0"/>
+                <a:r>
+                  <a:rPr lang="en-US" sz="1600" kern="1200" dirty="0" err="1">
+                    <a:solidFill>
+                      <a:schemeClr val="tx1"/>
+                    </a:solidFill>
+                    <a:effectLst/>
+                    <a:latin typeface="+mn-lt"/>
+                    <a:ea typeface="+mn-ea"/>
+                    <a:cs typeface="+mn-cs"/>
+                  </a:rPr>
+                  <a:t>roxygen</a:t>
+                </a:r>
+                <a:r>
+                  <a:rPr lang="ru-RU" sz="1600" kern="1200" dirty="0">
+                    <a:solidFill>
+                      <a:schemeClr val="tx1"/>
+                    </a:solidFill>
+                    <a:effectLst/>
+                    <a:latin typeface="+mn-lt"/>
+                    <a:ea typeface="+mn-ea"/>
+                    <a:cs typeface="+mn-cs"/>
+                  </a:rPr>
+                  <a:t>2 </a:t>
+                </a:r>
+                <a:r>
+                  <a:rPr lang="ru-RU" sz="1600" i="0" kern="1200">
+                    <a:solidFill>
+                      <a:schemeClr val="tx1"/>
+                    </a:solidFill>
+                    <a:effectLst/>
+                    <a:latin typeface="+mn-lt"/>
+                    <a:ea typeface="+mn-ea"/>
+                    <a:cs typeface="+mn-cs"/>
+                  </a:rPr>
+                  <a:t>–</a:t>
+                </a:r>
+                <a:r>
+                  <a:rPr lang="ru-RU" sz="1600" kern="1200" dirty="0">
+                    <a:solidFill>
+                      <a:schemeClr val="tx1"/>
+                    </a:solidFill>
+                    <a:effectLst/>
+                    <a:latin typeface="+mn-lt"/>
+                    <a:ea typeface="+mn-ea"/>
+                    <a:cs typeface="+mn-cs"/>
+                  </a:rPr>
+                  <a:t> для документирования написанных функций;</a:t>
+                </a:r>
+              </a:p>
+              <a:p>
+                <a:pPr lvl="0"/>
+                <a:r>
+                  <a:rPr lang="en-US" sz="1600" kern="1200" dirty="0" err="1">
+                    <a:solidFill>
+                      <a:schemeClr val="tx1"/>
+                    </a:solidFill>
+                    <a:effectLst/>
+                    <a:latin typeface="+mn-lt"/>
+                    <a:ea typeface="+mn-ea"/>
+                    <a:cs typeface="+mn-cs"/>
+                  </a:rPr>
+                  <a:t>docstring</a:t>
+                </a:r>
+                <a:r>
+                  <a:rPr lang="en-US" sz="1600" kern="1200" dirty="0">
+                    <a:solidFill>
+                      <a:schemeClr val="tx1"/>
+                    </a:solidFill>
+                    <a:effectLst/>
+                    <a:latin typeface="+mn-lt"/>
+                    <a:ea typeface="+mn-ea"/>
+                    <a:cs typeface="+mn-cs"/>
+                  </a:rPr>
+                  <a:t> </a:t>
+                </a:r>
+                <a:r>
+                  <a:rPr lang="ru-RU" sz="1600" i="0" kern="1200">
+                    <a:solidFill>
+                      <a:schemeClr val="tx1"/>
+                    </a:solidFill>
+                    <a:effectLst/>
+                    <a:latin typeface="+mn-lt"/>
+                    <a:ea typeface="+mn-ea"/>
+                    <a:cs typeface="+mn-cs"/>
+                  </a:rPr>
+                  <a:t>–</a:t>
+                </a:r>
+                <a:r>
+                  <a:rPr lang="ru-RU" sz="1600" kern="1200" dirty="0">
+                    <a:solidFill>
+                      <a:schemeClr val="tx1"/>
+                    </a:solidFill>
+                    <a:effectLst/>
+                    <a:latin typeface="+mn-lt"/>
+                    <a:ea typeface="+mn-ea"/>
+                    <a:cs typeface="+mn-cs"/>
+                  </a:rPr>
+                  <a:t> для написания документации функций;</a:t>
+                </a:r>
+              </a:p>
+              <a:p>
+                <a:pPr lvl="0"/>
+                <a:r>
+                  <a:rPr lang="en-US" sz="1600" kern="1200" dirty="0" err="1">
+                    <a:solidFill>
+                      <a:schemeClr val="tx1"/>
+                    </a:solidFill>
+                    <a:effectLst/>
+                    <a:latin typeface="+mn-lt"/>
+                    <a:ea typeface="+mn-ea"/>
+                    <a:cs typeface="+mn-cs"/>
+                  </a:rPr>
+                  <a:t>testthat</a:t>
+                </a:r>
+                <a:r>
+                  <a:rPr lang="en-US" sz="1600" kern="1200" dirty="0">
+                    <a:solidFill>
+                      <a:schemeClr val="tx1"/>
+                    </a:solidFill>
+                    <a:effectLst/>
+                    <a:latin typeface="+mn-lt"/>
+                    <a:ea typeface="+mn-ea"/>
+                    <a:cs typeface="+mn-cs"/>
+                  </a:rPr>
+                  <a:t> </a:t>
+                </a:r>
+                <a:r>
+                  <a:rPr lang="ru-RU" sz="1600" i="0" kern="1200">
+                    <a:solidFill>
+                      <a:schemeClr val="tx1"/>
+                    </a:solidFill>
+                    <a:effectLst/>
+                    <a:latin typeface="+mn-lt"/>
+                    <a:ea typeface="+mn-ea"/>
+                    <a:cs typeface="+mn-cs"/>
+                  </a:rPr>
+                  <a:t>–</a:t>
+                </a:r>
+                <a:r>
+                  <a:rPr lang="ru-RU" sz="1600" kern="1200" dirty="0">
+                    <a:solidFill>
+                      <a:schemeClr val="tx1"/>
+                    </a:solidFill>
+                    <a:effectLst/>
+                    <a:latin typeface="+mn-lt"/>
+                    <a:ea typeface="+mn-ea"/>
+                    <a:cs typeface="+mn-cs"/>
+                  </a:rPr>
+                  <a:t> для юнит-тестирования написанных функций</a:t>
+                </a:r>
+                <a:r>
+                  <a:rPr lang="ru-RU" sz="1600" kern="1200" dirty="0" smtClean="0">
+                    <a:solidFill>
+                      <a:schemeClr val="tx1"/>
+                    </a:solidFill>
+                    <a:effectLst/>
+                    <a:latin typeface="+mn-lt"/>
+                    <a:ea typeface="+mn-ea"/>
+                    <a:cs typeface="+mn-cs"/>
+                  </a:rPr>
+                  <a:t>.</a:t>
+                </a:r>
+                <a:endParaRPr lang="ru-RU" sz="1600" kern="1200" dirty="0">
+                  <a:solidFill>
+                    <a:schemeClr val="tx1"/>
+                  </a:solidFill>
+                  <a:effectLst/>
+                  <a:latin typeface="+mn-lt"/>
+                  <a:ea typeface="+mn-ea"/>
+                  <a:cs typeface="+mn-cs"/>
+                </a:endParaRPr>
+              </a:p>
+            </p:txBody>
+          </p:sp>
+        </mc:Fallback>
+      </mc:AlternateContent>
       <p:sp>
         <p:nvSpPr>
           <p:cNvPr id="4" name="Номер слайда 3"/>
@@ -1735,6 +4715,913 @@
         </p:txBody>
       </p:sp>
     </p:spTree>
+    <p:extLst>
+      <p:ext uri="{BB962C8B-B14F-4D97-AF65-F5344CB8AC3E}">
+        <p14:creationId xmlns:p14="http://schemas.microsoft.com/office/powerpoint/2010/main" val="4009213492"/>
+      </p:ext>
+    </p:extLst>
+  </p:cSld>
+  <p:clrMapOvr>
+    <a:masterClrMapping/>
+  </p:clrMapOvr>
+</p:notes>
+</file>
+
+<file path=ppt/notesSlides/notesSlide7.xml><?xml version="1.0" encoding="utf-8"?>
+<p:notes xmlns:a="http://schemas.openxmlformats.org/drawingml/2006/main" xmlns:r="http://schemas.openxmlformats.org/officeDocument/2006/relationships" xmlns:p="http://schemas.openxmlformats.org/presentationml/2006/main">
+  <p:cSld>
+    <p:spTree>
+      <p:nvGrpSpPr>
+        <p:cNvPr id="1" name=""/>
+        <p:cNvGrpSpPr/>
+        <p:nvPr/>
+      </p:nvGrpSpPr>
+      <p:grpSpPr>
+        <a:xfrm>
+          <a:off x="0" y="0"/>
+          <a:ext cx="0" cy="0"/>
+          <a:chOff x="0" y="0"/>
+          <a:chExt cx="0" cy="0"/>
+        </a:xfrm>
+      </p:grpSpPr>
+      <p:sp>
+        <p:nvSpPr>
+          <p:cNvPr id="2" name="Образ слайда 1"/>
+          <p:cNvSpPr>
+            <a:spLocks noGrp="1" noRot="1" noChangeAspect="1"/>
+          </p:cNvSpPr>
+          <p:nvPr>
+            <p:ph type="sldImg"/>
+          </p:nvPr>
+        </p:nvSpPr>
+        <p:spPr>
+          <a:xfrm>
+            <a:off x="382588" y="685800"/>
+            <a:ext cx="6092825" cy="3429000"/>
+          </a:xfrm>
+        </p:spPr>
+      </p:sp>
+      <p:sp>
+        <p:nvSpPr>
+          <p:cNvPr id="3" name="Заметки 2"/>
+          <p:cNvSpPr>
+            <a:spLocks noGrp="1"/>
+          </p:cNvSpPr>
+          <p:nvPr>
+            <p:ph type="body" idx="1"/>
+          </p:nvPr>
+        </p:nvSpPr>
+        <p:spPr/>
+        <p:txBody>
+          <a:bodyPr/>
+          <a:lstStyle/>
+          <a:p>
+            <a:r>
+              <a:rPr lang="ru-RU" sz="1600" kern="1200" dirty="0" smtClean="0">
+                <a:solidFill>
+                  <a:schemeClr val="tx1"/>
+                </a:solidFill>
+                <a:effectLst/>
+                <a:latin typeface="+mn-lt"/>
+                <a:ea typeface="+mn-ea"/>
+                <a:cs typeface="+mn-cs"/>
+              </a:rPr>
+              <a:t>Следующим шагом в создании собственного пакета является написание и документирование функций. Написание каждой функции в отдельном .</a:t>
+            </a:r>
+            <a:r>
+              <a:rPr lang="en-US" sz="1600" kern="1200" dirty="0" smtClean="0">
+                <a:solidFill>
+                  <a:schemeClr val="tx1"/>
+                </a:solidFill>
+                <a:effectLst/>
+                <a:latin typeface="+mn-lt"/>
+                <a:ea typeface="+mn-ea"/>
+                <a:cs typeface="+mn-cs"/>
+              </a:rPr>
+              <a:t>R</a:t>
+            </a:r>
+            <a:r>
+              <a:rPr lang="ru-RU" sz="1600" kern="1200" dirty="0" smtClean="0">
+                <a:solidFill>
+                  <a:schemeClr val="tx1"/>
+                </a:solidFill>
+                <a:effectLst/>
+                <a:latin typeface="+mn-lt"/>
+                <a:ea typeface="+mn-ea"/>
+                <a:cs typeface="+mn-cs"/>
+              </a:rPr>
+              <a:t> файле можно назвать правилом хорошего тона. После написания функции ее необходимо задокументировать, то есть добавить специфическое описание по определенному шаблону, представленному на слайде.</a:t>
+            </a:r>
+          </a:p>
+          <a:p>
+            <a:r>
+              <a:rPr lang="ru-RU" sz="1600" kern="1200" dirty="0" smtClean="0">
+                <a:solidFill>
+                  <a:schemeClr val="tx1"/>
+                </a:solidFill>
+                <a:effectLst/>
+                <a:latin typeface="+mn-lt"/>
+                <a:ea typeface="+mn-ea"/>
+                <a:cs typeface="+mn-cs"/>
+              </a:rPr>
+              <a:t>Рассмотрим поля из слайда поподробнее:</a:t>
+            </a:r>
+          </a:p>
+          <a:p>
+            <a:pPr lvl="0"/>
+            <a:r>
+              <a:rPr lang="ru-RU" sz="1600" kern="1200" dirty="0" smtClean="0">
+                <a:solidFill>
+                  <a:schemeClr val="tx1"/>
+                </a:solidFill>
+                <a:effectLst/>
+                <a:latin typeface="+mn-lt"/>
+                <a:ea typeface="+mn-ea"/>
+                <a:cs typeface="+mn-cs"/>
+              </a:rPr>
+              <a:t>«</a:t>
+            </a:r>
+            <a:r>
+              <a:rPr lang="en-US" sz="1600" kern="1200" dirty="0" smtClean="0">
+                <a:solidFill>
+                  <a:schemeClr val="tx1"/>
+                </a:solidFill>
+                <a:effectLst/>
+                <a:latin typeface="+mn-lt"/>
+                <a:ea typeface="+mn-ea"/>
+                <a:cs typeface="+mn-cs"/>
+              </a:rPr>
+              <a:t>title</a:t>
+            </a:r>
+            <a:r>
+              <a:rPr lang="ru-RU" sz="1600" kern="1200" dirty="0" smtClean="0">
+                <a:solidFill>
+                  <a:schemeClr val="tx1"/>
+                </a:solidFill>
+                <a:effectLst/>
+                <a:latin typeface="+mn-lt"/>
+                <a:ea typeface="+mn-ea"/>
+                <a:cs typeface="+mn-cs"/>
+              </a:rPr>
+              <a:t>» содержит название функции;</a:t>
+            </a:r>
+          </a:p>
+          <a:p>
+            <a:pPr lvl="0"/>
+            <a:r>
+              <a:rPr lang="ru-RU" sz="1600" kern="1200" dirty="0" smtClean="0">
+                <a:solidFill>
+                  <a:schemeClr val="tx1"/>
+                </a:solidFill>
+                <a:effectLst/>
+                <a:latin typeface="+mn-lt"/>
+                <a:ea typeface="+mn-ea"/>
+                <a:cs typeface="+mn-cs"/>
+              </a:rPr>
+              <a:t>«</a:t>
+            </a:r>
+            <a:r>
+              <a:rPr lang="en-US" sz="1600" kern="1200" dirty="0" smtClean="0">
+                <a:solidFill>
+                  <a:schemeClr val="tx1"/>
+                </a:solidFill>
+                <a:effectLst/>
+                <a:latin typeface="+mn-lt"/>
+                <a:ea typeface="+mn-ea"/>
+                <a:cs typeface="+mn-cs"/>
+              </a:rPr>
+              <a:t>description</a:t>
+            </a:r>
+            <a:r>
+              <a:rPr lang="ru-RU" sz="1600" kern="1200" dirty="0" smtClean="0">
+                <a:solidFill>
+                  <a:schemeClr val="tx1"/>
+                </a:solidFill>
+                <a:effectLst/>
+                <a:latin typeface="+mn-lt"/>
+                <a:ea typeface="+mn-ea"/>
+                <a:cs typeface="+mn-cs"/>
+              </a:rPr>
+              <a:t>» содержит описание ее работы;</a:t>
+            </a:r>
+          </a:p>
+          <a:p>
+            <a:pPr lvl="0"/>
+            <a:r>
+              <a:rPr lang="ru-RU" sz="1600" kern="1200" dirty="0" smtClean="0">
+                <a:solidFill>
+                  <a:schemeClr val="tx1"/>
+                </a:solidFill>
+                <a:effectLst/>
+                <a:latin typeface="+mn-lt"/>
+                <a:ea typeface="+mn-ea"/>
+                <a:cs typeface="+mn-cs"/>
+              </a:rPr>
+              <a:t>«</a:t>
+            </a:r>
+            <a:r>
+              <a:rPr lang="en-US" sz="1600" kern="1200" dirty="0" err="1" smtClean="0">
+                <a:solidFill>
+                  <a:schemeClr val="tx1"/>
+                </a:solidFill>
+                <a:effectLst/>
+                <a:latin typeface="+mn-lt"/>
+                <a:ea typeface="+mn-ea"/>
+                <a:cs typeface="+mn-cs"/>
+              </a:rPr>
+              <a:t>param</a:t>
+            </a:r>
+            <a:r>
+              <a:rPr lang="ru-RU" sz="1600" kern="1200" dirty="0" smtClean="0">
+                <a:solidFill>
+                  <a:schemeClr val="tx1"/>
+                </a:solidFill>
+                <a:effectLst/>
+                <a:latin typeface="+mn-lt"/>
+                <a:ea typeface="+mn-ea"/>
+                <a:cs typeface="+mn-cs"/>
+              </a:rPr>
+              <a:t>» содержит описание входящих в функцию параметров;</a:t>
+            </a:r>
+          </a:p>
+          <a:p>
+            <a:pPr lvl="0"/>
+            <a:r>
+              <a:rPr lang="ru-RU" sz="1600" kern="1200" dirty="0" smtClean="0">
+                <a:solidFill>
+                  <a:schemeClr val="tx1"/>
+                </a:solidFill>
+                <a:effectLst/>
+                <a:latin typeface="+mn-lt"/>
+                <a:ea typeface="+mn-ea"/>
+                <a:cs typeface="+mn-cs"/>
+              </a:rPr>
+              <a:t>«</a:t>
+            </a:r>
+            <a:r>
+              <a:rPr lang="en-US" sz="1600" kern="1200" dirty="0" smtClean="0">
+                <a:solidFill>
+                  <a:schemeClr val="tx1"/>
+                </a:solidFill>
+                <a:effectLst/>
+                <a:latin typeface="+mn-lt"/>
+                <a:ea typeface="+mn-ea"/>
+                <a:cs typeface="+mn-cs"/>
+              </a:rPr>
+              <a:t>return</a:t>
+            </a:r>
+            <a:r>
+              <a:rPr lang="ru-RU" sz="1600" kern="1200" dirty="0" smtClean="0">
+                <a:solidFill>
+                  <a:schemeClr val="tx1"/>
+                </a:solidFill>
+                <a:effectLst/>
+                <a:latin typeface="+mn-lt"/>
+                <a:ea typeface="+mn-ea"/>
+                <a:cs typeface="+mn-cs"/>
+              </a:rPr>
+              <a:t>» содержит описание возвращаемых функцией значений;</a:t>
+            </a:r>
+          </a:p>
+          <a:p>
+            <a:pPr lvl="0"/>
+            <a:r>
+              <a:rPr lang="ru-RU" sz="1600" kern="1200" dirty="0" smtClean="0">
+                <a:solidFill>
+                  <a:schemeClr val="tx1"/>
+                </a:solidFill>
+                <a:effectLst/>
+                <a:latin typeface="+mn-lt"/>
+                <a:ea typeface="+mn-ea"/>
+                <a:cs typeface="+mn-cs"/>
+              </a:rPr>
+              <a:t>«</a:t>
+            </a:r>
+            <a:r>
+              <a:rPr lang="en-US" sz="1600" kern="1200" dirty="0" smtClean="0">
+                <a:solidFill>
+                  <a:schemeClr val="tx1"/>
+                </a:solidFill>
+                <a:effectLst/>
+                <a:latin typeface="+mn-lt"/>
+                <a:ea typeface="+mn-ea"/>
+                <a:cs typeface="+mn-cs"/>
+              </a:rPr>
+              <a:t>examples</a:t>
+            </a:r>
+            <a:r>
+              <a:rPr lang="ru-RU" sz="1600" kern="1200" dirty="0" smtClean="0">
+                <a:solidFill>
+                  <a:schemeClr val="tx1"/>
+                </a:solidFill>
+                <a:effectLst/>
+                <a:latin typeface="+mn-lt"/>
+                <a:ea typeface="+mn-ea"/>
+                <a:cs typeface="+mn-cs"/>
+              </a:rPr>
+              <a:t>» имеет говорящее название, то есть содержит примеры использования функции;</a:t>
+            </a:r>
+          </a:p>
+          <a:p>
+            <a:pPr lvl="0"/>
+            <a:r>
+              <a:rPr lang="ru-RU" sz="1600" kern="1200" dirty="0" smtClean="0">
+                <a:solidFill>
+                  <a:schemeClr val="tx1"/>
+                </a:solidFill>
+                <a:effectLst/>
+                <a:latin typeface="+mn-lt"/>
+                <a:ea typeface="+mn-ea"/>
+                <a:cs typeface="+mn-cs"/>
+              </a:rPr>
+              <a:t>«</a:t>
+            </a:r>
+            <a:r>
+              <a:rPr lang="en-US" sz="1600" kern="1200" dirty="0" smtClean="0">
+                <a:solidFill>
+                  <a:schemeClr val="tx1"/>
+                </a:solidFill>
+                <a:effectLst/>
+                <a:latin typeface="+mn-lt"/>
+                <a:ea typeface="+mn-ea"/>
+                <a:cs typeface="+mn-cs"/>
+              </a:rPr>
+              <a:t>export</a:t>
+            </a:r>
+            <a:r>
+              <a:rPr lang="ru-RU" sz="1600" kern="1200" dirty="0" smtClean="0">
+                <a:solidFill>
+                  <a:schemeClr val="tx1"/>
+                </a:solidFill>
+                <a:effectLst/>
+                <a:latin typeface="+mn-lt"/>
+                <a:ea typeface="+mn-ea"/>
+                <a:cs typeface="+mn-cs"/>
+              </a:rPr>
+              <a:t>» добавляет функцию в поле видимости пакета.</a:t>
+            </a:r>
+          </a:p>
+          <a:p>
+            <a:pPr marL="0" marR="0" indent="0" algn="l" defTabSz="1218565" rtl="0" eaLnBrk="1" fontAlgn="auto" latinLnBrk="0" hangingPunct="1">
+              <a:lnSpc>
+                <a:spcPct val="100000"/>
+              </a:lnSpc>
+              <a:spcBef>
+                <a:spcPts val="0"/>
+              </a:spcBef>
+              <a:spcAft>
+                <a:spcPts val="0"/>
+              </a:spcAft>
+              <a:buClrTx/>
+              <a:buSzTx/>
+              <a:buFontTx/>
+              <a:buNone/>
+              <a:tabLst/>
+              <a:defRPr/>
+            </a:pPr>
+            <a:r>
+              <a:rPr lang="ru-RU" sz="1600" kern="1200" dirty="0" smtClean="0">
+                <a:solidFill>
+                  <a:schemeClr val="tx1"/>
+                </a:solidFill>
+                <a:effectLst/>
+                <a:latin typeface="+mn-lt"/>
+                <a:ea typeface="+mn-ea"/>
+                <a:cs typeface="+mn-cs"/>
+              </a:rPr>
+              <a:t>После написания всех функций необходимо выполнить команду «</a:t>
+            </a:r>
+            <a:r>
+              <a:rPr lang="en-US" sz="1600" kern="1200" dirty="0" err="1" smtClean="0">
+                <a:solidFill>
+                  <a:schemeClr val="tx1"/>
+                </a:solidFill>
+                <a:effectLst/>
+                <a:latin typeface="+mn-lt"/>
+                <a:ea typeface="+mn-ea"/>
+                <a:cs typeface="+mn-cs"/>
+              </a:rPr>
+              <a:t>devtools</a:t>
+            </a:r>
+            <a:r>
+              <a:rPr lang="ru-RU" sz="1600" kern="1200" dirty="0" smtClean="0">
+                <a:solidFill>
+                  <a:schemeClr val="tx1"/>
+                </a:solidFill>
+                <a:effectLst/>
+                <a:latin typeface="+mn-lt"/>
+                <a:ea typeface="+mn-ea"/>
+                <a:cs typeface="+mn-cs"/>
+              </a:rPr>
+              <a:t>::</a:t>
+            </a:r>
+            <a:r>
+              <a:rPr lang="en-US" sz="1600" kern="1200" dirty="0" smtClean="0">
+                <a:solidFill>
+                  <a:schemeClr val="tx1"/>
+                </a:solidFill>
+                <a:effectLst/>
+                <a:latin typeface="+mn-lt"/>
+                <a:ea typeface="+mn-ea"/>
+                <a:cs typeface="+mn-cs"/>
+              </a:rPr>
+              <a:t>document</a:t>
+            </a:r>
+            <a:r>
+              <a:rPr lang="ru-RU" sz="1600" kern="1200" dirty="0" smtClean="0">
+                <a:solidFill>
+                  <a:schemeClr val="tx1"/>
+                </a:solidFill>
+                <a:effectLst/>
+                <a:latin typeface="+mn-lt"/>
+                <a:ea typeface="+mn-ea"/>
+                <a:cs typeface="+mn-cs"/>
+              </a:rPr>
+              <a:t>()». Она сформирует файлы с расширением .</a:t>
+            </a:r>
+            <a:r>
+              <a:rPr lang="en-US" sz="1600" kern="1200" dirty="0" smtClean="0">
+                <a:solidFill>
+                  <a:schemeClr val="tx1"/>
+                </a:solidFill>
+                <a:effectLst/>
+                <a:latin typeface="+mn-lt"/>
+                <a:ea typeface="+mn-ea"/>
+                <a:cs typeface="+mn-cs"/>
+              </a:rPr>
+              <a:t>Rd </a:t>
+            </a:r>
+            <a:r>
+              <a:rPr lang="ru-RU" sz="1600" kern="1200" dirty="0" smtClean="0">
+                <a:solidFill>
+                  <a:schemeClr val="tx1"/>
+                </a:solidFill>
+                <a:effectLst/>
+                <a:latin typeface="+mn-lt"/>
+                <a:ea typeface="+mn-ea"/>
+                <a:cs typeface="+mn-cs"/>
+              </a:rPr>
+              <a:t>в поддиректории «./</a:t>
+            </a:r>
+            <a:r>
+              <a:rPr lang="en-US" sz="1600" kern="1200" dirty="0" smtClean="0">
+                <a:solidFill>
+                  <a:schemeClr val="tx1"/>
+                </a:solidFill>
+                <a:effectLst/>
+                <a:latin typeface="+mn-lt"/>
+                <a:ea typeface="+mn-ea"/>
+                <a:cs typeface="+mn-cs"/>
+              </a:rPr>
+              <a:t>man</a:t>
+            </a:r>
+            <a:r>
+              <a:rPr lang="ru-RU" sz="1600" kern="1200" dirty="0" smtClean="0">
+                <a:solidFill>
+                  <a:schemeClr val="tx1"/>
+                </a:solidFill>
+                <a:effectLst/>
+                <a:latin typeface="+mn-lt"/>
+                <a:ea typeface="+mn-ea"/>
+                <a:cs typeface="+mn-cs"/>
+              </a:rPr>
+              <a:t>», в которых хранится документация по каждой функции.</a:t>
+            </a:r>
+          </a:p>
+          <a:p>
+            <a:endParaRPr lang="ru-RU" sz="1600" kern="1200" dirty="0">
+              <a:solidFill>
+                <a:schemeClr val="tx1"/>
+              </a:solidFill>
+              <a:effectLst/>
+              <a:latin typeface="+mn-lt"/>
+              <a:ea typeface="+mn-ea"/>
+              <a:cs typeface="+mn-cs"/>
+            </a:endParaRPr>
+          </a:p>
+        </p:txBody>
+      </p:sp>
+      <p:sp>
+        <p:nvSpPr>
+          <p:cNvPr id="4" name="Номер слайда 3"/>
+          <p:cNvSpPr>
+            <a:spLocks noGrp="1"/>
+          </p:cNvSpPr>
+          <p:nvPr>
+            <p:ph type="sldNum" sz="quarter" idx="10"/>
+          </p:nvPr>
+        </p:nvSpPr>
+        <p:spPr/>
+        <p:txBody>
+          <a:bodyPr/>
+          <a:lstStyle/>
+          <a:p>
+            <a:fld id="{2DB4E936-F114-4930-902A-E5DF2A2255C6}" type="slidenum">
+              <a:rPr lang="ru-RU" smtClean="0"/>
+              <a:t>7</a:t>
+            </a:fld>
+            <a:endParaRPr lang="ru-RU"/>
+          </a:p>
+        </p:txBody>
+      </p:sp>
+    </p:spTree>
+    <p:extLst>
+      <p:ext uri="{BB962C8B-B14F-4D97-AF65-F5344CB8AC3E}">
+        <p14:creationId xmlns:p14="http://schemas.microsoft.com/office/powerpoint/2010/main" val="2334322736"/>
+      </p:ext>
+    </p:extLst>
+  </p:cSld>
+  <p:clrMapOvr>
+    <a:masterClrMapping/>
+  </p:clrMapOvr>
+</p:notes>
+</file>
+
+<file path=ppt/notesSlides/notesSlide8.xml><?xml version="1.0" encoding="utf-8"?>
+<p:notes xmlns:a="http://schemas.openxmlformats.org/drawingml/2006/main" xmlns:r="http://schemas.openxmlformats.org/officeDocument/2006/relationships" xmlns:p="http://schemas.openxmlformats.org/presentationml/2006/main">
+  <p:cSld>
+    <p:spTree>
+      <p:nvGrpSpPr>
+        <p:cNvPr id="1" name=""/>
+        <p:cNvGrpSpPr/>
+        <p:nvPr/>
+      </p:nvGrpSpPr>
+      <p:grpSpPr>
+        <a:xfrm>
+          <a:off x="0" y="0"/>
+          <a:ext cx="0" cy="0"/>
+          <a:chOff x="0" y="0"/>
+          <a:chExt cx="0" cy="0"/>
+        </a:xfrm>
+      </p:grpSpPr>
+      <p:sp>
+        <p:nvSpPr>
+          <p:cNvPr id="2" name="Образ слайда 1"/>
+          <p:cNvSpPr>
+            <a:spLocks noGrp="1" noRot="1" noChangeAspect="1"/>
+          </p:cNvSpPr>
+          <p:nvPr>
+            <p:ph type="sldImg"/>
+          </p:nvPr>
+        </p:nvSpPr>
+        <p:spPr/>
+      </p:sp>
+      <p:sp>
+        <p:nvSpPr>
+          <p:cNvPr id="3" name="Заметки 2"/>
+          <p:cNvSpPr>
+            <a:spLocks noGrp="1"/>
+          </p:cNvSpPr>
+          <p:nvPr>
+            <p:ph type="body" idx="1"/>
+          </p:nvPr>
+        </p:nvSpPr>
+        <p:spPr/>
+        <p:txBody>
+          <a:bodyPr/>
+          <a:lstStyle/>
+          <a:p>
+            <a:r>
+              <a:rPr lang="ru-RU" sz="1600" kern="1200" dirty="0" smtClean="0">
+                <a:solidFill>
+                  <a:schemeClr val="tx1"/>
+                </a:solidFill>
+                <a:effectLst/>
+                <a:latin typeface="+mn-lt"/>
+                <a:ea typeface="+mn-ea"/>
+                <a:cs typeface="+mn-cs"/>
+              </a:rPr>
+              <a:t>После установки пакета можно просмотреть документацию к каждой функции пакета с помощью встроенной функции «</a:t>
+            </a:r>
+            <a:r>
+              <a:rPr lang="en-US" sz="1600" kern="1200" dirty="0" smtClean="0">
+                <a:solidFill>
+                  <a:schemeClr val="tx1"/>
+                </a:solidFill>
+                <a:effectLst/>
+                <a:latin typeface="+mn-lt"/>
+                <a:ea typeface="+mn-ea"/>
+                <a:cs typeface="+mn-cs"/>
+              </a:rPr>
+              <a:t>help</a:t>
+            </a:r>
+            <a:r>
+              <a:rPr lang="ru-RU" sz="1600" kern="1200" dirty="0" smtClean="0">
+                <a:solidFill>
+                  <a:schemeClr val="tx1"/>
+                </a:solidFill>
+                <a:effectLst/>
+                <a:latin typeface="+mn-lt"/>
+                <a:ea typeface="+mn-ea"/>
+                <a:cs typeface="+mn-cs"/>
+              </a:rPr>
+              <a:t>(название функции)» или «?(название функции)».</a:t>
+            </a:r>
+          </a:p>
+          <a:p>
+            <a:r>
+              <a:rPr lang="ru-RU" sz="1600" kern="1200" dirty="0" smtClean="0">
+                <a:solidFill>
+                  <a:schemeClr val="tx1"/>
+                </a:solidFill>
+                <a:effectLst/>
+                <a:latin typeface="+mn-lt"/>
+                <a:ea typeface="+mn-ea"/>
+                <a:cs typeface="+mn-cs"/>
+              </a:rPr>
+              <a:t>Вид окончательно</a:t>
+            </a:r>
+            <a:r>
+              <a:rPr lang="ru-RU" sz="1600" kern="1200" baseline="0" dirty="0" smtClean="0">
+                <a:solidFill>
+                  <a:schemeClr val="tx1"/>
+                </a:solidFill>
+                <a:effectLst/>
+                <a:latin typeface="+mn-lt"/>
+                <a:ea typeface="+mn-ea"/>
+                <a:cs typeface="+mn-cs"/>
+              </a:rPr>
+              <a:t> сформированной документации представлен на слайде.</a:t>
+            </a:r>
+            <a:endParaRPr lang="ru-RU" dirty="0"/>
+          </a:p>
+        </p:txBody>
+      </p:sp>
+      <p:sp>
+        <p:nvSpPr>
+          <p:cNvPr id="4" name="Номер слайда 3"/>
+          <p:cNvSpPr>
+            <a:spLocks noGrp="1"/>
+          </p:cNvSpPr>
+          <p:nvPr>
+            <p:ph type="sldNum" sz="quarter" idx="10"/>
+          </p:nvPr>
+        </p:nvSpPr>
+        <p:spPr/>
+        <p:txBody>
+          <a:bodyPr/>
+          <a:lstStyle/>
+          <a:p>
+            <a:fld id="{2DB4E936-F114-4930-902A-E5DF2A2255C6}" type="slidenum">
+              <a:rPr lang="ru-RU" smtClean="0"/>
+              <a:t>8</a:t>
+            </a:fld>
+            <a:endParaRPr lang="ru-RU"/>
+          </a:p>
+        </p:txBody>
+      </p:sp>
+    </p:spTree>
+    <p:extLst>
+      <p:ext uri="{BB962C8B-B14F-4D97-AF65-F5344CB8AC3E}">
+        <p14:creationId xmlns:p14="http://schemas.microsoft.com/office/powerpoint/2010/main" val="3431485917"/>
+      </p:ext>
+    </p:extLst>
+  </p:cSld>
+  <p:clrMapOvr>
+    <a:masterClrMapping/>
+  </p:clrMapOvr>
+</p:notes>
+</file>
+
+<file path=ppt/notesSlides/notesSlide9.xml><?xml version="1.0" encoding="utf-8"?>
+<p:notes xmlns:a="http://schemas.openxmlformats.org/drawingml/2006/main" xmlns:r="http://schemas.openxmlformats.org/officeDocument/2006/relationships" xmlns:p="http://schemas.openxmlformats.org/presentationml/2006/main">
+  <p:cSld>
+    <p:spTree>
+      <p:nvGrpSpPr>
+        <p:cNvPr id="1" name=""/>
+        <p:cNvGrpSpPr/>
+        <p:nvPr/>
+      </p:nvGrpSpPr>
+      <p:grpSpPr>
+        <a:xfrm>
+          <a:off x="0" y="0"/>
+          <a:ext cx="0" cy="0"/>
+          <a:chOff x="0" y="0"/>
+          <a:chExt cx="0" cy="0"/>
+        </a:xfrm>
+      </p:grpSpPr>
+      <p:sp>
+        <p:nvSpPr>
+          <p:cNvPr id="2" name="Образ слайда 1"/>
+          <p:cNvSpPr>
+            <a:spLocks noGrp="1" noRot="1" noChangeAspect="1"/>
+          </p:cNvSpPr>
+          <p:nvPr>
+            <p:ph type="sldImg"/>
+          </p:nvPr>
+        </p:nvSpPr>
+        <p:spPr/>
+      </p:sp>
+      <p:sp>
+        <p:nvSpPr>
+          <p:cNvPr id="3" name="Заметки 2"/>
+          <p:cNvSpPr>
+            <a:spLocks noGrp="1"/>
+          </p:cNvSpPr>
+          <p:nvPr>
+            <p:ph type="body" idx="1"/>
+          </p:nvPr>
+        </p:nvSpPr>
+        <p:spPr/>
+        <p:txBody>
+          <a:bodyPr/>
+          <a:lstStyle/>
+          <a:p>
+            <a:r>
+              <a:rPr lang="ru-RU" sz="1600" kern="1200" dirty="0" smtClean="0">
+                <a:solidFill>
+                  <a:schemeClr val="tx1"/>
+                </a:solidFill>
+                <a:effectLst/>
+                <a:latin typeface="+mn-lt"/>
+                <a:ea typeface="+mn-ea"/>
+                <a:cs typeface="+mn-cs"/>
+              </a:rPr>
+              <a:t>Следующим этапом в разработке собственного пакета можно назвать юнит-тестирование, с помощью которого отлавливаются ошибки, возникающие при изменении кода функций.</a:t>
+            </a:r>
+          </a:p>
+          <a:p>
+            <a:r>
+              <a:rPr lang="ru-RU" sz="1600" kern="1200" dirty="0" smtClean="0">
+                <a:solidFill>
+                  <a:schemeClr val="tx1"/>
+                </a:solidFill>
+                <a:effectLst/>
+                <a:latin typeface="+mn-lt"/>
+                <a:ea typeface="+mn-ea"/>
+                <a:cs typeface="+mn-cs"/>
+              </a:rPr>
+              <a:t>При выполнении команды «</a:t>
+            </a:r>
+            <a:r>
+              <a:rPr lang="en-US" sz="1600" kern="1200" dirty="0" err="1" smtClean="0">
+                <a:solidFill>
+                  <a:schemeClr val="tx1"/>
+                </a:solidFill>
+                <a:effectLst/>
+                <a:latin typeface="+mn-lt"/>
+                <a:ea typeface="+mn-ea"/>
+                <a:cs typeface="+mn-cs"/>
+              </a:rPr>
+              <a:t>devtools</a:t>
+            </a:r>
+            <a:r>
+              <a:rPr lang="ru-RU" sz="1600" kern="1200" dirty="0" smtClean="0">
+                <a:solidFill>
+                  <a:schemeClr val="tx1"/>
+                </a:solidFill>
+                <a:effectLst/>
+                <a:latin typeface="+mn-lt"/>
+                <a:ea typeface="+mn-ea"/>
+                <a:cs typeface="+mn-cs"/>
+              </a:rPr>
+              <a:t>::</a:t>
+            </a:r>
+            <a:r>
+              <a:rPr lang="en-US" sz="1600" kern="1200" dirty="0" smtClean="0">
+                <a:solidFill>
+                  <a:schemeClr val="tx1"/>
+                </a:solidFill>
+                <a:effectLst/>
+                <a:latin typeface="+mn-lt"/>
+                <a:ea typeface="+mn-ea"/>
+                <a:cs typeface="+mn-cs"/>
+              </a:rPr>
+              <a:t>test</a:t>
+            </a:r>
+            <a:r>
+              <a:rPr lang="ru-RU" sz="1600" kern="1200" dirty="0" smtClean="0">
+                <a:solidFill>
+                  <a:schemeClr val="tx1"/>
+                </a:solidFill>
+                <a:effectLst/>
+                <a:latin typeface="+mn-lt"/>
+                <a:ea typeface="+mn-ea"/>
+                <a:cs typeface="+mn-cs"/>
+              </a:rPr>
+              <a:t>()» создается поддиректория «</a:t>
+            </a:r>
+            <a:r>
+              <a:rPr lang="en-US" sz="1600" kern="1200" dirty="0" err="1" smtClean="0">
+                <a:solidFill>
+                  <a:schemeClr val="tx1"/>
+                </a:solidFill>
+                <a:effectLst/>
+                <a:latin typeface="+mn-lt"/>
+                <a:ea typeface="+mn-ea"/>
+                <a:cs typeface="+mn-cs"/>
+              </a:rPr>
+              <a:t>mypackage</a:t>
+            </a:r>
+            <a:r>
+              <a:rPr lang="ru-RU" sz="1600" kern="1200" dirty="0" smtClean="0">
+                <a:solidFill>
+                  <a:schemeClr val="tx1"/>
+                </a:solidFill>
+                <a:effectLst/>
+                <a:latin typeface="+mn-lt"/>
+                <a:ea typeface="+mn-ea"/>
+                <a:cs typeface="+mn-cs"/>
+              </a:rPr>
+              <a:t>/</a:t>
+            </a:r>
+            <a:r>
+              <a:rPr lang="en-US" sz="1600" kern="1200" dirty="0" smtClean="0">
+                <a:solidFill>
+                  <a:schemeClr val="tx1"/>
+                </a:solidFill>
+                <a:effectLst/>
+                <a:latin typeface="+mn-lt"/>
+                <a:ea typeface="+mn-ea"/>
+                <a:cs typeface="+mn-cs"/>
+              </a:rPr>
+              <a:t>tests</a:t>
+            </a:r>
+            <a:r>
+              <a:rPr lang="ru-RU" sz="1600" kern="1200" dirty="0" smtClean="0">
+                <a:solidFill>
+                  <a:schemeClr val="tx1"/>
+                </a:solidFill>
+                <a:effectLst/>
+                <a:latin typeface="+mn-lt"/>
+                <a:ea typeface="+mn-ea"/>
+                <a:cs typeface="+mn-cs"/>
+              </a:rPr>
+              <a:t>», в которой хранятся файлы с исходным кодом тестов функций. Один из подобных файлов представлен ниже.</a:t>
+            </a:r>
+          </a:p>
+          <a:p>
+            <a:r>
+              <a:rPr lang="ru-RU" sz="1600" kern="1200" dirty="0" smtClean="0">
+                <a:solidFill>
+                  <a:schemeClr val="tx1"/>
+                </a:solidFill>
+                <a:effectLst/>
+                <a:latin typeface="+mn-lt"/>
+                <a:ea typeface="+mn-ea"/>
+                <a:cs typeface="+mn-cs"/>
+              </a:rPr>
+              <a:t>В каждый файл импортируется пакет для тестирования и разрабатываемый пакет, которому пишутся тесты в данный момент. С 8-ой по 16-ую строку ниже представлен пример исходного кода одного из юнит-тестов для конкретной функции </a:t>
+            </a:r>
+            <a:r>
+              <a:rPr lang="en-US" sz="1600" kern="1200" dirty="0" smtClean="0">
+                <a:solidFill>
+                  <a:schemeClr val="tx1"/>
+                </a:solidFill>
+                <a:effectLst/>
+                <a:latin typeface="+mn-lt"/>
+                <a:ea typeface="+mn-ea"/>
+                <a:cs typeface="+mn-cs"/>
+              </a:rPr>
+              <a:t>Max</a:t>
+            </a:r>
+            <a:r>
+              <a:rPr lang="ru-RU" sz="1600" kern="1200" dirty="0" smtClean="0">
+                <a:solidFill>
+                  <a:schemeClr val="tx1"/>
+                </a:solidFill>
+                <a:effectLst/>
+                <a:latin typeface="+mn-lt"/>
+                <a:ea typeface="+mn-ea"/>
+                <a:cs typeface="+mn-cs"/>
+              </a:rPr>
+              <a:t>().</a:t>
+            </a:r>
+          </a:p>
+          <a:p>
+            <a:endParaRPr lang="ru-RU" dirty="0"/>
+          </a:p>
+        </p:txBody>
+      </p:sp>
+      <p:sp>
+        <p:nvSpPr>
+          <p:cNvPr id="4" name="Номер слайда 3"/>
+          <p:cNvSpPr>
+            <a:spLocks noGrp="1"/>
+          </p:cNvSpPr>
+          <p:nvPr>
+            <p:ph type="sldNum" sz="quarter" idx="10"/>
+          </p:nvPr>
+        </p:nvSpPr>
+        <p:spPr/>
+        <p:txBody>
+          <a:bodyPr/>
+          <a:lstStyle/>
+          <a:p>
+            <a:fld id="{2DB4E936-F114-4930-902A-E5DF2A2255C6}" type="slidenum">
+              <a:rPr lang="ru-RU" smtClean="0"/>
+              <a:t>9</a:t>
+            </a:fld>
+            <a:endParaRPr lang="ru-RU"/>
+          </a:p>
+        </p:txBody>
+      </p:sp>
+    </p:spTree>
+    <p:extLst>
+      <p:ext uri="{BB962C8B-B14F-4D97-AF65-F5344CB8AC3E}">
+        <p14:creationId xmlns:p14="http://schemas.microsoft.com/office/powerpoint/2010/main" val="2463519467"/>
+      </p:ext>
+    </p:extLst>
   </p:cSld>
   <p:clrMapOvr>
     <a:masterClrMapping/>
@@ -1915,7 +5802,7 @@
           <a:p>
             <a:fld id="{73CDA8E4-2F89-47B8-98E4-9AC1AEF737F3}" type="datetimeFigureOut">
               <a:rPr lang="ru-RU" smtClean="0"/>
-              <a:t>31.05.2021</a:t>
+              <a:t>02.06.2021</a:t>
             </a:fld>
             <a:endParaRPr lang="ru-RU"/>
           </a:p>
@@ -2080,7 +5967,7 @@
           <a:p>
             <a:fld id="{73CDA8E4-2F89-47B8-98E4-9AC1AEF737F3}" type="datetimeFigureOut">
               <a:rPr lang="ru-RU" smtClean="0"/>
-              <a:t>31.05.2021</a:t>
+              <a:t>02.06.2021</a:t>
             </a:fld>
             <a:endParaRPr lang="ru-RU"/>
           </a:p>
@@ -2255,7 +6142,7 @@
           <a:p>
             <a:fld id="{73CDA8E4-2F89-47B8-98E4-9AC1AEF737F3}" type="datetimeFigureOut">
               <a:rPr lang="ru-RU" smtClean="0"/>
-              <a:t>31.05.2021</a:t>
+              <a:t>02.06.2021</a:t>
             </a:fld>
             <a:endParaRPr lang="ru-RU"/>
           </a:p>
@@ -2420,7 +6307,7 @@
           <a:p>
             <a:fld id="{73CDA8E4-2F89-47B8-98E4-9AC1AEF737F3}" type="datetimeFigureOut">
               <a:rPr lang="ru-RU" smtClean="0"/>
-              <a:t>31.05.2021</a:t>
+              <a:t>02.06.2021</a:t>
             </a:fld>
             <a:endParaRPr lang="ru-RU"/>
           </a:p>
@@ -2662,7 +6549,7 @@
           <a:p>
             <a:fld id="{73CDA8E4-2F89-47B8-98E4-9AC1AEF737F3}" type="datetimeFigureOut">
               <a:rPr lang="ru-RU" smtClean="0"/>
-              <a:t>31.05.2021</a:t>
+              <a:t>02.06.2021</a:t>
             </a:fld>
             <a:endParaRPr lang="ru-RU"/>
           </a:p>
@@ -2926,7 +6813,7 @@
           <a:p>
             <a:fld id="{73CDA8E4-2F89-47B8-98E4-9AC1AEF737F3}" type="datetimeFigureOut">
               <a:rPr lang="ru-RU" smtClean="0"/>
-              <a:t>31.05.2021</a:t>
+              <a:t>02.06.2021</a:t>
             </a:fld>
             <a:endParaRPr lang="ru-RU"/>
           </a:p>
@@ -3304,7 +7191,7 @@
           <a:p>
             <a:fld id="{73CDA8E4-2F89-47B8-98E4-9AC1AEF737F3}" type="datetimeFigureOut">
               <a:rPr lang="ru-RU" smtClean="0"/>
-              <a:t>31.05.2021</a:t>
+              <a:t>02.06.2021</a:t>
             </a:fld>
             <a:endParaRPr lang="ru-RU"/>
           </a:p>
@@ -3454,7 +7341,7 @@
           <a:p>
             <a:fld id="{73CDA8E4-2F89-47B8-98E4-9AC1AEF737F3}" type="datetimeFigureOut">
               <a:rPr lang="ru-RU" smtClean="0"/>
-              <a:t>31.05.2021</a:t>
+              <a:t>02.06.2021</a:t>
             </a:fld>
             <a:endParaRPr lang="ru-RU"/>
           </a:p>
@@ -3544,7 +7431,7 @@
           <a:p>
             <a:fld id="{73CDA8E4-2F89-47B8-98E4-9AC1AEF737F3}" type="datetimeFigureOut">
               <a:rPr lang="ru-RU" smtClean="0"/>
-              <a:t>31.05.2021</a:t>
+              <a:t>02.06.2021</a:t>
             </a:fld>
             <a:endParaRPr lang="ru-RU"/>
           </a:p>
@@ -3805,7 +7692,7 @@
           <a:p>
             <a:fld id="{73CDA8E4-2F89-47B8-98E4-9AC1AEF737F3}" type="datetimeFigureOut">
               <a:rPr lang="ru-RU" smtClean="0"/>
-              <a:t>31.05.2021</a:t>
+              <a:t>02.06.2021</a:t>
             </a:fld>
             <a:endParaRPr lang="ru-RU"/>
           </a:p>
@@ -4093,7 +7980,7 @@
           <a:p>
             <a:fld id="{73CDA8E4-2F89-47B8-98E4-9AC1AEF737F3}" type="datetimeFigureOut">
               <a:rPr lang="ru-RU" smtClean="0"/>
-              <a:t>31.05.2021</a:t>
+              <a:t>02.06.2021</a:t>
             </a:fld>
             <a:endParaRPr lang="ru-RU"/>
           </a:p>
@@ -4856,7 +8743,7 @@
           <a:p>
             <a:fld id="{73CDA8E4-2F89-47B8-98E4-9AC1AEF737F3}" type="datetimeFigureOut">
               <a:rPr lang="ru-RU" smtClean="0"/>
-              <a:t>31.05.2021</a:t>
+              <a:t>02.06.2021</a:t>
             </a:fld>
             <a:endParaRPr lang="ru-RU"/>
           </a:p>
@@ -6313,6 +10200,743 @@
 </p:sld>
 </file>
 
+<file path=ppt/slides/slide10.xml><?xml version="1.0" encoding="utf-8"?>
+<p:sld xmlns:a="http://schemas.openxmlformats.org/drawingml/2006/main" xmlns:r="http://schemas.openxmlformats.org/officeDocument/2006/relationships" xmlns:p="http://schemas.openxmlformats.org/presentationml/2006/main">
+  <p:cSld>
+    <p:spTree>
+      <p:nvGrpSpPr>
+        <p:cNvPr id="1" name=""/>
+        <p:cNvGrpSpPr/>
+        <p:nvPr/>
+      </p:nvGrpSpPr>
+      <p:grpSpPr>
+        <a:xfrm>
+          <a:off x="0" y="0"/>
+          <a:ext cx="0" cy="0"/>
+          <a:chOff x="0" y="0"/>
+          <a:chExt cx="0" cy="0"/>
+        </a:xfrm>
+      </p:grpSpPr>
+      <p:sp>
+        <p:nvSpPr>
+          <p:cNvPr id="2" name="Заголовок 1"/>
+          <p:cNvSpPr>
+            <a:spLocks noGrp="1"/>
+          </p:cNvSpPr>
+          <p:nvPr>
+            <p:ph type="title"/>
+          </p:nvPr>
+        </p:nvSpPr>
+        <p:spPr/>
+        <p:txBody>
+          <a:bodyPr/>
+          <a:lstStyle/>
+          <a:p>
+            <a:r>
+              <a:rPr lang="ru-RU" dirty="0" smtClean="0"/>
+              <a:t>Загрузка пакета на </a:t>
+            </a:r>
+            <a:r>
+              <a:rPr lang="en-US" dirty="0" err="1" smtClean="0"/>
+              <a:t>github</a:t>
+            </a:r>
+            <a:endParaRPr lang="ru-RU" dirty="0"/>
+          </a:p>
+        </p:txBody>
+      </p:sp>
+      <p:sp>
+        <p:nvSpPr>
+          <p:cNvPr id="3" name="Объект 2"/>
+          <p:cNvSpPr>
+            <a:spLocks noGrp="1"/>
+          </p:cNvSpPr>
+          <p:nvPr>
+            <p:ph idx="1"/>
+          </p:nvPr>
+        </p:nvSpPr>
+        <p:spPr/>
+        <p:txBody>
+          <a:bodyPr/>
+          <a:lstStyle/>
+          <a:p>
+            <a:pPr marL="0" indent="0">
+              <a:buNone/>
+            </a:pPr>
+            <a:r>
+              <a:rPr lang="ru-RU" dirty="0" smtClean="0"/>
+              <a:t>Загрузить с </a:t>
+            </a:r>
+            <a:r>
+              <a:rPr lang="en-US" dirty="0" err="1" smtClean="0"/>
+              <a:t>github</a:t>
+            </a:r>
+            <a:r>
+              <a:rPr lang="ru-RU" dirty="0" smtClean="0"/>
+              <a:t>: </a:t>
+            </a:r>
+            <a:r>
+              <a:rPr lang="en-US" dirty="0" smtClean="0"/>
+              <a:t>«</a:t>
+            </a:r>
+            <a:r>
+              <a:rPr lang="en-US" dirty="0" err="1" smtClean="0"/>
+              <a:t>devtools</a:t>
+            </a:r>
+            <a:r>
+              <a:rPr lang="en-US" dirty="0"/>
+              <a:t>::</a:t>
+            </a:r>
+            <a:r>
+              <a:rPr lang="en-US" dirty="0" err="1" smtClean="0"/>
+              <a:t>install_github</a:t>
+            </a:r>
+            <a:r>
+              <a:rPr lang="en-US" dirty="0" smtClean="0"/>
+              <a:t>(</a:t>
+            </a:r>
+            <a:r>
+              <a:rPr lang="ru-RU" dirty="0" smtClean="0"/>
+              <a:t>ссылка</a:t>
+            </a:r>
+            <a:r>
+              <a:rPr lang="ru-RU" dirty="0" smtClean="0"/>
+              <a:t>)»</a:t>
+            </a:r>
+          </a:p>
+          <a:p>
+            <a:pPr marL="0" indent="0">
+              <a:buNone/>
+            </a:pPr>
+            <a:r>
+              <a:rPr lang="ru-RU" dirty="0" smtClean="0"/>
+              <a:t>Проверить установлен ли: </a:t>
+            </a:r>
+            <a:r>
+              <a:rPr lang="ru-RU" sz="3600" dirty="0"/>
+              <a:t>«</a:t>
+            </a:r>
+            <a:r>
+              <a:rPr lang="en-US" sz="3600" dirty="0"/>
+              <a:t>installed</a:t>
+            </a:r>
+            <a:r>
+              <a:rPr lang="ru-RU" sz="3600" dirty="0"/>
+              <a:t>.</a:t>
+            </a:r>
+            <a:r>
+              <a:rPr lang="en-US" sz="3600" dirty="0"/>
+              <a:t>packages</a:t>
+            </a:r>
+            <a:r>
+              <a:rPr lang="ru-RU" sz="3600" dirty="0" smtClean="0"/>
+              <a:t>()»</a:t>
+            </a:r>
+          </a:p>
+        </p:txBody>
+      </p:sp>
+    </p:spTree>
+    <p:extLst>
+      <p:ext uri="{BB962C8B-B14F-4D97-AF65-F5344CB8AC3E}">
+        <p14:creationId xmlns:p14="http://schemas.microsoft.com/office/powerpoint/2010/main" val="1563929994"/>
+      </p:ext>
+    </p:extLst>
+  </p:cSld>
+  <p:clrMapOvr>
+    <a:masterClrMapping/>
+  </p:clrMapOvr>
+</p:sld>
+</file>
+
+<file path=ppt/slides/slide11.xml><?xml version="1.0" encoding="utf-8"?>
+<p:sld xmlns:a="http://schemas.openxmlformats.org/drawingml/2006/main" xmlns:r="http://schemas.openxmlformats.org/officeDocument/2006/relationships" xmlns:p="http://schemas.openxmlformats.org/presentationml/2006/main">
+  <p:cSld>
+    <p:spTree>
+      <p:nvGrpSpPr>
+        <p:cNvPr id="1" name=""/>
+        <p:cNvGrpSpPr/>
+        <p:nvPr/>
+      </p:nvGrpSpPr>
+      <p:grpSpPr>
+        <a:xfrm>
+          <a:off x="0" y="0"/>
+          <a:ext cx="0" cy="0"/>
+          <a:chOff x="0" y="0"/>
+          <a:chExt cx="0" cy="0"/>
+        </a:xfrm>
+      </p:grpSpPr>
+      <p:sp>
+        <p:nvSpPr>
+          <p:cNvPr id="2" name="Заголовок 1"/>
+          <p:cNvSpPr>
+            <a:spLocks noGrp="1"/>
+          </p:cNvSpPr>
+          <p:nvPr>
+            <p:ph type="title"/>
+          </p:nvPr>
+        </p:nvSpPr>
+        <p:spPr/>
+        <p:txBody>
+          <a:bodyPr/>
+          <a:lstStyle/>
+          <a:p>
+            <a:r>
+              <a:rPr lang="ru-RU" dirty="0" smtClean="0"/>
+              <a:t>Пример работы функции</a:t>
+            </a:r>
+            <a:endParaRPr lang="ru-RU" dirty="0"/>
+          </a:p>
+        </p:txBody>
+      </p:sp>
+      <p:pic>
+        <p:nvPicPr>
+          <p:cNvPr id="4" name="Объект 3" descr="https://sun9-60.userapi.com/impg/RCaBrJdQ3glyNreQPmYCzrbSTIpaw6j0vREMlw/_1BCo9bKd1M.jpg?size=1160x214&amp;quality=96&amp;sign=69f3ae703cb7b01ed691361f6eaf49dc&amp;type=album"/>
+          <p:cNvPicPr>
+            <a:picLocks noGrp="1"/>
+          </p:cNvPicPr>
+          <p:nvPr>
+            <p:ph idx="1"/>
+          </p:nvPr>
+        </p:nvPicPr>
+        <p:blipFill>
+          <a:blip r:embed="rId3">
+            <a:extLst>
+              <a:ext uri="{28A0092B-C50C-407E-A947-70E740481C1C}">
+                <a14:useLocalDpi xmlns:a14="http://schemas.microsoft.com/office/drawing/2010/main" val="0"/>
+              </a:ext>
+            </a:extLst>
+          </a:blip>
+          <a:srcRect/>
+          <a:stretch>
+            <a:fillRect/>
+          </a:stretch>
+        </p:blipFill>
+        <p:spPr bwMode="auto">
+          <a:xfrm>
+            <a:off x="609600" y="3118676"/>
+            <a:ext cx="10971213" cy="2023999"/>
+          </a:xfrm>
+          <a:prstGeom prst="rect">
+            <a:avLst/>
+          </a:prstGeom>
+          <a:noFill/>
+          <a:ln>
+            <a:noFill/>
+          </a:ln>
+        </p:spPr>
+      </p:pic>
+    </p:spTree>
+    <p:extLst>
+      <p:ext uri="{BB962C8B-B14F-4D97-AF65-F5344CB8AC3E}">
+        <p14:creationId xmlns:p14="http://schemas.microsoft.com/office/powerpoint/2010/main" val="2694549484"/>
+      </p:ext>
+    </p:extLst>
+  </p:cSld>
+  <p:clrMapOvr>
+    <a:masterClrMapping/>
+  </p:clrMapOvr>
+</p:sld>
+</file>
+
+<file path=ppt/slides/slide12.xml><?xml version="1.0" encoding="utf-8"?>
+<p:sld xmlns:a="http://schemas.openxmlformats.org/drawingml/2006/main" xmlns:r="http://schemas.openxmlformats.org/officeDocument/2006/relationships" xmlns:p="http://schemas.openxmlformats.org/presentationml/2006/main">
+  <p:cSld>
+    <p:spTree>
+      <p:nvGrpSpPr>
+        <p:cNvPr id="1" name=""/>
+        <p:cNvGrpSpPr/>
+        <p:nvPr/>
+      </p:nvGrpSpPr>
+      <p:grpSpPr>
+        <a:xfrm>
+          <a:off x="0" y="0"/>
+          <a:ext cx="0" cy="0"/>
+          <a:chOff x="0" y="0"/>
+          <a:chExt cx="0" cy="0"/>
+        </a:xfrm>
+      </p:grpSpPr>
+      <p:sp>
+        <p:nvSpPr>
+          <p:cNvPr id="2" name="Заголовок 1"/>
+          <p:cNvSpPr>
+            <a:spLocks noGrp="1"/>
+          </p:cNvSpPr>
+          <p:nvPr>
+            <p:ph type="title"/>
+          </p:nvPr>
+        </p:nvSpPr>
+        <p:spPr/>
+        <p:txBody>
+          <a:bodyPr>
+            <a:normAutofit/>
+          </a:bodyPr>
+          <a:lstStyle/>
+          <a:p>
+            <a:pPr algn="ctr"/>
+            <a:r>
+              <a:rPr lang="ru-RU" sz="5800" dirty="0"/>
+              <a:t>Выводы</a:t>
+            </a:r>
+          </a:p>
+        </p:txBody>
+      </p:sp>
+      <p:sp>
+        <p:nvSpPr>
+          <p:cNvPr id="3" name="Объект 2"/>
+          <p:cNvSpPr>
+            <a:spLocks noGrp="1"/>
+          </p:cNvSpPr>
+          <p:nvPr>
+            <p:ph idx="1"/>
+          </p:nvPr>
+        </p:nvSpPr>
+        <p:spPr/>
+        <p:txBody>
+          <a:bodyPr>
+            <a:normAutofit/>
+          </a:bodyPr>
+          <a:lstStyle/>
+          <a:p>
+            <a:r>
+              <a:rPr lang="ru-RU" dirty="0"/>
+              <a:t>Язык программирования </a:t>
+            </a:r>
+            <a:r>
+              <a:rPr lang="en-US" dirty="0"/>
+              <a:t>R</a:t>
+            </a:r>
+            <a:r>
+              <a:rPr lang="ru-RU" dirty="0"/>
+              <a:t> создавался специально для анализа данных, поэтому многие функции для анализа данных являются встроенными. </a:t>
+            </a:r>
+            <a:endParaRPr lang="ru-RU" dirty="0" smtClean="0"/>
+          </a:p>
+          <a:p>
+            <a:r>
+              <a:rPr lang="ru-RU" dirty="0" smtClean="0"/>
+              <a:t>Сфера </a:t>
+            </a:r>
+            <a:r>
+              <a:rPr lang="ru-RU" dirty="0"/>
+              <a:t>применения языка </a:t>
+            </a:r>
+            <a:r>
+              <a:rPr lang="ru-RU" dirty="0" smtClean="0"/>
+              <a:t>только </a:t>
+            </a:r>
+            <a:r>
+              <a:rPr lang="ru-RU" dirty="0"/>
+              <a:t>растет. </a:t>
+            </a:r>
+            <a:endParaRPr lang="ru-RU" dirty="0" smtClean="0"/>
+          </a:p>
+          <a:p>
+            <a:r>
+              <a:rPr lang="ru-RU" dirty="0" smtClean="0"/>
+              <a:t>Одни пакеты можно использовать при разработке других</a:t>
+            </a:r>
+            <a:endParaRPr lang="ru-RU" dirty="0"/>
+          </a:p>
+        </p:txBody>
+      </p:sp>
+      <p:pic>
+        <p:nvPicPr>
+          <p:cNvPr id="4" name="Picture 8" descr="https://upload.wikimedia.org/wikipedia/commons/9/93/MIREA_logo.png"/>
+          <p:cNvPicPr>
+            <a:picLocks noChangeAspect="1" noChangeArrowheads="1"/>
+          </p:cNvPicPr>
+          <p:nvPr/>
+        </p:nvPicPr>
+        <p:blipFill>
+          <a:blip r:embed="rId3" cstate="print">
+            <a:extLst>
+              <a:ext uri="{28A0092B-C50C-407E-A947-70E740481C1C}">
+                <a14:useLocalDpi xmlns:a14="http://schemas.microsoft.com/office/drawing/2010/main" val="0"/>
+              </a:ext>
+            </a:extLst>
+          </a:blip>
+          <a:srcRect/>
+          <a:stretch>
+            <a:fillRect/>
+          </a:stretch>
+        </p:blipFill>
+        <p:spPr bwMode="auto">
+          <a:xfrm>
+            <a:off x="10799117" y="1"/>
+            <a:ext cx="1391296" cy="1391800"/>
+          </a:xfrm>
+          <a:prstGeom prst="rect">
+            <a:avLst/>
+          </a:prstGeom>
+          <a:noFill/>
+          <a:extLst>
+            <a:ext uri="{909E8E84-426E-40DD-AFC4-6F175D3DCCD1}">
+              <a14:hiddenFill xmlns:a14="http://schemas.microsoft.com/office/drawing/2010/main">
+                <a:solidFill>
+                  <a:srgbClr val="FFFFFF"/>
+                </a:solidFill>
+              </a14:hiddenFill>
+            </a:ext>
+          </a:extLst>
+        </p:spPr>
+      </p:pic>
+    </p:spTree>
+    <p:extLst>
+      <p:ext uri="{BB962C8B-B14F-4D97-AF65-F5344CB8AC3E}">
+        <p14:creationId xmlns:p14="http://schemas.microsoft.com/office/powerpoint/2010/main" val="2258853263"/>
+      </p:ext>
+    </p:extLst>
+  </p:cSld>
+  <p:clrMapOvr>
+    <a:masterClrMapping/>
+  </p:clrMapOvr>
+  <p:timing>
+    <p:tnLst>
+      <p:par>
+        <p:cTn id="1" dur="indefinite" restart="never" nodeType="tmRoot"/>
+      </p:par>
+    </p:tnLst>
+  </p:timing>
+</p:sld>
+</file>
+
+<file path=ppt/slides/slide13.xml><?xml version="1.0" encoding="utf-8"?>
+<p:sld xmlns:a="http://schemas.openxmlformats.org/drawingml/2006/main" xmlns:r="http://schemas.openxmlformats.org/officeDocument/2006/relationships" xmlns:p="http://schemas.openxmlformats.org/presentationml/2006/main">
+  <p:cSld>
+    <p:spTree>
+      <p:nvGrpSpPr>
+        <p:cNvPr id="1" name=""/>
+        <p:cNvGrpSpPr/>
+        <p:nvPr/>
+      </p:nvGrpSpPr>
+      <p:grpSpPr>
+        <a:xfrm>
+          <a:off x="0" y="0"/>
+          <a:ext cx="0" cy="0"/>
+          <a:chOff x="0" y="0"/>
+          <a:chExt cx="0" cy="0"/>
+        </a:xfrm>
+      </p:grpSpPr>
+      <p:sp>
+        <p:nvSpPr>
+          <p:cNvPr id="2" name="Заголовок 1"/>
+          <p:cNvSpPr>
+            <a:spLocks noGrp="1"/>
+          </p:cNvSpPr>
+          <p:nvPr>
+            <p:ph type="title"/>
+          </p:nvPr>
+        </p:nvSpPr>
+        <p:spPr>
+          <a:xfrm>
+            <a:off x="719309" y="477224"/>
+            <a:ext cx="10971372" cy="914577"/>
+          </a:xfrm>
+        </p:spPr>
+        <p:txBody>
+          <a:bodyPr>
+            <a:normAutofit fontScale="90000"/>
+          </a:bodyPr>
+          <a:lstStyle/>
+          <a:p>
+            <a:pPr algn="ctr"/>
+            <a:r>
+              <a:rPr lang="ru-RU" sz="6400" dirty="0" smtClean="0"/>
+              <a:t>Заключение</a:t>
+            </a:r>
+            <a:endParaRPr lang="ru-RU" sz="6400" dirty="0"/>
+          </a:p>
+        </p:txBody>
+      </p:sp>
+      <p:sp>
+        <p:nvSpPr>
+          <p:cNvPr id="3" name="Объект 2"/>
+          <p:cNvSpPr>
+            <a:spLocks noGrp="1"/>
+          </p:cNvSpPr>
+          <p:nvPr>
+            <p:ph idx="1"/>
+          </p:nvPr>
+        </p:nvSpPr>
+        <p:spPr>
+          <a:xfrm>
+            <a:off x="499596" y="1437001"/>
+            <a:ext cx="10971372" cy="5161880"/>
+          </a:xfrm>
+        </p:spPr>
+        <p:txBody>
+          <a:bodyPr>
+            <a:normAutofit fontScale="85000" lnSpcReduction="20000"/>
+          </a:bodyPr>
+          <a:lstStyle/>
+          <a:p>
+            <a:pPr marL="0" indent="446088">
+              <a:buNone/>
+            </a:pPr>
+            <a:r>
+              <a:rPr lang="ru-RU" dirty="0" smtClean="0"/>
+              <a:t>В </a:t>
+            </a:r>
+            <a:r>
+              <a:rPr lang="ru-RU" dirty="0"/>
+              <a:t>результате выполнения данной курсовой работы создан пакет для обработки данных на языке программирования </a:t>
+            </a:r>
+            <a:r>
+              <a:rPr lang="en-US" dirty="0"/>
+              <a:t>R</a:t>
+            </a:r>
+            <a:r>
+              <a:rPr lang="ru-RU" dirty="0" smtClean="0"/>
+              <a:t>.</a:t>
+            </a:r>
+            <a:endParaRPr lang="ru-RU" sz="3600" dirty="0" smtClean="0"/>
+          </a:p>
+          <a:p>
+            <a:pPr marL="0" indent="446088">
+              <a:buNone/>
+            </a:pPr>
+            <a:r>
+              <a:rPr lang="ru-RU" dirty="0" smtClean="0"/>
+              <a:t>Цель курсовой работы </a:t>
+            </a:r>
+            <a:r>
+              <a:rPr lang="ru-RU" sz="3600" dirty="0"/>
+              <a:t>– </a:t>
+            </a:r>
+            <a:r>
+              <a:rPr lang="ru-RU" sz="3600" dirty="0" smtClean="0"/>
+              <a:t>создание </a:t>
+            </a:r>
+            <a:r>
+              <a:rPr lang="ru-RU" sz="3600" dirty="0"/>
+              <a:t>пакета для обработки статистических данных на языке программирования </a:t>
+            </a:r>
+            <a:r>
+              <a:rPr lang="en-US" sz="3600" dirty="0" smtClean="0"/>
+              <a:t>R</a:t>
+            </a:r>
+            <a:r>
+              <a:rPr lang="ru-RU" sz="3600" dirty="0"/>
+              <a:t> </a:t>
+            </a:r>
+            <a:r>
+              <a:rPr lang="ru-RU" sz="3600" dirty="0" smtClean="0"/>
+              <a:t>– достигнута.</a:t>
+            </a:r>
+            <a:endParaRPr lang="ru-RU" sz="3600" dirty="0"/>
+          </a:p>
+          <a:p>
+            <a:pPr marL="0" indent="0">
+              <a:buNone/>
+            </a:pPr>
+            <a:r>
+              <a:rPr lang="ru-RU" dirty="0" smtClean="0"/>
+              <a:t>Выполнены следующие задачи:</a:t>
+            </a:r>
+          </a:p>
+          <a:p>
+            <a:pPr lvl="0"/>
+            <a:r>
+              <a:rPr lang="ru-RU" dirty="0"/>
+              <a:t>изучение научной и методической литературы по проблеме обработки данных;</a:t>
+            </a:r>
+          </a:p>
+          <a:p>
+            <a:pPr lvl="0"/>
+            <a:r>
+              <a:rPr lang="ru-RU" dirty="0"/>
+              <a:t>определение списка функций, которые будут реализованы в пакете;</a:t>
+            </a:r>
+          </a:p>
+          <a:p>
+            <a:pPr lvl="0"/>
+            <a:r>
+              <a:rPr lang="ru-RU" dirty="0"/>
+              <a:t>создание пакета на языке программирования </a:t>
+            </a:r>
+            <a:r>
+              <a:rPr lang="en-US" dirty="0"/>
+              <a:t>R</a:t>
+            </a:r>
+            <a:r>
+              <a:rPr lang="ru-RU" dirty="0"/>
+              <a:t>;</a:t>
+            </a:r>
+          </a:p>
+          <a:p>
+            <a:pPr lvl="0"/>
+            <a:r>
+              <a:rPr lang="ru-RU" dirty="0"/>
+              <a:t>создание документации для разработанного пакета.</a:t>
+            </a:r>
+          </a:p>
+          <a:p>
+            <a:pPr marL="0" indent="0">
+              <a:buNone/>
+            </a:pPr>
+            <a:endParaRPr lang="ru-RU" sz="2400" dirty="0"/>
+          </a:p>
+          <a:p>
+            <a:endParaRPr lang="ru-RU" sz="2400" dirty="0"/>
+          </a:p>
+        </p:txBody>
+      </p:sp>
+      <p:pic>
+        <p:nvPicPr>
+          <p:cNvPr id="4" name="Picture 8" descr="https://upload.wikimedia.org/wikipedia/commons/9/93/MIREA_logo.png"/>
+          <p:cNvPicPr>
+            <a:picLocks noChangeAspect="1" noChangeArrowheads="1"/>
+          </p:cNvPicPr>
+          <p:nvPr/>
+        </p:nvPicPr>
+        <p:blipFill>
+          <a:blip r:embed="rId3" cstate="print">
+            <a:extLst>
+              <a:ext uri="{28A0092B-C50C-407E-A947-70E740481C1C}">
+                <a14:useLocalDpi xmlns:a14="http://schemas.microsoft.com/office/drawing/2010/main" val="0"/>
+              </a:ext>
+            </a:extLst>
+          </a:blip>
+          <a:srcRect/>
+          <a:stretch>
+            <a:fillRect/>
+          </a:stretch>
+        </p:blipFill>
+        <p:spPr bwMode="auto">
+          <a:xfrm>
+            <a:off x="10799117" y="1"/>
+            <a:ext cx="1391296" cy="1391800"/>
+          </a:xfrm>
+          <a:prstGeom prst="rect">
+            <a:avLst/>
+          </a:prstGeom>
+          <a:noFill/>
+          <a:extLst>
+            <a:ext uri="{909E8E84-426E-40DD-AFC4-6F175D3DCCD1}">
+              <a14:hiddenFill xmlns:a14="http://schemas.microsoft.com/office/drawing/2010/main">
+                <a:solidFill>
+                  <a:srgbClr val="FFFFFF"/>
+                </a:solidFill>
+              </a14:hiddenFill>
+            </a:ext>
+          </a:extLst>
+        </p:spPr>
+      </p:pic>
+    </p:spTree>
+  </p:cSld>
+  <p:clrMapOvr>
+    <a:masterClrMapping/>
+  </p:clrMapOvr>
+  <p:timing>
+    <p:tnLst>
+      <p:par>
+        <p:cTn id="1" dur="indefinite" restart="never" nodeType="tmRoot"/>
+      </p:par>
+    </p:tnLst>
+  </p:timing>
+</p:sld>
+</file>
+
+<file path=ppt/slides/slide14.xml><?xml version="1.0" encoding="utf-8"?>
+<p:sld xmlns:a="http://schemas.openxmlformats.org/drawingml/2006/main" xmlns:r="http://schemas.openxmlformats.org/officeDocument/2006/relationships" xmlns:p="http://schemas.openxmlformats.org/presentationml/2006/main">
+  <p:cSld>
+    <p:spTree>
+      <p:nvGrpSpPr>
+        <p:cNvPr id="1" name=""/>
+        <p:cNvGrpSpPr/>
+        <p:nvPr/>
+      </p:nvGrpSpPr>
+      <p:grpSpPr>
+        <a:xfrm>
+          <a:off x="0" y="0"/>
+          <a:ext cx="0" cy="0"/>
+          <a:chOff x="0" y="0"/>
+          <a:chExt cx="0" cy="0"/>
+        </a:xfrm>
+      </p:grpSpPr>
+      <p:sp>
+        <p:nvSpPr>
+          <p:cNvPr id="2" name="Заголовок 1"/>
+          <p:cNvSpPr>
+            <a:spLocks noGrp="1"/>
+          </p:cNvSpPr>
+          <p:nvPr>
+            <p:ph type="title"/>
+          </p:nvPr>
+        </p:nvSpPr>
+        <p:spPr>
+          <a:xfrm>
+            <a:off x="719309" y="2565498"/>
+            <a:ext cx="10361851" cy="1362771"/>
+          </a:xfrm>
+        </p:spPr>
+        <p:txBody>
+          <a:bodyPr/>
+          <a:lstStyle/>
+          <a:p>
+            <a:pPr algn="ctr"/>
+            <a:r>
+              <a:rPr lang="ru-RU" sz="6400" dirty="0"/>
+              <a:t>Спасибо за внимание!</a:t>
+            </a:r>
+          </a:p>
+        </p:txBody>
+      </p:sp>
+      <p:pic>
+        <p:nvPicPr>
+          <p:cNvPr id="4" name="Picture 8" descr="https://upload.wikimedia.org/wikipedia/commons/9/93/MIREA_logo.png"/>
+          <p:cNvPicPr>
+            <a:picLocks noChangeAspect="1" noChangeArrowheads="1"/>
+          </p:cNvPicPr>
+          <p:nvPr/>
+        </p:nvPicPr>
+        <p:blipFill>
+          <a:blip r:embed="rId3" cstate="print">
+            <a:extLst>
+              <a:ext uri="{28A0092B-C50C-407E-A947-70E740481C1C}">
+                <a14:useLocalDpi xmlns:a14="http://schemas.microsoft.com/office/drawing/2010/main" val="0"/>
+              </a:ext>
+            </a:extLst>
+          </a:blip>
+          <a:srcRect/>
+          <a:stretch>
+            <a:fillRect/>
+          </a:stretch>
+        </p:blipFill>
+        <p:spPr bwMode="auto">
+          <a:xfrm>
+            <a:off x="10799117" y="1"/>
+            <a:ext cx="1391296" cy="1391800"/>
+          </a:xfrm>
+          <a:prstGeom prst="rect">
+            <a:avLst/>
+          </a:prstGeom>
+          <a:noFill/>
+          <a:extLst>
+            <a:ext uri="{909E8E84-426E-40DD-AFC4-6F175D3DCCD1}">
+              <a14:hiddenFill xmlns:a14="http://schemas.microsoft.com/office/drawing/2010/main">
+                <a:solidFill>
+                  <a:srgbClr val="FFFFFF"/>
+                </a:solidFill>
+              </a14:hiddenFill>
+            </a:ext>
+          </a:extLst>
+        </p:spPr>
+      </p:pic>
+    </p:spTree>
+  </p:cSld>
+  <p:clrMapOvr>
+    <a:masterClrMapping/>
+  </p:clrMapOvr>
+  <p:timing>
+    <p:tnLst>
+      <p:par>
+        <p:cTn id="1" dur="indefinite" restart="never" nodeType="tmRoot"/>
+      </p:par>
+    </p:tnLst>
+  </p:timing>
+</p:sld>
+</file>
+
 <file path=ppt/slides/slide2.xml><?xml version="1.0" encoding="utf-8"?>
 <p:sld xmlns:a="http://schemas.openxmlformats.org/drawingml/2006/main" xmlns:r="http://schemas.openxmlformats.org/officeDocument/2006/relationships" xmlns:p="http://schemas.openxmlformats.org/presentationml/2006/main">
   <p:cSld>
@@ -6575,28 +11199,75 @@
             <p:ph type="title"/>
           </p:nvPr>
         </p:nvSpPr>
-        <p:spPr>
-          <a:xfrm>
-            <a:off x="719309" y="2373432"/>
-            <a:ext cx="10361851" cy="1362771"/>
-          </a:xfrm>
-        </p:spPr>
+        <p:spPr/>
         <p:txBody>
-          <a:bodyPr/>
+          <a:bodyPr>
+            <a:normAutofit/>
+          </a:bodyPr>
           <a:lstStyle/>
           <a:p>
             <a:pPr algn="ctr"/>
             <a:r>
-              <a:rPr lang="ru-RU" sz="6400" dirty="0" smtClean="0"/>
-              <a:t>Какой-то текст</a:t>
-            </a:r>
-            <a:endParaRPr lang="ru-RU" sz="6400" dirty="0"/>
+              <a:rPr lang="ru-RU" sz="5800" dirty="0" smtClean="0"/>
+              <a:t>Алгоритм создания пакета</a:t>
+            </a:r>
+            <a:endParaRPr lang="ru-RU" sz="5800" dirty="0"/>
+          </a:p>
+        </p:txBody>
+      </p:sp>
+      <p:sp>
+        <p:nvSpPr>
+          <p:cNvPr id="3" name="Объект 2"/>
+          <p:cNvSpPr>
+            <a:spLocks noGrp="1"/>
+          </p:cNvSpPr>
+          <p:nvPr>
+            <p:ph idx="1"/>
+          </p:nvPr>
+        </p:nvSpPr>
+        <p:spPr/>
+        <p:txBody>
+          <a:bodyPr>
+            <a:normAutofit/>
+          </a:bodyPr>
+          <a:lstStyle/>
+          <a:p>
+            <a:r>
+              <a:rPr lang="ru-RU" dirty="0" smtClean="0"/>
+              <a:t>Определение списка задач, решаемых пакетом.</a:t>
+            </a:r>
+          </a:p>
+          <a:p>
+            <a:r>
+              <a:rPr lang="ru-RU" dirty="0" smtClean="0"/>
+              <a:t>Создание иерархии файлов и заполнение их.</a:t>
+            </a:r>
+          </a:p>
+          <a:p>
+            <a:r>
+              <a:rPr lang="ru-RU" dirty="0" smtClean="0"/>
+              <a:t>Написание и тестирование программного кода.</a:t>
+            </a:r>
+          </a:p>
+          <a:p>
+            <a:r>
+              <a:rPr lang="ru-RU" dirty="0" smtClean="0"/>
+              <a:t>Загрузка готового пакета на </a:t>
+            </a:r>
+            <a:r>
+              <a:rPr lang="en-US" dirty="0" err="1" smtClean="0"/>
+              <a:t>github</a:t>
+            </a:r>
+            <a:r>
+              <a:rPr lang="ru-RU" dirty="0" smtClean="0"/>
+              <a:t>.</a:t>
+            </a:r>
           </a:p>
         </p:txBody>
       </p:sp>
       <p:pic>
         <p:nvPicPr>
-          <p:cNvPr id="5" name="Picture 8" descr="https://upload.wikimedia.org/wikipedia/commons/9/93/MIREA_logo.png"/>
+          <p:cNvPr id="4" name="Picture 8" descr="https://upload.wikimedia.org/wikipedia/commons/9/93/MIREA_logo.png"/>
           <p:cNvPicPr>
             <a:picLocks noChangeAspect="1" noChangeArrowheads="1"/>
           </p:cNvPicPr>
@@ -6636,6 +11307,11 @@
         </p:spPr>
       </p:pic>
     </p:spTree>
+    <p:extLst>
+      <p:ext uri="{BB962C8B-B14F-4D97-AF65-F5344CB8AC3E}">
+        <p14:creationId xmlns:p14="http://schemas.microsoft.com/office/powerpoint/2010/main" val="1705389497"/>
+      </p:ext>
+    </p:extLst>
   </p:cSld>
   <p:clrMapOvr>
     <a:masterClrMapping/>
@@ -6686,9 +11362,10 @@
           <a:p>
             <a:pPr algn="ctr"/>
             <a:r>
-              <a:rPr lang="ru-RU" sz="5800" dirty="0"/>
-              <a:t>Выводы</a:t>
-            </a:r>
+              <a:rPr lang="ru-RU" sz="5800" dirty="0" smtClean="0"/>
+              <a:t>Определение списка задач</a:t>
+            </a:r>
+            <a:endParaRPr lang="ru-RU" sz="5800" dirty="0"/>
           </a:p>
         </p:txBody>
       </p:sp>
@@ -6705,47 +11382,93 @@
         <p:spPr/>
         <p:txBody>
           <a:bodyPr>
-            <a:normAutofit/>
+            <a:normAutofit fontScale="85000" lnSpcReduction="20000"/>
           </a:bodyPr>
           <a:lstStyle/>
           <a:p>
-            <a:r>
-              <a:rPr lang="ru-RU" dirty="0"/>
-              <a:t>Язык программирования </a:t>
-            </a:r>
-            <a:r>
-              <a:rPr lang="en-US" dirty="0"/>
-              <a:t>R</a:t>
-            </a:r>
-            <a:r>
-              <a:rPr lang="ru-RU" dirty="0"/>
-              <a:t> создавался специально для анализа данных, поэтому многие функции для анализа данных являются встроенными. </a:t>
-            </a:r>
-            <a:endParaRPr lang="ru-RU" dirty="0" smtClean="0"/>
-          </a:p>
-          <a:p>
-            <a:r>
-              <a:rPr lang="ru-RU" dirty="0" smtClean="0"/>
-              <a:t>Сфера </a:t>
-            </a:r>
-            <a:r>
-              <a:rPr lang="ru-RU" dirty="0"/>
-              <a:t>применения языка </a:t>
-            </a:r>
-            <a:r>
-              <a:rPr lang="ru-RU" dirty="0" smtClean="0"/>
-              <a:t>только </a:t>
-            </a:r>
-            <a:r>
-              <a:rPr lang="ru-RU" dirty="0"/>
-              <a:t>растет. </a:t>
-            </a:r>
-            <a:endParaRPr lang="ru-RU" dirty="0" smtClean="0"/>
-          </a:p>
-          <a:p>
-            <a:r>
-              <a:rPr lang="ru-RU" dirty="0" smtClean="0"/>
-              <a:t>Одни пакеты можно использовать при разработке других</a:t>
+            <a:pPr marL="0" indent="0">
+              <a:buNone/>
+            </a:pPr>
+            <a:r>
+              <a:rPr lang="ru-RU" sz="3600" dirty="0" smtClean="0"/>
+              <a:t>Основные показатели описательной статистики:</a:t>
+            </a:r>
+          </a:p>
+          <a:p>
+            <a:r>
+              <a:rPr lang="ru-RU" sz="3600" dirty="0" smtClean="0"/>
+              <a:t>среднее значение;</a:t>
+            </a:r>
+          </a:p>
+          <a:p>
+            <a:r>
+              <a:rPr lang="ru-RU" sz="3600" dirty="0"/>
+              <a:t>м</a:t>
+            </a:r>
+            <a:r>
+              <a:rPr lang="ru-RU" sz="3600" dirty="0" smtClean="0"/>
+              <a:t>едиана;</a:t>
+            </a:r>
+          </a:p>
+          <a:p>
+            <a:r>
+              <a:rPr lang="ru-RU" sz="3600" dirty="0" smtClean="0"/>
+              <a:t>мода;</a:t>
+            </a:r>
+            <a:endParaRPr lang="ru-RU" sz="3600" dirty="0"/>
+          </a:p>
+          <a:p>
+            <a:r>
+              <a:rPr lang="ru-RU" sz="3600" dirty="0" smtClean="0"/>
+              <a:t>разброс </a:t>
+            </a:r>
+            <a:r>
+              <a:rPr lang="ru-RU" sz="3600" dirty="0"/>
+              <a:t>(диапазон разброса </a:t>
+            </a:r>
+            <a:r>
+              <a:rPr lang="ru-RU" sz="3600" dirty="0" smtClean="0"/>
+              <a:t>данных);</a:t>
+            </a:r>
+          </a:p>
+          <a:p>
+            <a:r>
+              <a:rPr lang="ru-RU" sz="3600" dirty="0"/>
+              <a:t>д</a:t>
+            </a:r>
+            <a:r>
+              <a:rPr lang="ru-RU" sz="3600" dirty="0" smtClean="0"/>
+              <a:t>исперсия;</a:t>
+            </a:r>
+          </a:p>
+          <a:p>
+            <a:r>
+              <a:rPr lang="ru-RU" sz="3600" dirty="0"/>
+              <a:t>о</a:t>
+            </a:r>
+            <a:r>
+              <a:rPr lang="ru-RU" sz="3600" dirty="0" smtClean="0"/>
+              <a:t>тклонение;</a:t>
+            </a:r>
+          </a:p>
+          <a:p>
+            <a:r>
+              <a:rPr lang="ru-RU" sz="3600" dirty="0"/>
+              <a:t>к</a:t>
+            </a:r>
+            <a:r>
+              <a:rPr lang="ru-RU" sz="3600" dirty="0" smtClean="0"/>
+              <a:t>вартили;</a:t>
+            </a:r>
+          </a:p>
+          <a:p>
+            <a:r>
+              <a:rPr lang="ru-RU" sz="3600" dirty="0" smtClean="0"/>
+              <a:t>доверительный </a:t>
+            </a:r>
+            <a:r>
+              <a:rPr lang="ru-RU" sz="3600" dirty="0"/>
+              <a:t>интервал.</a:t>
             </a:r>
             <a:endParaRPr lang="ru-RU" dirty="0"/>
           </a:p>
@@ -6836,21 +11559,26 @@
         </p:nvSpPr>
         <p:spPr>
           <a:xfrm>
-            <a:off x="719309" y="477224"/>
-            <a:ext cx="10971372" cy="914577"/>
+            <a:off x="334566" y="820168"/>
+            <a:ext cx="10971372" cy="1143265"/>
           </a:xfrm>
         </p:spPr>
         <p:txBody>
           <a:bodyPr>
-            <a:normAutofit fontScale="90000"/>
+            <a:normAutofit/>
           </a:bodyPr>
           <a:lstStyle/>
           <a:p>
             <a:pPr algn="ctr"/>
             <a:r>
-              <a:rPr lang="ru-RU" sz="6400" dirty="0"/>
-              <a:t>Выводы</a:t>
-            </a:r>
+              <a:rPr lang="ru-RU" sz="6000" dirty="0" smtClean="0"/>
+              <a:t>Создание </a:t>
+            </a:r>
+            <a:r>
+              <a:rPr lang="ru-RU" sz="6000" dirty="0"/>
+              <a:t>иерархии файлов</a:t>
+            </a:r>
+            <a:endParaRPr lang="ru-RU" sz="5800" dirty="0"/>
           </a:p>
         </p:txBody>
       </p:sp>
@@ -6864,126 +11592,56 @@
             <p:ph idx="1"/>
           </p:nvPr>
         </p:nvSpPr>
-        <p:spPr>
-          <a:xfrm>
-            <a:off x="499596" y="1437001"/>
-            <a:ext cx="10971372" cy="5161880"/>
-          </a:xfrm>
-        </p:spPr>
+        <p:spPr/>
         <p:txBody>
           <a:bodyPr>
-            <a:normAutofit fontScale="85000" lnSpcReduction="20000"/>
+            <a:normAutofit/>
           </a:bodyPr>
           <a:lstStyle/>
           <a:p>
-            <a:pPr marL="0" indent="446088">
-              <a:buNone/>
-            </a:pPr>
             <a:r>
               <a:rPr lang="ru-RU" dirty="0" smtClean="0"/>
-              <a:t>В </a:t>
-            </a:r>
-            <a:r>
-              <a:rPr lang="ru-RU" dirty="0"/>
-              <a:t>результате выполнения данной курсовой работы создан пакет для обработки данных на языке программирования </a:t>
-            </a:r>
-            <a:r>
-              <a:rPr lang="en-US" dirty="0"/>
-              <a:t>R</a:t>
+              <a:t>Файл </a:t>
+            </a:r>
+            <a:r>
+              <a:rPr lang="en-US" dirty="0" smtClean="0"/>
+              <a:t>DESCRIPTION</a:t>
             </a:r>
             <a:r>
               <a:rPr lang="ru-RU" dirty="0" smtClean="0"/>
               <a:t>.</a:t>
             </a:r>
-            <a:endParaRPr lang="ru-RU" sz="3600" dirty="0" smtClean="0"/>
-          </a:p>
-          <a:p>
-            <a:pPr marL="0" indent="446088">
-              <a:buNone/>
-            </a:pPr>
+            <a:endParaRPr lang="en-US" dirty="0" smtClean="0"/>
+          </a:p>
+          <a:p>
             <a:r>
               <a:rPr lang="ru-RU" dirty="0" smtClean="0"/>
-              <a:t>Цель курсовой работы </a:t>
-            </a:r>
-            <a:r>
-              <a:rPr lang="ru-RU" sz="3600" dirty="0"/>
-              <a:t>– </a:t>
-            </a:r>
-            <a:r>
-              <a:rPr lang="ru-RU" sz="3600" dirty="0" smtClean="0"/>
-              <a:t>создание </a:t>
-            </a:r>
-            <a:r>
-              <a:rPr lang="ru-RU" sz="3600" dirty="0"/>
-              <a:t>пакета для обработки статистических данных на языке программирования </a:t>
-            </a:r>
-            <a:r>
-              <a:rPr lang="en-US" sz="3600" dirty="0" smtClean="0"/>
+              <a:t>Файл </a:t>
+            </a:r>
+            <a:r>
+              <a:rPr lang="en-US" dirty="0" smtClean="0"/>
+              <a:t>NAMESPACE</a:t>
+            </a:r>
+            <a:r>
+              <a:rPr lang="ru-RU" dirty="0" smtClean="0"/>
+              <a:t>.</a:t>
+            </a:r>
+            <a:endParaRPr lang="en-US" dirty="0" smtClean="0"/>
+          </a:p>
+          <a:p>
+            <a:r>
+              <a:rPr lang="ru-RU" dirty="0" smtClean="0"/>
+              <a:t>Директория «</a:t>
+            </a:r>
+            <a:r>
+              <a:rPr lang="en-US" dirty="0" smtClean="0"/>
               <a:t>R</a:t>
             </a:r>
             <a:r>
-              <a:rPr lang="ru-RU" sz="3600" dirty="0"/>
-              <a:t> </a:t>
-            </a:r>
-            <a:r>
-              <a:rPr lang="ru-RU" sz="3600" dirty="0" smtClean="0"/>
-              <a:t>– достигнута.</a:t>
-            </a:r>
-            <a:endParaRPr lang="ru-RU" sz="3600" dirty="0"/>
-          </a:p>
-          <a:p>
-            <a:pPr marL="0" indent="0">
-              <a:buNone/>
-            </a:pPr>
-            <a:r>
               <a:rPr lang="ru-RU" dirty="0" smtClean="0"/>
-              <a:t>Выполнены следующие задачи:</a:t>
-            </a:r>
-          </a:p>
-          <a:p>
-            <a:pPr lvl="0"/>
-            <a:r>
-              <a:rPr lang="ru-RU" dirty="0"/>
-              <a:t>изучение научной и методической литературы по проблеме обработки данных;</a:t>
-            </a:r>
-          </a:p>
-          <a:p>
-            <a:pPr lvl="0"/>
-            <a:r>
-              <a:rPr lang="ru-RU" dirty="0"/>
-              <a:t>определение списка функций, которые будут реализованы в пакете;</a:t>
-            </a:r>
-          </a:p>
-          <a:p>
-            <a:pPr lvl="0"/>
-            <a:r>
-              <a:rPr lang="ru-RU" dirty="0"/>
-              <a:t>создание пакета на языке программирования </a:t>
-            </a:r>
-            <a:r>
-              <a:rPr lang="en-US" dirty="0"/>
-              <a:t>R</a:t>
-            </a:r>
-            <a:r>
-              <a:rPr lang="ru-RU" dirty="0"/>
-              <a:t>;</a:t>
-            </a:r>
-          </a:p>
-          <a:p>
-            <a:pPr lvl="0"/>
-            <a:r>
-              <a:rPr lang="ru-RU" dirty="0"/>
-              <a:t>создание документации для разработанного пакета.</a:t>
-            </a:r>
-          </a:p>
-          <a:p>
-            <a:pPr marL="0" indent="0">
-              <a:buNone/>
-            </a:pPr>
-            <a:endParaRPr lang="ru-RU" sz="2400" dirty="0"/>
-          </a:p>
-          <a:p>
-            <a:endParaRPr lang="ru-RU" sz="2400" dirty="0"/>
+              <a:t>».</a:t>
+            </a:r>
+            <a:endParaRPr lang="ru-RU" dirty="0"/>
           </a:p>
         </p:txBody>
       </p:sp>
@@ -7029,6 +11687,11 @@
         </p:spPr>
       </p:pic>
     </p:spTree>
+    <p:extLst>
+      <p:ext uri="{BB962C8B-B14F-4D97-AF65-F5344CB8AC3E}">
+        <p14:creationId xmlns:p14="http://schemas.microsoft.com/office/powerpoint/2010/main" val="2158083240"/>
+      </p:ext>
+    </p:extLst>
   </p:cSld>
   <p:clrMapOvr>
     <a:masterClrMapping/>
@@ -7070,21 +11733,27 @@
             <p:ph type="title"/>
           </p:nvPr>
         </p:nvSpPr>
-        <p:spPr>
-          <a:xfrm>
-            <a:off x="719309" y="2565498"/>
-            <a:ext cx="10361851" cy="1362771"/>
-          </a:xfrm>
-        </p:spPr>
+        <p:spPr/>
         <p:txBody>
-          <a:bodyPr/>
+          <a:bodyPr>
+            <a:normAutofit/>
+          </a:bodyPr>
           <a:lstStyle/>
           <a:p>
             <a:pPr algn="ctr"/>
             <a:r>
-              <a:rPr lang="ru-RU" sz="6400" dirty="0"/>
-              <a:t>Спасибо за внимание!</a:t>
-            </a:r>
+              <a:rPr lang="ru-RU" sz="5800" dirty="0" smtClean="0"/>
+              <a:t>Файл «</a:t>
+            </a:r>
+            <a:r>
+              <a:rPr lang="en-US" sz="5800" dirty="0" smtClean="0"/>
+              <a:t>DESCRIPTION</a:t>
+            </a:r>
+            <a:r>
+              <a:rPr lang="ru-RU" sz="5800" dirty="0" smtClean="0"/>
+              <a:t>»</a:t>
+            </a:r>
+            <a:endParaRPr lang="ru-RU" sz="5800" dirty="0"/>
           </a:p>
         </p:txBody>
       </p:sp>
@@ -7129,7 +11798,49 @@
           </a:extLst>
         </p:spPr>
       </p:pic>
+      <p:pic>
+        <p:nvPicPr>
+          <p:cNvPr id="5" name="Объект 4" descr="https://sun9-56.userapi.com/impg/0TojhRi2j4HhOtm8pAPpiKzRHFL4WZBEYrYYTA/tQf7Wm5B3sA.jpg?size=1058x365&amp;quality=96&amp;sign=237a327ebe159b09a443b0b663b48dd1&amp;type=album"/>
+          <p:cNvPicPr>
+            <a:picLocks noGrp="1"/>
+          </p:cNvPicPr>
+          <p:nvPr>
+            <p:ph idx="1"/>
+          </p:nvPr>
+        </p:nvPicPr>
+        <p:blipFill>
+          <a:blip r:embed="rId4">
+            <a:extLst>
+              <a:ext uri="{28A0092B-C50C-407E-A947-70E740481C1C}">
+                <a14:useLocalDpi xmlns:a14="http://schemas.microsoft.com/office/drawing/2010/main" val="0"/>
+              </a:ext>
+            </a:extLst>
+          </a:blip>
+          <a:srcRect/>
+          <a:stretch>
+            <a:fillRect/>
+          </a:stretch>
+        </p:blipFill>
+        <p:spPr bwMode="auto">
+          <a:xfrm>
+            <a:off x="833002" y="1847174"/>
+            <a:ext cx="10524410" cy="4021472"/>
+          </a:xfrm>
+          <a:prstGeom prst="rect">
+            <a:avLst/>
+          </a:prstGeom>
+          <a:noFill/>
+          <a:ln>
+            <a:noFill/>
+          </a:ln>
+        </p:spPr>
+      </p:pic>
     </p:spTree>
+    <p:extLst>
+      <p:ext uri="{BB962C8B-B14F-4D97-AF65-F5344CB8AC3E}">
+        <p14:creationId xmlns:p14="http://schemas.microsoft.com/office/powerpoint/2010/main" val="1697832453"/>
+      </p:ext>
+    </p:extLst>
   </p:cSld>
   <p:clrMapOvr>
     <a:masterClrMapping/>
@@ -7141,6 +11852,347 @@
       </p:par>
     </p:tnLst>
   </p:timing>
+</p:sld>
+</file>
+
+<file path=ppt/slides/slide7.xml><?xml version="1.0" encoding="utf-8"?>
+<p:sld xmlns:a="http://schemas.openxmlformats.org/drawingml/2006/main" xmlns:r="http://schemas.openxmlformats.org/officeDocument/2006/relationships" xmlns:p="http://schemas.openxmlformats.org/presentationml/2006/main">
+  <p:cSld>
+    <p:spTree>
+      <p:nvGrpSpPr>
+        <p:cNvPr id="1" name=""/>
+        <p:cNvGrpSpPr/>
+        <p:nvPr/>
+      </p:nvGrpSpPr>
+      <p:grpSpPr>
+        <a:xfrm>
+          <a:off x="0" y="0"/>
+          <a:ext cx="0" cy="0"/>
+          <a:chOff x="0" y="0"/>
+          <a:chExt cx="0" cy="0"/>
+        </a:xfrm>
+      </p:grpSpPr>
+      <p:sp>
+        <p:nvSpPr>
+          <p:cNvPr id="2" name="Заголовок 1"/>
+          <p:cNvSpPr>
+            <a:spLocks noGrp="1"/>
+          </p:cNvSpPr>
+          <p:nvPr>
+            <p:ph type="title"/>
+          </p:nvPr>
+        </p:nvSpPr>
+        <p:spPr/>
+        <p:txBody>
+          <a:bodyPr>
+            <a:normAutofit fontScale="90000"/>
+          </a:bodyPr>
+          <a:lstStyle/>
+          <a:p>
+            <a:pPr algn="ctr"/>
+            <a:r>
+              <a:rPr lang="ru-RU" sz="5800" dirty="0" smtClean="0"/>
+              <a:t>Пример оформления исходного кода функции</a:t>
+            </a:r>
+            <a:endParaRPr lang="ru-RU" sz="5800" dirty="0"/>
+          </a:p>
+        </p:txBody>
+      </p:sp>
+      <p:pic>
+        <p:nvPicPr>
+          <p:cNvPr id="5" name="Объект 4"/>
+          <p:cNvPicPr>
+            <a:picLocks noGrp="1" noChangeAspect="1"/>
+          </p:cNvPicPr>
+          <p:nvPr>
+            <p:ph idx="1"/>
+          </p:nvPr>
+        </p:nvPicPr>
+        <p:blipFill>
+          <a:blip r:embed="rId3"/>
+          <a:stretch>
+            <a:fillRect/>
+          </a:stretch>
+        </p:blipFill>
+        <p:spPr>
+          <a:xfrm>
+            <a:off x="1594707" y="1847516"/>
+            <a:ext cx="9001000" cy="4750782"/>
+          </a:xfrm>
+          <a:prstGeom prst="rect">
+            <a:avLst/>
+          </a:prstGeom>
+        </p:spPr>
+      </p:pic>
+      <p:pic>
+        <p:nvPicPr>
+          <p:cNvPr id="4" name="Picture 8" descr="https://upload.wikimedia.org/wikipedia/commons/9/93/MIREA_logo.png"/>
+          <p:cNvPicPr>
+            <a:picLocks noChangeAspect="1" noChangeArrowheads="1"/>
+          </p:cNvPicPr>
+          <p:nvPr/>
+        </p:nvPicPr>
+        <p:blipFill>
+          <a:blip r:embed="rId4" cstate="print">
+            <a:extLst>
+              <a:ext uri="{28A0092B-C50C-407E-A947-70E740481C1C}">
+                <a14:useLocalDpi xmlns:a14="http://schemas.microsoft.com/office/drawing/2010/main" val="0"/>
+              </a:ext>
+            </a:extLst>
+          </a:blip>
+          <a:srcRect/>
+          <a:stretch>
+            <a:fillRect/>
+          </a:stretch>
+        </p:blipFill>
+        <p:spPr bwMode="auto">
+          <a:xfrm>
+            <a:off x="10799117" y="1"/>
+            <a:ext cx="1391296" cy="1391800"/>
+          </a:xfrm>
+          <a:prstGeom prst="rect">
+            <a:avLst/>
+          </a:prstGeom>
+          <a:noFill/>
+          <a:extLst>
+            <a:ext uri="{909E8E84-426E-40DD-AFC4-6F175D3DCCD1}">
+              <a14:hiddenFill xmlns:a14="http://schemas.microsoft.com/office/drawing/2010/main">
+                <a:solidFill>
+                  <a:srgbClr val="FFFFFF"/>
+                </a:solidFill>
+              </a14:hiddenFill>
+            </a:ext>
+          </a:extLst>
+        </p:spPr>
+      </p:pic>
+    </p:spTree>
+    <p:extLst>
+      <p:ext uri="{BB962C8B-B14F-4D97-AF65-F5344CB8AC3E}">
+        <p14:creationId xmlns:p14="http://schemas.microsoft.com/office/powerpoint/2010/main" val="2995141817"/>
+      </p:ext>
+    </p:extLst>
+  </p:cSld>
+  <p:clrMapOvr>
+    <a:masterClrMapping/>
+  </p:clrMapOvr>
+  <p:timing>
+    <p:tnLst>
+      <p:par>
+        <p:cTn id="1" dur="indefinite" restart="never" nodeType="tmRoot"/>
+      </p:par>
+    </p:tnLst>
+  </p:timing>
+</p:sld>
+</file>
+
+<file path=ppt/slides/slide8.xml><?xml version="1.0" encoding="utf-8"?>
+<p:sld xmlns:a="http://schemas.openxmlformats.org/drawingml/2006/main" xmlns:r="http://schemas.openxmlformats.org/officeDocument/2006/relationships" xmlns:p="http://schemas.openxmlformats.org/presentationml/2006/main">
+  <p:cSld>
+    <p:spTree>
+      <p:nvGrpSpPr>
+        <p:cNvPr id="1" name=""/>
+        <p:cNvGrpSpPr/>
+        <p:nvPr/>
+      </p:nvGrpSpPr>
+      <p:grpSpPr>
+        <a:xfrm>
+          <a:off x="0" y="0"/>
+          <a:ext cx="0" cy="0"/>
+          <a:chOff x="0" y="0"/>
+          <a:chExt cx="0" cy="0"/>
+        </a:xfrm>
+      </p:grpSpPr>
+      <p:sp>
+        <p:nvSpPr>
+          <p:cNvPr id="2" name="Заголовок 1"/>
+          <p:cNvSpPr>
+            <a:spLocks noGrp="1"/>
+          </p:cNvSpPr>
+          <p:nvPr>
+            <p:ph type="title"/>
+          </p:nvPr>
+        </p:nvSpPr>
+        <p:spPr>
+          <a:xfrm>
+            <a:off x="478583" y="477467"/>
+            <a:ext cx="5760640" cy="4032448"/>
+          </a:xfrm>
+        </p:spPr>
+        <p:txBody>
+          <a:bodyPr>
+            <a:normAutofit/>
+          </a:bodyPr>
+          <a:lstStyle/>
+          <a:p>
+            <a:r>
+              <a:rPr lang="ru-RU" sz="7200" dirty="0" smtClean="0"/>
+              <a:t>Вызов документации функции</a:t>
+            </a:r>
+            <a:endParaRPr lang="ru-RU" dirty="0"/>
+          </a:p>
+        </p:txBody>
+      </p:sp>
+      <p:pic>
+        <p:nvPicPr>
+          <p:cNvPr id="4" name="Объект 3" descr="C:\Users\Ортём\Desktop\док.jpg"/>
+          <p:cNvPicPr>
+            <a:picLocks noGrp="1"/>
+          </p:cNvPicPr>
+          <p:nvPr>
+            <p:ph idx="1"/>
+          </p:nvPr>
+        </p:nvPicPr>
+        <p:blipFill>
+          <a:blip r:embed="rId3">
+            <a:extLst>
+              <a:ext uri="{28A0092B-C50C-407E-A947-70E740481C1C}">
+                <a14:useLocalDpi xmlns:a14="http://schemas.microsoft.com/office/drawing/2010/main" val="0"/>
+              </a:ext>
+            </a:extLst>
+          </a:blip>
+          <a:srcRect/>
+          <a:stretch>
+            <a:fillRect/>
+          </a:stretch>
+        </p:blipFill>
+        <p:spPr bwMode="auto">
+          <a:xfrm>
+            <a:off x="6383238" y="261442"/>
+            <a:ext cx="4569742" cy="6444333"/>
+          </a:xfrm>
+          <a:prstGeom prst="rect">
+            <a:avLst/>
+          </a:prstGeom>
+          <a:noFill/>
+          <a:ln>
+            <a:noFill/>
+          </a:ln>
+        </p:spPr>
+      </p:pic>
+    </p:spTree>
+    <p:extLst>
+      <p:ext uri="{BB962C8B-B14F-4D97-AF65-F5344CB8AC3E}">
+        <p14:creationId xmlns:p14="http://schemas.microsoft.com/office/powerpoint/2010/main" val="28332259"/>
+      </p:ext>
+    </p:extLst>
+  </p:cSld>
+  <p:clrMapOvr>
+    <a:masterClrMapping/>
+  </p:clrMapOvr>
+</p:sld>
+</file>
+
+<file path=ppt/slides/slide9.xml><?xml version="1.0" encoding="utf-8"?>
+<p:sld xmlns:a="http://schemas.openxmlformats.org/drawingml/2006/main" xmlns:r="http://schemas.openxmlformats.org/officeDocument/2006/relationships" xmlns:p="http://schemas.openxmlformats.org/presentationml/2006/main">
+  <p:cSld>
+    <p:spTree>
+      <p:nvGrpSpPr>
+        <p:cNvPr id="1" name=""/>
+        <p:cNvGrpSpPr/>
+        <p:nvPr/>
+      </p:nvGrpSpPr>
+      <p:grpSpPr>
+        <a:xfrm>
+          <a:off x="0" y="0"/>
+          <a:ext cx="0" cy="0"/>
+          <a:chOff x="0" y="0"/>
+          <a:chExt cx="0" cy="0"/>
+        </a:xfrm>
+      </p:grpSpPr>
+      <p:sp>
+        <p:nvSpPr>
+          <p:cNvPr id="2" name="Заголовок 1"/>
+          <p:cNvSpPr>
+            <a:spLocks noGrp="1"/>
+          </p:cNvSpPr>
+          <p:nvPr>
+            <p:ph type="title"/>
+          </p:nvPr>
+        </p:nvSpPr>
+        <p:spPr/>
+        <p:txBody>
+          <a:bodyPr/>
+          <a:lstStyle/>
+          <a:p>
+            <a:r>
+              <a:rPr lang="ru-RU" dirty="0" smtClean="0"/>
+              <a:t>Тестирование функций</a:t>
+            </a:r>
+            <a:endParaRPr lang="ru-RU" dirty="0"/>
+          </a:p>
+        </p:txBody>
+      </p:sp>
+      <p:pic>
+        <p:nvPicPr>
+          <p:cNvPr id="4" name="Объект 3" descr="https://sun9-49.userapi.com/impg/OPEHpw69ZfKcQzF4CKyz8AkEwqg8bKIFb15t6Q/3mMusoOfYCY.jpg?size=1101x154&amp;quality=96&amp;sign=00ad8c86300a31dc9dfaf8de4bfc16c6&amp;type=album"/>
+          <p:cNvPicPr>
+            <a:picLocks noGrp="1"/>
+          </p:cNvPicPr>
+          <p:nvPr>
+            <p:ph idx="1"/>
+          </p:nvPr>
+        </p:nvPicPr>
+        <p:blipFill>
+          <a:blip r:embed="rId3">
+            <a:extLst>
+              <a:ext uri="{28A0092B-C50C-407E-A947-70E740481C1C}">
+                <a14:useLocalDpi xmlns:a14="http://schemas.microsoft.com/office/drawing/2010/main" val="0"/>
+              </a:ext>
+            </a:extLst>
+          </a:blip>
+          <a:srcRect/>
+          <a:stretch>
+            <a:fillRect/>
+          </a:stretch>
+        </p:blipFill>
+        <p:spPr bwMode="auto">
+          <a:xfrm>
+            <a:off x="1766771" y="5596091"/>
+            <a:ext cx="9152904" cy="1090906"/>
+          </a:xfrm>
+          <a:prstGeom prst="rect">
+            <a:avLst/>
+          </a:prstGeom>
+          <a:noFill/>
+          <a:ln>
+            <a:noFill/>
+          </a:ln>
+        </p:spPr>
+      </p:pic>
+      <p:pic>
+        <p:nvPicPr>
+          <p:cNvPr id="5" name="Рисунок 4"/>
+          <p:cNvPicPr>
+            <a:picLocks noChangeAspect="1"/>
+          </p:cNvPicPr>
+          <p:nvPr/>
+        </p:nvPicPr>
+        <p:blipFill>
+          <a:blip r:embed="rId4"/>
+          <a:stretch>
+            <a:fillRect/>
+          </a:stretch>
+        </p:blipFill>
+        <p:spPr>
+          <a:xfrm>
+            <a:off x="1766771" y="1847516"/>
+            <a:ext cx="8592749" cy="3696216"/>
+          </a:xfrm>
+          <a:prstGeom prst="rect">
+            <a:avLst/>
+          </a:prstGeom>
+        </p:spPr>
+      </p:pic>
+    </p:spTree>
+    <p:extLst>
+      <p:ext uri="{BB962C8B-B14F-4D97-AF65-F5344CB8AC3E}">
+        <p14:creationId xmlns:p14="http://schemas.microsoft.com/office/powerpoint/2010/main" val="2381375381"/>
+      </p:ext>
+    </p:extLst>
+  </p:cSld>
+  <p:clrMapOvr>
+    <a:masterClrMapping/>
+  </p:clrMapOvr>
 </p:sld>
 </file>
 

--- a/Преза_КР.pptx
+++ b/Преза_КР.pptx
@@ -221,7 +221,7 @@
           <a:p>
             <a:fld id="{A3EA5D75-65A6-45CF-B8A8-D293EE720A3B}" type="datetimeFigureOut">
               <a:rPr lang="ru-RU" smtClean="0"/>
-              <a:t>02.06.2021</a:t>
+              <a:t>07.06.2021</a:t>
             </a:fld>
             <a:endParaRPr lang="ru-RU"/>
           </a:p>
@@ -2893,8 +2893,8 @@
           </a:xfrm>
         </p:spPr>
       </p:sp>
-      <mc:AlternateContent xmlns:mc="http://schemas.openxmlformats.org/markup-compatibility/2006">
-        <mc:Choice xmlns:a14="http://schemas.microsoft.com/office/drawing/2010/main" Requires="a14">
+      <mc:AlternateContent xmlns:mc="http://schemas.openxmlformats.org/markup-compatibility/2006" xmlns:a14="http://schemas.microsoft.com/office/drawing/2010/main">
+        <mc:Choice Requires="a14">
           <p:sp>
             <p:nvSpPr>
               <p:cNvPr id="3" name="Заметки 2"/>
@@ -3007,7 +3007,7 @@
                           <a:schemeClr val="tx1"/>
                         </a:solidFill>
                         <a:effectLst/>
-                        <a:latin typeface="+mn-lt"/>
+                        <a:latin typeface="Cambria Math" panose="02040503050406030204" pitchFamily="18" charset="0"/>
                         <a:ea typeface="+mn-ea"/>
                         <a:cs typeface="+mn-cs"/>
                       </a:rPr>
@@ -3074,7 +3074,7 @@
                           <a:schemeClr val="tx1"/>
                         </a:solidFill>
                         <a:effectLst/>
-                        <a:latin typeface="+mn-lt"/>
+                        <a:latin typeface="Cambria Math" panose="02040503050406030204" pitchFamily="18" charset="0"/>
                         <a:ea typeface="+mn-ea"/>
                         <a:cs typeface="+mn-cs"/>
                       </a:rPr>
@@ -3141,7 +3141,7 @@
                           <a:schemeClr val="tx1"/>
                         </a:solidFill>
                         <a:effectLst/>
-                        <a:latin typeface="+mn-lt"/>
+                        <a:latin typeface="Cambria Math" panose="02040503050406030204" pitchFamily="18" charset="0"/>
                         <a:ea typeface="+mn-ea"/>
                         <a:cs typeface="+mn-cs"/>
                       </a:rPr>
@@ -3208,7 +3208,7 @@
                           <a:schemeClr val="tx1"/>
                         </a:solidFill>
                         <a:effectLst/>
-                        <a:latin typeface="+mn-lt"/>
+                        <a:latin typeface="Cambria Math" panose="02040503050406030204" pitchFamily="18" charset="0"/>
                         <a:ea typeface="+mn-ea"/>
                         <a:cs typeface="+mn-cs"/>
                       </a:rPr>
@@ -3275,7 +3275,7 @@
                           <a:schemeClr val="tx1"/>
                         </a:solidFill>
                         <a:effectLst/>
-                        <a:latin typeface="+mn-lt"/>
+                        <a:latin typeface="Cambria Math" panose="02040503050406030204" pitchFamily="18" charset="0"/>
                         <a:ea typeface="+mn-ea"/>
                         <a:cs typeface="+mn-cs"/>
                       </a:rPr>
@@ -3342,7 +3342,7 @@
                           <a:schemeClr val="tx1"/>
                         </a:solidFill>
                         <a:effectLst/>
-                        <a:latin typeface="+mn-lt"/>
+                        <a:latin typeface="Cambria Math" panose="02040503050406030204" pitchFamily="18" charset="0"/>
                         <a:ea typeface="+mn-ea"/>
                         <a:cs typeface="+mn-cs"/>
                       </a:rPr>
@@ -3409,7 +3409,7 @@
                           <a:schemeClr val="tx1"/>
                         </a:solidFill>
                         <a:effectLst/>
-                        <a:latin typeface="+mn-lt"/>
+                        <a:latin typeface="Cambria Math" panose="02040503050406030204" pitchFamily="18" charset="0"/>
                         <a:ea typeface="+mn-ea"/>
                         <a:cs typeface="+mn-cs"/>
                       </a:rPr>
@@ -3543,7 +3543,55 @@
                     <a:ea typeface="+mn-ea"/>
                     <a:cs typeface="+mn-cs"/>
                   </a:rPr>
-                  <a:t>», представленном на рисунке 2, указано четыре сторонних пакета, используемых при разработке пакета «</a:t>
+                  <a:t>», представленном </a:t>
+                </a:r>
+                <a:r>
+                  <a:rPr lang="ru-RU" sz="1600" kern="1200" dirty="0" smtClean="0">
+                    <a:solidFill>
+                      <a:schemeClr val="tx1"/>
+                    </a:solidFill>
+                    <a:effectLst/>
+                    <a:latin typeface="+mn-lt"/>
+                    <a:ea typeface="+mn-ea"/>
+                    <a:cs typeface="+mn-cs"/>
+                  </a:rPr>
+                  <a:t>на</a:t>
+                </a:r>
+                <a:r>
+                  <a:rPr lang="ru-RU" sz="1600" kern="1200" baseline="0" dirty="0" smtClean="0">
+                    <a:solidFill>
+                      <a:schemeClr val="tx1"/>
+                    </a:solidFill>
+                    <a:effectLst/>
+                    <a:latin typeface="+mn-lt"/>
+                    <a:ea typeface="+mn-ea"/>
+                    <a:cs typeface="+mn-cs"/>
+                  </a:rPr>
+                  <a:t> слайде, </a:t>
+                </a:r>
+                <a:r>
+                  <a:rPr lang="ru-RU" sz="1600" kern="1200" dirty="0" smtClean="0">
+                    <a:solidFill>
+                      <a:schemeClr val="tx1"/>
+                    </a:solidFill>
+                    <a:effectLst/>
+                    <a:latin typeface="+mn-lt"/>
+                    <a:ea typeface="+mn-ea"/>
+                    <a:cs typeface="+mn-cs"/>
+                  </a:rPr>
+                  <a:t>указано </a:t>
+                </a:r>
+                <a:r>
+                  <a:rPr lang="ru-RU" sz="1600" kern="1200" dirty="0">
+                    <a:solidFill>
+                      <a:schemeClr val="tx1"/>
+                    </a:solidFill>
+                    <a:effectLst/>
+                    <a:latin typeface="+mn-lt"/>
+                    <a:ea typeface="+mn-ea"/>
+                    <a:cs typeface="+mn-cs"/>
+                  </a:rPr>
+                  <a:t>четыре сторонних пакета, используемых при разработке пакета «</a:t>
                 </a:r>
                 <a:r>
                   <a:rPr lang="en-US" sz="1600" kern="1200" dirty="0" err="1">
@@ -3604,7 +3652,7 @@
                           <a:schemeClr val="tx1"/>
                         </a:solidFill>
                         <a:effectLst/>
-                        <a:latin typeface="+mn-lt"/>
+                        <a:latin typeface="Cambria Math" panose="02040503050406030204" pitchFamily="18" charset="0"/>
                         <a:ea typeface="+mn-ea"/>
                         <a:cs typeface="+mn-cs"/>
                       </a:rPr>
@@ -3659,7 +3707,7 @@
                           <a:schemeClr val="tx1"/>
                         </a:solidFill>
                         <a:effectLst/>
-                        <a:latin typeface="+mn-lt"/>
+                        <a:latin typeface="Cambria Math" panose="02040503050406030204" pitchFamily="18" charset="0"/>
                         <a:ea typeface="+mn-ea"/>
                         <a:cs typeface="+mn-cs"/>
                       </a:rPr>
@@ -3714,7 +3762,7 @@
                           <a:schemeClr val="tx1"/>
                         </a:solidFill>
                         <a:effectLst/>
-                        <a:latin typeface="+mn-lt"/>
+                        <a:latin typeface="Cambria Math" panose="02040503050406030204" pitchFamily="18" charset="0"/>
                         <a:ea typeface="+mn-ea"/>
                         <a:cs typeface="+mn-cs"/>
                       </a:rPr>
@@ -3769,7 +3817,7 @@
                           <a:schemeClr val="tx1"/>
                         </a:solidFill>
                         <a:effectLst/>
-                        <a:latin typeface="+mn-lt"/>
+                        <a:latin typeface="Cambria Math" panose="02040503050406030204" pitchFamily="18" charset="0"/>
                         <a:ea typeface="+mn-ea"/>
                         <a:cs typeface="+mn-cs"/>
                       </a:rPr>
@@ -3814,7 +3862,7 @@
             </p:txBody>
           </p:sp>
         </mc:Choice>
-        <mc:Fallback>
+        <mc:Fallback xmlns="">
           <p:sp>
             <p:nvSpPr>
               <p:cNvPr id="3" name="Заметки 2"/>
@@ -5547,10 +5595,8 @@
                 <a:ea typeface="+mn-ea"/>
                 <a:cs typeface="+mn-cs"/>
               </a:rPr>
-              <a:t>», в которой хранятся файлы с исходным кодом тестов функций. Один из подобных файлов представлен ниже.</a:t>
-            </a:r>
-          </a:p>
-          <a:p>
+              <a:t>», в которой хранятся файлы с исходным кодом тестов функций. Один из подобных файлов представлен </a:t>
+            </a:r>
             <a:r>
               <a:rPr lang="ru-RU" sz="1600" kern="1200" dirty="0" smtClean="0">
                 <a:solidFill>
@@ -5561,7 +5607,66 @@
                 <a:ea typeface="+mn-ea"/>
                 <a:cs typeface="+mn-cs"/>
               </a:rPr>
-              <a:t>В каждый файл импортируется пакет для тестирования и разрабатываемый пакет, которому пишутся тесты в данный момент. С 8-ой по 16-ую строку ниже представлен пример исходного кода одного из юнит-тестов для конкретной функции </a:t>
+              <a:t>на слайде.</a:t>
+            </a:r>
+            <a:endParaRPr lang="ru-RU" sz="1600" kern="1200" dirty="0" smtClean="0">
+              <a:solidFill>
+                <a:schemeClr val="tx1"/>
+              </a:solidFill>
+              <a:effectLst/>
+              <a:latin typeface="+mn-lt"/>
+              <a:ea typeface="+mn-ea"/>
+              <a:cs typeface="+mn-cs"/>
+            </a:endParaRPr>
+          </a:p>
+          <a:p>
+            <a:r>
+              <a:rPr lang="ru-RU" sz="1600" kern="1200" dirty="0" smtClean="0">
+                <a:solidFill>
+                  <a:schemeClr val="tx1"/>
+                </a:solidFill>
+                <a:effectLst/>
+                <a:latin typeface="+mn-lt"/>
+                <a:ea typeface="+mn-ea"/>
+                <a:cs typeface="+mn-cs"/>
+              </a:rPr>
+              <a:t>В каждый файл импортируется пакет для тестирования и разрабатываемый пакет, которому пишутся тесты в данный момент. С 8-ой по 16-ую </a:t>
+            </a:r>
+            <a:r>
+              <a:rPr lang="ru-RU" sz="1600" kern="1200" smtClean="0">
+                <a:solidFill>
+                  <a:schemeClr val="tx1"/>
+                </a:solidFill>
+                <a:effectLst/>
+                <a:latin typeface="+mn-lt"/>
+                <a:ea typeface="+mn-ea"/>
+                <a:cs typeface="+mn-cs"/>
+              </a:rPr>
+              <a:t>строку </a:t>
+            </a:r>
+            <a:r>
+              <a:rPr lang="ru-RU" sz="1600" kern="1200" smtClean="0">
+                <a:solidFill>
+                  <a:schemeClr val="tx1"/>
+                </a:solidFill>
+                <a:effectLst/>
+                <a:latin typeface="+mn-lt"/>
+                <a:ea typeface="+mn-ea"/>
+                <a:cs typeface="+mn-cs"/>
+              </a:rPr>
+              <a:t>представлен </a:t>
+            </a:r>
+            <a:r>
+              <a:rPr lang="ru-RU" sz="1600" kern="1200" dirty="0" smtClean="0">
+                <a:solidFill>
+                  <a:schemeClr val="tx1"/>
+                </a:solidFill>
+                <a:effectLst/>
+                <a:latin typeface="+mn-lt"/>
+                <a:ea typeface="+mn-ea"/>
+                <a:cs typeface="+mn-cs"/>
+              </a:rPr>
+              <a:t>пример исходного кода одного из юнит-тестов для конкретной функции </a:t>
             </a:r>
             <a:r>
               <a:rPr lang="en-US" sz="1600" kern="1200" dirty="0" smtClean="0">
@@ -5802,7 +5907,7 @@
           <a:p>
             <a:fld id="{73CDA8E4-2F89-47B8-98E4-9AC1AEF737F3}" type="datetimeFigureOut">
               <a:rPr lang="ru-RU" smtClean="0"/>
-              <a:t>02.06.2021</a:t>
+              <a:t>07.06.2021</a:t>
             </a:fld>
             <a:endParaRPr lang="ru-RU"/>
           </a:p>
@@ -5967,7 +6072,7 @@
           <a:p>
             <a:fld id="{73CDA8E4-2F89-47B8-98E4-9AC1AEF737F3}" type="datetimeFigureOut">
               <a:rPr lang="ru-RU" smtClean="0"/>
-              <a:t>02.06.2021</a:t>
+              <a:t>07.06.2021</a:t>
             </a:fld>
             <a:endParaRPr lang="ru-RU"/>
           </a:p>
@@ -6142,7 +6247,7 @@
           <a:p>
             <a:fld id="{73CDA8E4-2F89-47B8-98E4-9AC1AEF737F3}" type="datetimeFigureOut">
               <a:rPr lang="ru-RU" smtClean="0"/>
-              <a:t>02.06.2021</a:t>
+              <a:t>07.06.2021</a:t>
             </a:fld>
             <a:endParaRPr lang="ru-RU"/>
           </a:p>
@@ -6307,7 +6412,7 @@
           <a:p>
             <a:fld id="{73CDA8E4-2F89-47B8-98E4-9AC1AEF737F3}" type="datetimeFigureOut">
               <a:rPr lang="ru-RU" smtClean="0"/>
-              <a:t>02.06.2021</a:t>
+              <a:t>07.06.2021</a:t>
             </a:fld>
             <a:endParaRPr lang="ru-RU"/>
           </a:p>
@@ -6549,7 +6654,7 @@
           <a:p>
             <a:fld id="{73CDA8E4-2F89-47B8-98E4-9AC1AEF737F3}" type="datetimeFigureOut">
               <a:rPr lang="ru-RU" smtClean="0"/>
-              <a:t>02.06.2021</a:t>
+              <a:t>07.06.2021</a:t>
             </a:fld>
             <a:endParaRPr lang="ru-RU"/>
           </a:p>
@@ -6813,7 +6918,7 @@
           <a:p>
             <a:fld id="{73CDA8E4-2F89-47B8-98E4-9AC1AEF737F3}" type="datetimeFigureOut">
               <a:rPr lang="ru-RU" smtClean="0"/>
-              <a:t>02.06.2021</a:t>
+              <a:t>07.06.2021</a:t>
             </a:fld>
             <a:endParaRPr lang="ru-RU"/>
           </a:p>
@@ -7191,7 +7296,7 @@
           <a:p>
             <a:fld id="{73CDA8E4-2F89-47B8-98E4-9AC1AEF737F3}" type="datetimeFigureOut">
               <a:rPr lang="ru-RU" smtClean="0"/>
-              <a:t>02.06.2021</a:t>
+              <a:t>07.06.2021</a:t>
             </a:fld>
             <a:endParaRPr lang="ru-RU"/>
           </a:p>
@@ -7341,7 +7446,7 @@
           <a:p>
             <a:fld id="{73CDA8E4-2F89-47B8-98E4-9AC1AEF737F3}" type="datetimeFigureOut">
               <a:rPr lang="ru-RU" smtClean="0"/>
-              <a:t>02.06.2021</a:t>
+              <a:t>07.06.2021</a:t>
             </a:fld>
             <a:endParaRPr lang="ru-RU"/>
           </a:p>
@@ -7431,7 +7536,7 @@
           <a:p>
             <a:fld id="{73CDA8E4-2F89-47B8-98E4-9AC1AEF737F3}" type="datetimeFigureOut">
               <a:rPr lang="ru-RU" smtClean="0"/>
-              <a:t>02.06.2021</a:t>
+              <a:t>07.06.2021</a:t>
             </a:fld>
             <a:endParaRPr lang="ru-RU"/>
           </a:p>
@@ -7692,7 +7797,7 @@
           <a:p>
             <a:fld id="{73CDA8E4-2F89-47B8-98E4-9AC1AEF737F3}" type="datetimeFigureOut">
               <a:rPr lang="ru-RU" smtClean="0"/>
-              <a:t>02.06.2021</a:t>
+              <a:t>07.06.2021</a:t>
             </a:fld>
             <a:endParaRPr lang="ru-RU"/>
           </a:p>
@@ -7980,7 +8085,7 @@
           <a:p>
             <a:fld id="{73CDA8E4-2F89-47B8-98E4-9AC1AEF737F3}" type="datetimeFigureOut">
               <a:rPr lang="ru-RU" smtClean="0"/>
-              <a:t>02.06.2021</a:t>
+              <a:t>07.06.2021</a:t>
             </a:fld>
             <a:endParaRPr lang="ru-RU"/>
           </a:p>
@@ -8743,7 +8848,7 @@
           <a:p>
             <a:fld id="{73CDA8E4-2F89-47B8-98E4-9AC1AEF737F3}" type="datetimeFigureOut">
               <a:rPr lang="ru-RU" smtClean="0"/>
-              <a:t>02.06.2021</a:t>
+              <a:t>07.06.2021</a:t>
             </a:fld>
             <a:endParaRPr lang="ru-RU"/>
           </a:p>
@@ -10296,11 +10401,7 @@
             </a:r>
             <a:r>
               <a:rPr lang="ru-RU" dirty="0" smtClean="0"/>
-              <a:t>ссылка</a:t>
-            </a:r>
-            <a:r>
-              <a:rPr lang="ru-RU" dirty="0" smtClean="0"/>
-              <a:t>)»</a:t>
+              <a:t>ссылка)»</a:t>
             </a:r>
           </a:p>
           <a:p>
@@ -11872,32 +11973,6 @@
           <a:chExt cx="0" cy="0"/>
         </a:xfrm>
       </p:grpSpPr>
-      <p:sp>
-        <p:nvSpPr>
-          <p:cNvPr id="2" name="Заголовок 1"/>
-          <p:cNvSpPr>
-            <a:spLocks noGrp="1"/>
-          </p:cNvSpPr>
-          <p:nvPr>
-            <p:ph type="title"/>
-          </p:nvPr>
-        </p:nvSpPr>
-        <p:spPr/>
-        <p:txBody>
-          <a:bodyPr>
-            <a:normAutofit fontScale="90000"/>
-          </a:bodyPr>
-          <a:lstStyle/>
-          <a:p>
-            <a:pPr algn="ctr"/>
-            <a:r>
-              <a:rPr lang="ru-RU" sz="5800" dirty="0" smtClean="0"/>
-              <a:t>Пример оформления исходного кода функции</a:t>
-            </a:r>
-            <a:endParaRPr lang="ru-RU" sz="5800" dirty="0"/>
-          </a:p>
-        </p:txBody>
-      </p:sp>
       <p:pic>
         <p:nvPicPr>
           <p:cNvPr id="5" name="Объект 4"/>
@@ -11965,6 +12040,32 @@
           </a:extLst>
         </p:spPr>
       </p:pic>
+      <p:sp>
+        <p:nvSpPr>
+          <p:cNvPr id="2" name="Заголовок 1"/>
+          <p:cNvSpPr>
+            <a:spLocks noGrp="1"/>
+          </p:cNvSpPr>
+          <p:nvPr>
+            <p:ph type="title"/>
+          </p:nvPr>
+        </p:nvSpPr>
+        <p:spPr/>
+        <p:txBody>
+          <a:bodyPr>
+            <a:normAutofit fontScale="90000"/>
+          </a:bodyPr>
+          <a:lstStyle/>
+          <a:p>
+            <a:pPr algn="ctr"/>
+            <a:r>
+              <a:rPr lang="ru-RU" sz="5800" dirty="0" smtClean="0"/>
+              <a:t>Пример оформления исходного кода функции</a:t>
+            </a:r>
+            <a:endParaRPr lang="ru-RU" sz="5800" dirty="0"/>
+          </a:p>
+        </p:txBody>
+      </p:sp>
     </p:spTree>
     <p:extLst>
       <p:ext uri="{BB962C8B-B14F-4D97-AF65-F5344CB8AC3E}">
